--- a/RaspberryPI_Estacion_Web_Meteorologica.pptx
+++ b/RaspberryPI_Estacion_Web_Meteorologica.pptx
@@ -5,10 +5,10 @@
     <p:sldMasterId id="2147483658" r:id="rId4"/>
   </p:sldMasterIdLst>
   <p:notesMasterIdLst>
-    <p:notesMasterId r:id="rId11"/>
+    <p:notesMasterId r:id="rId18"/>
   </p:notesMasterIdLst>
   <p:handoutMasterIdLst>
-    <p:handoutMasterId r:id="rId12"/>
+    <p:handoutMasterId r:id="rId19"/>
   </p:handoutMasterIdLst>
   <p:sldIdLst>
     <p:sldId id="410" r:id="rId5"/>
@@ -16,7 +16,14 @@
     <p:sldId id="391" r:id="rId7"/>
     <p:sldId id="411" r:id="rId8"/>
     <p:sldId id="412" r:id="rId9"/>
-    <p:sldId id="398" r:id="rId10"/>
+    <p:sldId id="414" r:id="rId10"/>
+    <p:sldId id="413" r:id="rId11"/>
+    <p:sldId id="415" r:id="rId12"/>
+    <p:sldId id="416" r:id="rId13"/>
+    <p:sldId id="417" r:id="rId14"/>
+    <p:sldId id="418" r:id="rId15"/>
+    <p:sldId id="398" r:id="rId16"/>
+    <p:sldId id="419" r:id="rId17"/>
   </p:sldIdLst>
   <p:sldSz cx="12192000" cy="6858000"/>
   <p:notesSz cx="6858000" cy="9144000"/>
@@ -196,7 +203,7 @@
             <a:pPr rtl="0"/>
             <a:fld id="{E92A46E5-772B-4A8A-A167-62663A29553C}" type="datetime1">
               <a:rPr lang="es-ES" smtClean="0"/>
-              <a:t>10/07/2024</a:t>
+              <a:t>17/07/2024</a:t>
             </a:fld>
             <a:endParaRPr lang="es-ES" dirty="0"/>
           </a:p>
@@ -416,7 +423,7 @@
             <a:pPr rtl="0"/>
             <a:fld id="{16DB30B6-91B7-493F-B445-96E1D2848A7B}" type="datetime1">
               <a:rPr lang="es-ES" smtClean="0"/>
-              <a:t>10/07/2024</a:t>
+              <a:t>17/07/2024</a:t>
             </a:fld>
             <a:endParaRPr lang="es-ES" dirty="0"/>
           </a:p>
@@ -789,6 +796,382 @@
 </p:notes>
 </file>
 
+<file path=ppt/notesSlides/notesSlide10.xml><?xml version="1.0" encoding="utf-8"?>
+<p:notes xmlns:a="http://schemas.openxmlformats.org/drawingml/2006/main" xmlns:r="http://schemas.openxmlformats.org/officeDocument/2006/relationships" xmlns:p="http://schemas.openxmlformats.org/presentationml/2006/main">
+  <p:cSld>
+    <p:spTree>
+      <p:nvGrpSpPr>
+        <p:cNvPr id="1" name=""/>
+        <p:cNvGrpSpPr/>
+        <p:nvPr/>
+      </p:nvGrpSpPr>
+      <p:grpSpPr>
+        <a:xfrm>
+          <a:off x="0" y="0"/>
+          <a:ext cx="0" cy="0"/>
+          <a:chOff x="0" y="0"/>
+          <a:chExt cx="0" cy="0"/>
+        </a:xfrm>
+      </p:grpSpPr>
+      <p:sp>
+        <p:nvSpPr>
+          <p:cNvPr id="2" name="Marcador de imagen de diapositiva 1"/>
+          <p:cNvSpPr>
+            <a:spLocks noGrp="1" noRot="1" noChangeAspect="1"/>
+          </p:cNvSpPr>
+          <p:nvPr>
+            <p:ph type="sldImg"/>
+          </p:nvPr>
+        </p:nvSpPr>
+        <p:spPr/>
+      </p:sp>
+      <p:sp>
+        <p:nvSpPr>
+          <p:cNvPr id="3" name="Marcador de notas 2"/>
+          <p:cNvSpPr>
+            <a:spLocks noGrp="1"/>
+          </p:cNvSpPr>
+          <p:nvPr>
+            <p:ph type="body" idx="1"/>
+          </p:nvPr>
+        </p:nvSpPr>
+        <p:spPr/>
+        <p:txBody>
+          <a:bodyPr rtlCol="0"/>
+          <a:lstStyle>
+            <a:defPPr>
+              <a:defRPr lang="es-ES"/>
+            </a:defPPr>
+          </a:lstStyle>
+          <a:p>
+            <a:pPr rtl="0"/>
+            <a:endParaRPr lang="es-ES" dirty="0"/>
+          </a:p>
+        </p:txBody>
+      </p:sp>
+      <p:sp>
+        <p:nvSpPr>
+          <p:cNvPr id="4" name="Marcador de número de diapositiva 3"/>
+          <p:cNvSpPr>
+            <a:spLocks noGrp="1"/>
+          </p:cNvSpPr>
+          <p:nvPr>
+            <p:ph type="sldNum" sz="quarter" idx="5"/>
+          </p:nvPr>
+        </p:nvSpPr>
+        <p:spPr/>
+        <p:txBody>
+          <a:bodyPr rtlCol="0"/>
+          <a:lstStyle>
+            <a:defPPr>
+              <a:defRPr lang="es-ES"/>
+            </a:defPPr>
+          </a:lstStyle>
+          <a:p>
+            <a:pPr rtl="0"/>
+            <a:fld id="{A89C7E07-3C67-C64C-8DA0-0404F6303970}" type="slidenum">
+              <a:rPr lang="es-ES" smtClean="0"/>
+              <a:t>10</a:t>
+            </a:fld>
+            <a:endParaRPr lang="es-ES" dirty="0"/>
+          </a:p>
+        </p:txBody>
+      </p:sp>
+    </p:spTree>
+    <p:extLst>
+      <p:ext uri="{BB962C8B-B14F-4D97-AF65-F5344CB8AC3E}">
+        <p14:creationId xmlns:p14="http://schemas.microsoft.com/office/powerpoint/2010/main" val="2183117770"/>
+      </p:ext>
+    </p:extLst>
+  </p:cSld>
+  <p:clrMapOvr>
+    <a:masterClrMapping/>
+  </p:clrMapOvr>
+</p:notes>
+</file>
+
+<file path=ppt/notesSlides/notesSlide11.xml><?xml version="1.0" encoding="utf-8"?>
+<p:notes xmlns:a="http://schemas.openxmlformats.org/drawingml/2006/main" xmlns:r="http://schemas.openxmlformats.org/officeDocument/2006/relationships" xmlns:p="http://schemas.openxmlformats.org/presentationml/2006/main">
+  <p:cSld>
+    <p:spTree>
+      <p:nvGrpSpPr>
+        <p:cNvPr id="1" name=""/>
+        <p:cNvGrpSpPr/>
+        <p:nvPr/>
+      </p:nvGrpSpPr>
+      <p:grpSpPr>
+        <a:xfrm>
+          <a:off x="0" y="0"/>
+          <a:ext cx="0" cy="0"/>
+          <a:chOff x="0" y="0"/>
+          <a:chExt cx="0" cy="0"/>
+        </a:xfrm>
+      </p:grpSpPr>
+      <p:sp>
+        <p:nvSpPr>
+          <p:cNvPr id="2" name="Marcador de imagen de diapositiva 1"/>
+          <p:cNvSpPr>
+            <a:spLocks noGrp="1" noRot="1" noChangeAspect="1"/>
+          </p:cNvSpPr>
+          <p:nvPr>
+            <p:ph type="sldImg"/>
+          </p:nvPr>
+        </p:nvSpPr>
+        <p:spPr/>
+      </p:sp>
+      <p:sp>
+        <p:nvSpPr>
+          <p:cNvPr id="3" name="Marcador de notas 2"/>
+          <p:cNvSpPr>
+            <a:spLocks noGrp="1"/>
+          </p:cNvSpPr>
+          <p:nvPr>
+            <p:ph type="body" idx="1"/>
+          </p:nvPr>
+        </p:nvSpPr>
+        <p:spPr/>
+        <p:txBody>
+          <a:bodyPr rtlCol="0"/>
+          <a:lstStyle>
+            <a:defPPr>
+              <a:defRPr lang="es-ES"/>
+            </a:defPPr>
+          </a:lstStyle>
+          <a:p>
+            <a:pPr rtl="0"/>
+            <a:endParaRPr lang="es-ES" dirty="0"/>
+          </a:p>
+        </p:txBody>
+      </p:sp>
+      <p:sp>
+        <p:nvSpPr>
+          <p:cNvPr id="4" name="Marcador de número de diapositiva 3"/>
+          <p:cNvSpPr>
+            <a:spLocks noGrp="1"/>
+          </p:cNvSpPr>
+          <p:nvPr>
+            <p:ph type="sldNum" sz="quarter" idx="5"/>
+          </p:nvPr>
+        </p:nvSpPr>
+        <p:spPr/>
+        <p:txBody>
+          <a:bodyPr rtlCol="0"/>
+          <a:lstStyle>
+            <a:defPPr>
+              <a:defRPr lang="es-ES"/>
+            </a:defPPr>
+          </a:lstStyle>
+          <a:p>
+            <a:pPr rtl="0"/>
+            <a:fld id="{A89C7E07-3C67-C64C-8DA0-0404F6303970}" type="slidenum">
+              <a:rPr lang="es-ES" smtClean="0"/>
+              <a:t>11</a:t>
+            </a:fld>
+            <a:endParaRPr lang="es-ES" dirty="0"/>
+          </a:p>
+        </p:txBody>
+      </p:sp>
+    </p:spTree>
+    <p:extLst>
+      <p:ext uri="{BB962C8B-B14F-4D97-AF65-F5344CB8AC3E}">
+        <p14:creationId xmlns:p14="http://schemas.microsoft.com/office/powerpoint/2010/main" val="3438301695"/>
+      </p:ext>
+    </p:extLst>
+  </p:cSld>
+  <p:clrMapOvr>
+    <a:masterClrMapping/>
+  </p:clrMapOvr>
+</p:notes>
+</file>
+
+<file path=ppt/notesSlides/notesSlide12.xml><?xml version="1.0" encoding="utf-8"?>
+<p:notes xmlns:a="http://schemas.openxmlformats.org/drawingml/2006/main" xmlns:r="http://schemas.openxmlformats.org/officeDocument/2006/relationships" xmlns:p="http://schemas.openxmlformats.org/presentationml/2006/main">
+  <p:cSld>
+    <p:spTree>
+      <p:nvGrpSpPr>
+        <p:cNvPr id="1" name=""/>
+        <p:cNvGrpSpPr/>
+        <p:nvPr/>
+      </p:nvGrpSpPr>
+      <p:grpSpPr>
+        <a:xfrm>
+          <a:off x="0" y="0"/>
+          <a:ext cx="0" cy="0"/>
+          <a:chOff x="0" y="0"/>
+          <a:chExt cx="0" cy="0"/>
+        </a:xfrm>
+      </p:grpSpPr>
+      <p:sp>
+        <p:nvSpPr>
+          <p:cNvPr id="2" name="Marcador de imagen de diapositiva 1"/>
+          <p:cNvSpPr>
+            <a:spLocks noGrp="1" noRot="1" noChangeAspect="1"/>
+          </p:cNvSpPr>
+          <p:nvPr>
+            <p:ph type="sldImg"/>
+          </p:nvPr>
+        </p:nvSpPr>
+        <p:spPr/>
+      </p:sp>
+      <p:sp>
+        <p:nvSpPr>
+          <p:cNvPr id="3" name="Marcador de notas 2"/>
+          <p:cNvSpPr>
+            <a:spLocks noGrp="1"/>
+          </p:cNvSpPr>
+          <p:nvPr>
+            <p:ph type="body" idx="1"/>
+          </p:nvPr>
+        </p:nvSpPr>
+        <p:spPr/>
+        <p:txBody>
+          <a:bodyPr rtlCol="0"/>
+          <a:lstStyle>
+            <a:defPPr>
+              <a:defRPr lang="es-ES"/>
+            </a:defPPr>
+          </a:lstStyle>
+          <a:p>
+            <a:pPr rtl="0"/>
+            <a:endParaRPr lang="es-ES" dirty="0"/>
+          </a:p>
+        </p:txBody>
+      </p:sp>
+      <p:sp>
+        <p:nvSpPr>
+          <p:cNvPr id="4" name="Marcador de número de diapositiva 3"/>
+          <p:cNvSpPr>
+            <a:spLocks noGrp="1"/>
+          </p:cNvSpPr>
+          <p:nvPr>
+            <p:ph type="sldNum" sz="quarter" idx="5"/>
+          </p:nvPr>
+        </p:nvSpPr>
+        <p:spPr/>
+        <p:txBody>
+          <a:bodyPr rtlCol="0"/>
+          <a:lstStyle>
+            <a:defPPr>
+              <a:defRPr lang="es-ES"/>
+            </a:defPPr>
+          </a:lstStyle>
+          <a:p>
+            <a:pPr rtl="0"/>
+            <a:fld id="{A89C7E07-3C67-C64C-8DA0-0404F6303970}" type="slidenum">
+              <a:rPr lang="es-ES" smtClean="0"/>
+              <a:t>12</a:t>
+            </a:fld>
+            <a:endParaRPr lang="es-ES" dirty="0"/>
+          </a:p>
+        </p:txBody>
+      </p:sp>
+    </p:spTree>
+    <p:extLst>
+      <p:ext uri="{BB962C8B-B14F-4D97-AF65-F5344CB8AC3E}">
+        <p14:creationId xmlns:p14="http://schemas.microsoft.com/office/powerpoint/2010/main" val="1765923172"/>
+      </p:ext>
+    </p:extLst>
+  </p:cSld>
+  <p:clrMapOvr>
+    <a:masterClrMapping/>
+  </p:clrMapOvr>
+</p:notes>
+</file>
+
+<file path=ppt/notesSlides/notesSlide13.xml><?xml version="1.0" encoding="utf-8"?>
+<p:notes xmlns:a="http://schemas.openxmlformats.org/drawingml/2006/main" xmlns:r="http://schemas.openxmlformats.org/officeDocument/2006/relationships" xmlns:p="http://schemas.openxmlformats.org/presentationml/2006/main">
+  <p:cSld>
+    <p:spTree>
+      <p:nvGrpSpPr>
+        <p:cNvPr id="1" name=""/>
+        <p:cNvGrpSpPr/>
+        <p:nvPr/>
+      </p:nvGrpSpPr>
+      <p:grpSpPr>
+        <a:xfrm>
+          <a:off x="0" y="0"/>
+          <a:ext cx="0" cy="0"/>
+          <a:chOff x="0" y="0"/>
+          <a:chExt cx="0" cy="0"/>
+        </a:xfrm>
+      </p:grpSpPr>
+      <p:sp>
+        <p:nvSpPr>
+          <p:cNvPr id="2" name="Marcador de imagen de diapositiva 1"/>
+          <p:cNvSpPr>
+            <a:spLocks noGrp="1" noRot="1" noChangeAspect="1"/>
+          </p:cNvSpPr>
+          <p:nvPr>
+            <p:ph type="sldImg"/>
+          </p:nvPr>
+        </p:nvSpPr>
+        <p:spPr/>
+      </p:sp>
+      <p:sp>
+        <p:nvSpPr>
+          <p:cNvPr id="3" name="Marcador de notas 2"/>
+          <p:cNvSpPr>
+            <a:spLocks noGrp="1"/>
+          </p:cNvSpPr>
+          <p:nvPr>
+            <p:ph type="body" idx="1"/>
+          </p:nvPr>
+        </p:nvSpPr>
+        <p:spPr/>
+        <p:txBody>
+          <a:bodyPr rtlCol="0"/>
+          <a:lstStyle>
+            <a:defPPr>
+              <a:defRPr lang="es-ES"/>
+            </a:defPPr>
+          </a:lstStyle>
+          <a:p>
+            <a:pPr rtl="0"/>
+            <a:endParaRPr lang="es-ES" dirty="0"/>
+          </a:p>
+        </p:txBody>
+      </p:sp>
+      <p:sp>
+        <p:nvSpPr>
+          <p:cNvPr id="4" name="Marcador de número de diapositiva 3"/>
+          <p:cNvSpPr>
+            <a:spLocks noGrp="1"/>
+          </p:cNvSpPr>
+          <p:nvPr>
+            <p:ph type="sldNum" sz="quarter" idx="5"/>
+          </p:nvPr>
+        </p:nvSpPr>
+        <p:spPr/>
+        <p:txBody>
+          <a:bodyPr rtlCol="0"/>
+          <a:lstStyle>
+            <a:defPPr>
+              <a:defRPr lang="es-ES"/>
+            </a:defPPr>
+          </a:lstStyle>
+          <a:p>
+            <a:pPr rtl="0"/>
+            <a:fld id="{A89C7E07-3C67-C64C-8DA0-0404F6303970}" type="slidenum">
+              <a:rPr lang="es-ES" smtClean="0"/>
+              <a:t>13</a:t>
+            </a:fld>
+            <a:endParaRPr lang="es-ES" dirty="0"/>
+          </a:p>
+        </p:txBody>
+      </p:sp>
+    </p:spTree>
+    <p:extLst>
+      <p:ext uri="{BB962C8B-B14F-4D97-AF65-F5344CB8AC3E}">
+        <p14:creationId xmlns:p14="http://schemas.microsoft.com/office/powerpoint/2010/main" val="2668715428"/>
+      </p:ext>
+    </p:extLst>
+  </p:cSld>
+  <p:clrMapOvr>
+    <a:masterClrMapping/>
+  </p:clrMapOvr>
+</p:notes>
+</file>
+
 <file path=ppt/notesSlides/notesSlide2.xml><?xml version="1.0" encoding="utf-8"?>
 <p:notes xmlns:a="http://schemas.openxmlformats.org/drawingml/2006/main" xmlns:r="http://schemas.openxmlformats.org/officeDocument/2006/relationships" xmlns:p="http://schemas.openxmlformats.org/presentationml/2006/main">
   <p:cSld>
@@ -1249,7 +1632,289 @@
     </p:spTree>
     <p:extLst>
       <p:ext uri="{BB962C8B-B14F-4D97-AF65-F5344CB8AC3E}">
-        <p14:creationId xmlns:p14="http://schemas.microsoft.com/office/powerpoint/2010/main" val="1765923172"/>
+        <p14:creationId xmlns:p14="http://schemas.microsoft.com/office/powerpoint/2010/main" val="1693574319"/>
+      </p:ext>
+    </p:extLst>
+  </p:cSld>
+  <p:clrMapOvr>
+    <a:masterClrMapping/>
+  </p:clrMapOvr>
+</p:notes>
+</file>
+
+<file path=ppt/notesSlides/notesSlide7.xml><?xml version="1.0" encoding="utf-8"?>
+<p:notes xmlns:a="http://schemas.openxmlformats.org/drawingml/2006/main" xmlns:r="http://schemas.openxmlformats.org/officeDocument/2006/relationships" xmlns:p="http://schemas.openxmlformats.org/presentationml/2006/main">
+  <p:cSld>
+    <p:spTree>
+      <p:nvGrpSpPr>
+        <p:cNvPr id="1" name=""/>
+        <p:cNvGrpSpPr/>
+        <p:nvPr/>
+      </p:nvGrpSpPr>
+      <p:grpSpPr>
+        <a:xfrm>
+          <a:off x="0" y="0"/>
+          <a:ext cx="0" cy="0"/>
+          <a:chOff x="0" y="0"/>
+          <a:chExt cx="0" cy="0"/>
+        </a:xfrm>
+      </p:grpSpPr>
+      <p:sp>
+        <p:nvSpPr>
+          <p:cNvPr id="2" name="Marcador de imagen de diapositiva 1"/>
+          <p:cNvSpPr>
+            <a:spLocks noGrp="1" noRot="1" noChangeAspect="1"/>
+          </p:cNvSpPr>
+          <p:nvPr>
+            <p:ph type="sldImg"/>
+          </p:nvPr>
+        </p:nvSpPr>
+        <p:spPr/>
+      </p:sp>
+      <p:sp>
+        <p:nvSpPr>
+          <p:cNvPr id="3" name="Marcador de notas 2"/>
+          <p:cNvSpPr>
+            <a:spLocks noGrp="1"/>
+          </p:cNvSpPr>
+          <p:nvPr>
+            <p:ph type="body" idx="1"/>
+          </p:nvPr>
+        </p:nvSpPr>
+        <p:spPr/>
+        <p:txBody>
+          <a:bodyPr rtlCol="0"/>
+          <a:lstStyle>
+            <a:defPPr>
+              <a:defRPr lang="es-ES"/>
+            </a:defPPr>
+          </a:lstStyle>
+          <a:p>
+            <a:pPr rtl="0"/>
+            <a:endParaRPr lang="es-ES" dirty="0"/>
+          </a:p>
+        </p:txBody>
+      </p:sp>
+      <p:sp>
+        <p:nvSpPr>
+          <p:cNvPr id="4" name="Marcador de número de diapositiva 3"/>
+          <p:cNvSpPr>
+            <a:spLocks noGrp="1"/>
+          </p:cNvSpPr>
+          <p:nvPr>
+            <p:ph type="sldNum" sz="quarter" idx="5"/>
+          </p:nvPr>
+        </p:nvSpPr>
+        <p:spPr/>
+        <p:txBody>
+          <a:bodyPr rtlCol="0"/>
+          <a:lstStyle>
+            <a:defPPr>
+              <a:defRPr lang="es-ES"/>
+            </a:defPPr>
+          </a:lstStyle>
+          <a:p>
+            <a:pPr rtl="0"/>
+            <a:fld id="{A89C7E07-3C67-C64C-8DA0-0404F6303970}" type="slidenum">
+              <a:rPr lang="es-ES" smtClean="0"/>
+              <a:t>7</a:t>
+            </a:fld>
+            <a:endParaRPr lang="es-ES" dirty="0"/>
+          </a:p>
+        </p:txBody>
+      </p:sp>
+    </p:spTree>
+    <p:extLst>
+      <p:ext uri="{BB962C8B-B14F-4D97-AF65-F5344CB8AC3E}">
+        <p14:creationId xmlns:p14="http://schemas.microsoft.com/office/powerpoint/2010/main" val="3153636066"/>
+      </p:ext>
+    </p:extLst>
+  </p:cSld>
+  <p:clrMapOvr>
+    <a:masterClrMapping/>
+  </p:clrMapOvr>
+</p:notes>
+</file>
+
+<file path=ppt/notesSlides/notesSlide8.xml><?xml version="1.0" encoding="utf-8"?>
+<p:notes xmlns:a="http://schemas.openxmlformats.org/drawingml/2006/main" xmlns:r="http://schemas.openxmlformats.org/officeDocument/2006/relationships" xmlns:p="http://schemas.openxmlformats.org/presentationml/2006/main">
+  <p:cSld>
+    <p:spTree>
+      <p:nvGrpSpPr>
+        <p:cNvPr id="1" name=""/>
+        <p:cNvGrpSpPr/>
+        <p:nvPr/>
+      </p:nvGrpSpPr>
+      <p:grpSpPr>
+        <a:xfrm>
+          <a:off x="0" y="0"/>
+          <a:ext cx="0" cy="0"/>
+          <a:chOff x="0" y="0"/>
+          <a:chExt cx="0" cy="0"/>
+        </a:xfrm>
+      </p:grpSpPr>
+      <p:sp>
+        <p:nvSpPr>
+          <p:cNvPr id="2" name="Marcador de imagen de diapositiva 1"/>
+          <p:cNvSpPr>
+            <a:spLocks noGrp="1" noRot="1" noChangeAspect="1"/>
+          </p:cNvSpPr>
+          <p:nvPr>
+            <p:ph type="sldImg"/>
+          </p:nvPr>
+        </p:nvSpPr>
+        <p:spPr/>
+      </p:sp>
+      <p:sp>
+        <p:nvSpPr>
+          <p:cNvPr id="3" name="Marcador de notas 2"/>
+          <p:cNvSpPr>
+            <a:spLocks noGrp="1"/>
+          </p:cNvSpPr>
+          <p:nvPr>
+            <p:ph type="body" idx="1"/>
+          </p:nvPr>
+        </p:nvSpPr>
+        <p:spPr/>
+        <p:txBody>
+          <a:bodyPr rtlCol="0"/>
+          <a:lstStyle>
+            <a:defPPr>
+              <a:defRPr lang="es-ES"/>
+            </a:defPPr>
+          </a:lstStyle>
+          <a:p>
+            <a:pPr rtl="0"/>
+            <a:endParaRPr lang="es-ES" dirty="0"/>
+          </a:p>
+        </p:txBody>
+      </p:sp>
+      <p:sp>
+        <p:nvSpPr>
+          <p:cNvPr id="4" name="Marcador de número de diapositiva 3"/>
+          <p:cNvSpPr>
+            <a:spLocks noGrp="1"/>
+          </p:cNvSpPr>
+          <p:nvPr>
+            <p:ph type="sldNum" sz="quarter" idx="5"/>
+          </p:nvPr>
+        </p:nvSpPr>
+        <p:spPr/>
+        <p:txBody>
+          <a:bodyPr rtlCol="0"/>
+          <a:lstStyle>
+            <a:defPPr>
+              <a:defRPr lang="es-ES"/>
+            </a:defPPr>
+          </a:lstStyle>
+          <a:p>
+            <a:pPr rtl="0"/>
+            <a:fld id="{A89C7E07-3C67-C64C-8DA0-0404F6303970}" type="slidenum">
+              <a:rPr lang="es-ES" smtClean="0"/>
+              <a:t>8</a:t>
+            </a:fld>
+            <a:endParaRPr lang="es-ES" dirty="0"/>
+          </a:p>
+        </p:txBody>
+      </p:sp>
+    </p:spTree>
+    <p:extLst>
+      <p:ext uri="{BB962C8B-B14F-4D97-AF65-F5344CB8AC3E}">
+        <p14:creationId xmlns:p14="http://schemas.microsoft.com/office/powerpoint/2010/main" val="2527207831"/>
+      </p:ext>
+    </p:extLst>
+  </p:cSld>
+  <p:clrMapOvr>
+    <a:masterClrMapping/>
+  </p:clrMapOvr>
+</p:notes>
+</file>
+
+<file path=ppt/notesSlides/notesSlide9.xml><?xml version="1.0" encoding="utf-8"?>
+<p:notes xmlns:a="http://schemas.openxmlformats.org/drawingml/2006/main" xmlns:r="http://schemas.openxmlformats.org/officeDocument/2006/relationships" xmlns:p="http://schemas.openxmlformats.org/presentationml/2006/main">
+  <p:cSld>
+    <p:spTree>
+      <p:nvGrpSpPr>
+        <p:cNvPr id="1" name=""/>
+        <p:cNvGrpSpPr/>
+        <p:nvPr/>
+      </p:nvGrpSpPr>
+      <p:grpSpPr>
+        <a:xfrm>
+          <a:off x="0" y="0"/>
+          <a:ext cx="0" cy="0"/>
+          <a:chOff x="0" y="0"/>
+          <a:chExt cx="0" cy="0"/>
+        </a:xfrm>
+      </p:grpSpPr>
+      <p:sp>
+        <p:nvSpPr>
+          <p:cNvPr id="2" name="Marcador de imagen de diapositiva 1"/>
+          <p:cNvSpPr>
+            <a:spLocks noGrp="1" noRot="1" noChangeAspect="1"/>
+          </p:cNvSpPr>
+          <p:nvPr>
+            <p:ph type="sldImg"/>
+          </p:nvPr>
+        </p:nvSpPr>
+        <p:spPr/>
+      </p:sp>
+      <p:sp>
+        <p:nvSpPr>
+          <p:cNvPr id="3" name="Marcador de notas 2"/>
+          <p:cNvSpPr>
+            <a:spLocks noGrp="1"/>
+          </p:cNvSpPr>
+          <p:nvPr>
+            <p:ph type="body" idx="1"/>
+          </p:nvPr>
+        </p:nvSpPr>
+        <p:spPr/>
+        <p:txBody>
+          <a:bodyPr rtlCol="0"/>
+          <a:lstStyle>
+            <a:defPPr>
+              <a:defRPr lang="es-ES"/>
+            </a:defPPr>
+          </a:lstStyle>
+          <a:p>
+            <a:pPr rtl="0"/>
+            <a:endParaRPr lang="es-ES" dirty="0"/>
+          </a:p>
+        </p:txBody>
+      </p:sp>
+      <p:sp>
+        <p:nvSpPr>
+          <p:cNvPr id="4" name="Marcador de número de diapositiva 3"/>
+          <p:cNvSpPr>
+            <a:spLocks noGrp="1"/>
+          </p:cNvSpPr>
+          <p:nvPr>
+            <p:ph type="sldNum" sz="quarter" idx="5"/>
+          </p:nvPr>
+        </p:nvSpPr>
+        <p:spPr/>
+        <p:txBody>
+          <a:bodyPr rtlCol="0"/>
+          <a:lstStyle>
+            <a:defPPr>
+              <a:defRPr lang="es-ES"/>
+            </a:defPPr>
+          </a:lstStyle>
+          <a:p>
+            <a:pPr rtl="0"/>
+            <a:fld id="{A89C7E07-3C67-C64C-8DA0-0404F6303970}" type="slidenum">
+              <a:rPr lang="es-ES" smtClean="0"/>
+              <a:t>9</a:t>
+            </a:fld>
+            <a:endParaRPr lang="es-ES" dirty="0"/>
+          </a:p>
+        </p:txBody>
+      </p:sp>
+    </p:spTree>
+    <p:extLst>
+      <p:ext uri="{BB962C8B-B14F-4D97-AF65-F5344CB8AC3E}">
+        <p14:creationId xmlns:p14="http://schemas.microsoft.com/office/powerpoint/2010/main" val="2400250242"/>
       </p:ext>
     </p:extLst>
   </p:cSld>
@@ -9978,189 +10643,7 @@
 </p:sld>
 </file>
 
-<file path=ppt/slides/slide2.xml><?xml version="1.0" encoding="utf-8"?>
-<p:sld xmlns:a="http://schemas.openxmlformats.org/drawingml/2006/main" xmlns:r="http://schemas.openxmlformats.org/officeDocument/2006/relationships" xmlns:p="http://schemas.openxmlformats.org/presentationml/2006/main">
-  <p:cSld>
-    <p:spTree>
-      <p:nvGrpSpPr>
-        <p:cNvPr id="1" name=""/>
-        <p:cNvGrpSpPr/>
-        <p:nvPr/>
-      </p:nvGrpSpPr>
-      <p:grpSpPr>
-        <a:xfrm>
-          <a:off x="0" y="0"/>
-          <a:ext cx="0" cy="0"/>
-          <a:chOff x="0" y="0"/>
-          <a:chExt cx="0" cy="0"/>
-        </a:xfrm>
-      </p:grpSpPr>
-      <p:sp>
-        <p:nvSpPr>
-          <p:cNvPr id="2" name="Título 1">
-            <a:extLst>
-              <a:ext uri="{FF2B5EF4-FFF2-40B4-BE49-F238E27FC236}">
-                <a16:creationId xmlns:a16="http://schemas.microsoft.com/office/drawing/2014/main" id="{B530BF65-C84B-45C3-72CA-AFDA68851174}"/>
-              </a:ext>
-            </a:extLst>
-          </p:cNvPr>
-          <p:cNvSpPr>
-            <a:spLocks noGrp="1"/>
-          </p:cNvSpPr>
-          <p:nvPr>
-            <p:ph type="title"/>
-          </p:nvPr>
-        </p:nvSpPr>
-        <p:spPr>
-          <a:xfrm>
-            <a:off x="594360" y="189572"/>
-            <a:ext cx="6787747" cy="1593507"/>
-          </a:xfrm>
-        </p:spPr>
-        <p:txBody>
-          <a:bodyPr rtlCol="0"/>
-          <a:lstStyle>
-            <a:defPPr>
-              <a:defRPr lang="es-ES"/>
-            </a:defPPr>
-          </a:lstStyle>
-          <a:p>
-            <a:pPr rtl="0"/>
-            <a:r>
-              <a:rPr lang="es-ES" dirty="0"/>
-              <a:t>Introducción</a:t>
-            </a:r>
-          </a:p>
-        </p:txBody>
-      </p:sp>
-      <p:sp>
-        <p:nvSpPr>
-          <p:cNvPr id="3" name="Marcador de texto 2">
-            <a:extLst>
-              <a:ext uri="{FF2B5EF4-FFF2-40B4-BE49-F238E27FC236}">
-                <a16:creationId xmlns:a16="http://schemas.microsoft.com/office/drawing/2014/main" id="{3B8EBC2C-6DD7-5003-38EB-40753046FE8C}"/>
-              </a:ext>
-            </a:extLst>
-          </p:cNvPr>
-          <p:cNvSpPr>
-            <a:spLocks noGrp="1"/>
-          </p:cNvSpPr>
-          <p:nvPr>
-            <p:ph sz="quarter" idx="13"/>
-          </p:nvPr>
-        </p:nvSpPr>
-        <p:spPr>
-          <a:xfrm>
-            <a:off x="594360" y="2486512"/>
-            <a:ext cx="6889426" cy="2402730"/>
-          </a:xfrm>
-        </p:spPr>
-        <p:txBody>
-          <a:bodyPr tIns="457200" rtlCol="0">
-            <a:normAutofit/>
-          </a:bodyPr>
-          <a:lstStyle>
-            <a:defPPr>
-              <a:defRPr lang="es-ES"/>
-            </a:defPPr>
-          </a:lstStyle>
-          <a:p>
-            <a:r>
-              <a:rPr lang="es-ES" sz="2000" b="0" dirty="0">
-                <a:solidFill>
-                  <a:schemeClr val="bg1"/>
-                </a:solidFill>
-              </a:rPr>
-              <a:t>Construir una </a:t>
-            </a:r>
-            <a:r>
-              <a:rPr lang="es-ES" sz="2000" b="0" dirty="0">
-                <a:solidFill>
-                  <a:schemeClr val="bg1"/>
-                </a:solidFill>
-                <a:highlight>
-                  <a:srgbClr val="FFFF00"/>
-                </a:highlight>
-              </a:rPr>
-              <a:t>Estación Web Meteorológica</a:t>
-            </a:r>
-            <a:r>
-              <a:rPr lang="es-ES" sz="2000" b="0" dirty="0">
-                <a:solidFill>
-                  <a:schemeClr val="bg1"/>
-                </a:solidFill>
-              </a:rPr>
-              <a:t> utilizando Raspberry Pi como gestor de los datos.</a:t>
-            </a:r>
-          </a:p>
-          <a:p>
-            <a:r>
-              <a:rPr lang="es-ES" sz="2000" b="0" dirty="0">
-                <a:solidFill>
-                  <a:schemeClr val="bg1"/>
-                </a:solidFill>
-              </a:rPr>
-              <a:t>Este proyecto específico nos introduce al mundo de la </a:t>
-            </a:r>
-            <a:r>
-              <a:rPr lang="es-ES" sz="2000" dirty="0">
-                <a:solidFill>
-                  <a:schemeClr val="bg1"/>
-                </a:solidFill>
-                <a:highlight>
-                  <a:srgbClr val="FFFF00"/>
-                </a:highlight>
-              </a:rPr>
-              <a:t>programación web</a:t>
-            </a:r>
-            <a:r>
-              <a:rPr lang="es-ES" sz="2000" b="0" dirty="0">
-                <a:solidFill>
-                  <a:schemeClr val="bg1"/>
-                </a:solidFill>
-              </a:rPr>
-              <a:t>, y también nos sumerge en el campo de la meteorología, proporcionando una comprensión práctica de cómo se recopilan y </a:t>
-            </a:r>
-            <a:r>
-              <a:rPr lang="es-ES" sz="2000" b="0" dirty="0">
-                <a:solidFill>
-                  <a:schemeClr val="bg1"/>
-                </a:solidFill>
-                <a:highlight>
-                  <a:srgbClr val="FFFF00"/>
-                </a:highlight>
-              </a:rPr>
-              <a:t>analizan los datos climáticos vía web</a:t>
-            </a:r>
-            <a:r>
-              <a:rPr lang="es-ES" sz="2000" b="0" dirty="0">
-                <a:solidFill>
-                  <a:schemeClr val="bg1"/>
-                </a:solidFill>
-              </a:rPr>
-              <a:t>.</a:t>
-            </a:r>
-          </a:p>
-          <a:p>
-            <a:pPr rtl="0"/>
-            <a:endParaRPr lang="es-ES" dirty="0"/>
-          </a:p>
-        </p:txBody>
-      </p:sp>
-    </p:spTree>
-    <p:extLst>
-      <p:ext uri="{BB962C8B-B14F-4D97-AF65-F5344CB8AC3E}">
-        <p14:creationId xmlns:p14="http://schemas.microsoft.com/office/powerpoint/2010/main" val="3346685798"/>
-      </p:ext>
-    </p:extLst>
-  </p:cSld>
-  <p:clrMapOvr>
-    <a:masterClrMapping/>
-  </p:clrMapOvr>
-</p:sld>
-</file>
-
-<file path=ppt/slides/slide3.xml><?xml version="1.0" encoding="utf-8"?>
+<file path=ppt/slides/slide10.xml><?xml version="1.0" encoding="utf-8"?>
 <p:sld xmlns:a="http://schemas.openxmlformats.org/drawingml/2006/main" xmlns:r="http://schemas.openxmlformats.org/officeDocument/2006/relationships" xmlns:p="http://schemas.openxmlformats.org/presentationml/2006/main">
   <p:cSld>
     <p:spTree>
@@ -10210,108 +10693,7 @@
             <a:pPr rtl="0"/>
             <a:r>
               <a:rPr lang="es-ES" dirty="0"/>
-              <a:t>Componentes</a:t>
-            </a:r>
-          </a:p>
-        </p:txBody>
-      </p:sp>
-      <p:sp>
-        <p:nvSpPr>
-          <p:cNvPr id="7" name="Marcador de texto 6">
-            <a:extLst>
-              <a:ext uri="{FF2B5EF4-FFF2-40B4-BE49-F238E27FC236}">
-                <a16:creationId xmlns:a16="http://schemas.microsoft.com/office/drawing/2014/main" id="{F70BD87D-F7DA-961B-4024-A354DC87D168}"/>
-              </a:ext>
-            </a:extLst>
-          </p:cNvPr>
-          <p:cNvSpPr>
-            <a:spLocks noGrp="1"/>
-          </p:cNvSpPr>
-          <p:nvPr>
-            <p:ph sz="quarter" idx="13"/>
-          </p:nvPr>
-        </p:nvSpPr>
-        <p:spPr>
-          <a:xfrm>
-            <a:off x="3657600" y="2281238"/>
-            <a:ext cx="7810500" cy="3700462"/>
-          </a:xfrm>
-        </p:spPr>
-        <p:txBody>
-          <a:bodyPr rtlCol="0">
-            <a:normAutofit/>
-          </a:bodyPr>
-          <a:lstStyle>
-            <a:defPPr>
-              <a:defRPr lang="es-ES"/>
-            </a:defPPr>
-          </a:lstStyle>
-          <a:p>
-            <a:pPr rtl="0"/>
-            <a:r>
-              <a:rPr lang="es-ES" dirty="0">
-                <a:highlight>
-                  <a:srgbClr val="FFFF00"/>
-                </a:highlight>
-              </a:rPr>
-              <a:t>Raspberry Pi</a:t>
-            </a:r>
-            <a:r>
-              <a:rPr lang="es-ES" dirty="0"/>
-              <a:t> (Raspberry Pi versión 4)</a:t>
-            </a:r>
-          </a:p>
-          <a:p>
-            <a:pPr rtl="0"/>
-            <a:r>
-              <a:rPr lang="es-ES" dirty="0">
-                <a:highlight>
-                  <a:srgbClr val="FFFF00"/>
-                </a:highlight>
-              </a:rPr>
-              <a:t>Sensor de temperatura y humedad</a:t>
-            </a:r>
-            <a:r>
-              <a:rPr lang="es-ES" dirty="0"/>
-              <a:t> (por ejemplo, </a:t>
-            </a:r>
-            <a:r>
-              <a:rPr lang="es-ES" dirty="0" err="1"/>
-              <a:t>libs</a:t>
-            </a:r>
-            <a:r>
-              <a:rPr lang="es-ES" dirty="0"/>
-              <a:t>:  DHT11 o DHT22)</a:t>
-            </a:r>
-          </a:p>
-          <a:p>
-            <a:pPr rtl="0"/>
-            <a:r>
-              <a:rPr lang="es-ES" dirty="0"/>
-              <a:t>Conexión a internet (por cable o </a:t>
-            </a:r>
-            <a:r>
-              <a:rPr lang="es-ES" dirty="0" err="1"/>
-              <a:t>Wi</a:t>
-            </a:r>
-            <a:r>
-              <a:rPr lang="es-ES" dirty="0"/>
-              <a:t>-Fi) </a:t>
-            </a:r>
-          </a:p>
-          <a:p>
-            <a:pPr rtl="0"/>
-            <a:r>
-              <a:rPr lang="es-ES" dirty="0"/>
-              <a:t>Cables de conexión y </a:t>
-            </a:r>
-            <a:r>
-              <a:rPr lang="es-ES" dirty="0" err="1"/>
-              <a:t>protoboard</a:t>
-            </a:r>
-            <a:r>
-              <a:rPr lang="es-ES" dirty="0"/>
-              <a:t> (para prototipado).</a:t>
+              <a:t>Script Python (texto)</a:t>
             </a:r>
           </a:p>
         </p:txBody>
@@ -10663,10 +11045,421 @@
           </p:txBody>
         </p:sp>
       </p:grpSp>
+      <p:sp>
+        <p:nvSpPr>
+          <p:cNvPr id="5" name="CuadroTexto 4">
+            <a:extLst>
+              <a:ext uri="{FF2B5EF4-FFF2-40B4-BE49-F238E27FC236}">
+                <a16:creationId xmlns:a16="http://schemas.microsoft.com/office/drawing/2014/main" id="{F0B9814B-0845-42E4-261E-95749E319893}"/>
+              </a:ext>
+            </a:extLst>
+          </p:cNvPr>
+          <p:cNvSpPr txBox="1"/>
+          <p:nvPr/>
+        </p:nvSpPr>
+        <p:spPr>
+          <a:xfrm>
+            <a:off x="6876661" y="1443841"/>
+            <a:ext cx="4907902" cy="3970318"/>
+          </a:xfrm>
+          <a:prstGeom prst="rect">
+            <a:avLst/>
+          </a:prstGeom>
+          <a:noFill/>
+        </p:spPr>
+        <p:txBody>
+          <a:bodyPr wrap="square" rtlCol="0">
+            <a:spAutoFit/>
+          </a:bodyPr>
+          <a:lstStyle/>
+          <a:p>
+            <a:r>
+              <a:rPr lang="en-US" sz="900" dirty="0">
+                <a:solidFill>
+                  <a:schemeClr val="bg1"/>
+                </a:solidFill>
+              </a:rPr>
+              <a:t># Humidity sensor : Options are DHT11,DHT22 or AM2302</a:t>
+            </a:r>
+          </a:p>
+          <a:p>
+            <a:r>
+              <a:rPr lang="en-US" sz="900" dirty="0">
+                <a:solidFill>
+                  <a:schemeClr val="bg1"/>
+                </a:solidFill>
+              </a:rPr>
+              <a:t>sensor = Adafruit_DHT.DHT11</a:t>
+            </a:r>
+          </a:p>
+          <a:p>
+            <a:endParaRPr lang="en-US" sz="900" dirty="0">
+              <a:solidFill>
+                <a:schemeClr val="bg1"/>
+              </a:solidFill>
+            </a:endParaRPr>
+          </a:p>
+          <a:p>
+            <a:r>
+              <a:rPr lang="en-US" sz="900" dirty="0">
+                <a:solidFill>
+                  <a:schemeClr val="bg1"/>
+                </a:solidFill>
+              </a:rPr>
+              <a:t># connected to GPIO pin (4, 17).</a:t>
+            </a:r>
+          </a:p>
+          <a:p>
+            <a:r>
+              <a:rPr lang="en-US" sz="900" dirty="0">
+                <a:solidFill>
+                  <a:schemeClr val="bg1"/>
+                </a:solidFill>
+              </a:rPr>
+              <a:t>pin = 4</a:t>
+            </a:r>
+          </a:p>
+          <a:p>
+            <a:endParaRPr lang="en-US" sz="900" dirty="0">
+              <a:solidFill>
+                <a:schemeClr val="bg1"/>
+              </a:solidFill>
+            </a:endParaRPr>
+          </a:p>
+          <a:p>
+            <a:r>
+              <a:rPr lang="en-US" sz="900" dirty="0">
+                <a:solidFill>
+                  <a:schemeClr val="bg1"/>
+                </a:solidFill>
+              </a:rPr>
+              <a:t># get data from sensor</a:t>
+            </a:r>
+          </a:p>
+          <a:p>
+            <a:r>
+              <a:rPr lang="en-US" sz="900" dirty="0">
+                <a:solidFill>
+                  <a:schemeClr val="bg1"/>
+                </a:solidFill>
+              </a:rPr>
+              <a:t>humidity, temperature = </a:t>
+            </a:r>
+            <a:r>
+              <a:rPr lang="en-US" sz="900" dirty="0" err="1">
+                <a:solidFill>
+                  <a:schemeClr val="bg1"/>
+                </a:solidFill>
+              </a:rPr>
+              <a:t>Adafruit_DHT.read_retry</a:t>
+            </a:r>
+            <a:r>
+              <a:rPr lang="en-US" sz="900" dirty="0">
+                <a:solidFill>
+                  <a:schemeClr val="bg1"/>
+                </a:solidFill>
+              </a:rPr>
+              <a:t>(sensor, pin)</a:t>
+            </a:r>
+          </a:p>
+          <a:p>
+            <a:endParaRPr lang="en-US" sz="900" dirty="0">
+              <a:solidFill>
+                <a:schemeClr val="bg1"/>
+              </a:solidFill>
+            </a:endParaRPr>
+          </a:p>
+          <a:p>
+            <a:r>
+              <a:rPr lang="en-US" sz="900" dirty="0">
+                <a:solidFill>
+                  <a:schemeClr val="bg1"/>
+                </a:solidFill>
+              </a:rPr>
+              <a:t># Note that sometimes you won't get a reading and</a:t>
+            </a:r>
+          </a:p>
+          <a:p>
+            <a:r>
+              <a:rPr lang="en-US" sz="900" dirty="0">
+                <a:solidFill>
+                  <a:schemeClr val="bg1"/>
+                </a:solidFill>
+              </a:rPr>
+              <a:t># the results will be null (because Linux can't</a:t>
+            </a:r>
+          </a:p>
+          <a:p>
+            <a:r>
+              <a:rPr lang="en-US" sz="900" dirty="0">
+                <a:solidFill>
+                  <a:schemeClr val="bg1"/>
+                </a:solidFill>
+              </a:rPr>
+              <a:t># guarantee the timing of calls to read the sensor).</a:t>
+            </a:r>
+          </a:p>
+          <a:p>
+            <a:r>
+              <a:rPr lang="en-US" sz="900" dirty="0">
+                <a:solidFill>
+                  <a:schemeClr val="bg1"/>
+                </a:solidFill>
+              </a:rPr>
+              <a:t>if humidity is not None and temperature is not None:</a:t>
+            </a:r>
+          </a:p>
+          <a:p>
+            <a:r>
+              <a:rPr lang="en-US" sz="900" dirty="0">
+                <a:solidFill>
+                  <a:schemeClr val="bg1"/>
+                </a:solidFill>
+              </a:rPr>
+              <a:t>        </a:t>
+            </a:r>
+            <a:r>
+              <a:rPr lang="en-US" sz="900" dirty="0" err="1">
+                <a:solidFill>
+                  <a:schemeClr val="bg1"/>
+                </a:solidFill>
+              </a:rPr>
+              <a:t>data_to_send.append</a:t>
+            </a:r>
+            <a:r>
+              <a:rPr lang="en-US" sz="900" dirty="0">
+                <a:solidFill>
+                  <a:schemeClr val="bg1"/>
+                </a:solidFill>
+              </a:rPr>
+              <a:t>(temperature + </a:t>
+            </a:r>
+            <a:r>
+              <a:rPr lang="en-US" sz="900" dirty="0" err="1">
+                <a:solidFill>
+                  <a:schemeClr val="bg1"/>
+                </a:solidFill>
+              </a:rPr>
+              <a:t>temperature_correction</a:t>
+            </a:r>
+            <a:r>
+              <a:rPr lang="en-US" sz="900" dirty="0">
+                <a:solidFill>
+                  <a:schemeClr val="bg1"/>
+                </a:solidFill>
+              </a:rPr>
+              <a:t>)</a:t>
+            </a:r>
+          </a:p>
+          <a:p>
+            <a:r>
+              <a:rPr lang="en-US" sz="900" dirty="0">
+                <a:solidFill>
+                  <a:schemeClr val="bg1"/>
+                </a:solidFill>
+              </a:rPr>
+              <a:t>        </a:t>
+            </a:r>
+            <a:r>
+              <a:rPr lang="en-US" sz="900" dirty="0" err="1">
+                <a:solidFill>
+                  <a:schemeClr val="bg1"/>
+                </a:solidFill>
+              </a:rPr>
+              <a:t>data_to_send.append</a:t>
+            </a:r>
+            <a:r>
+              <a:rPr lang="en-US" sz="900" dirty="0">
+                <a:solidFill>
+                  <a:schemeClr val="bg1"/>
+                </a:solidFill>
+              </a:rPr>
+              <a:t>(humidity)</a:t>
+            </a:r>
+          </a:p>
+          <a:p>
+            <a:r>
+              <a:rPr lang="en-US" sz="900" dirty="0">
+                <a:solidFill>
+                  <a:schemeClr val="bg1"/>
+                </a:solidFill>
+              </a:rPr>
+              <a:t>        print("dht11 measured temperature:")</a:t>
+            </a:r>
+          </a:p>
+          <a:p>
+            <a:r>
+              <a:rPr lang="en-US" sz="900" dirty="0">
+                <a:solidFill>
+                  <a:schemeClr val="bg1"/>
+                </a:solidFill>
+              </a:rPr>
+              <a:t>        print(temperature)</a:t>
+            </a:r>
+          </a:p>
+          <a:p>
+            <a:r>
+              <a:rPr lang="en-US" sz="900" dirty="0">
+                <a:solidFill>
+                  <a:schemeClr val="bg1"/>
+                </a:solidFill>
+              </a:rPr>
+              <a:t>        print("dht11 measured temperature (with correction):")</a:t>
+            </a:r>
+          </a:p>
+          <a:p>
+            <a:r>
+              <a:rPr lang="en-US" sz="900" dirty="0">
+                <a:solidFill>
+                  <a:schemeClr val="bg1"/>
+                </a:solidFill>
+              </a:rPr>
+              <a:t>        print(temperature + </a:t>
+            </a:r>
+            <a:r>
+              <a:rPr lang="en-US" sz="900" dirty="0" err="1">
+                <a:solidFill>
+                  <a:schemeClr val="bg1"/>
+                </a:solidFill>
+              </a:rPr>
+              <a:t>temperature_correction</a:t>
+            </a:r>
+            <a:r>
+              <a:rPr lang="en-US" sz="900" dirty="0">
+                <a:solidFill>
+                  <a:schemeClr val="bg1"/>
+                </a:solidFill>
+              </a:rPr>
+              <a:t>)</a:t>
+            </a:r>
+          </a:p>
+          <a:p>
+            <a:r>
+              <a:rPr lang="en-US" sz="900" dirty="0">
+                <a:solidFill>
+                  <a:schemeClr val="bg1"/>
+                </a:solidFill>
+              </a:rPr>
+              <a:t>        print("dht11 measured humidity:")</a:t>
+            </a:r>
+          </a:p>
+          <a:p>
+            <a:r>
+              <a:rPr lang="en-US" sz="900" dirty="0">
+                <a:solidFill>
+                  <a:schemeClr val="bg1"/>
+                </a:solidFill>
+              </a:rPr>
+              <a:t>        print(humidity)</a:t>
+            </a:r>
+          </a:p>
+          <a:p>
+            <a:endParaRPr lang="en-US" sz="900" dirty="0">
+              <a:solidFill>
+                <a:schemeClr val="bg1"/>
+              </a:solidFill>
+            </a:endParaRPr>
+          </a:p>
+          <a:p>
+            <a:r>
+              <a:rPr lang="en-US" sz="900" dirty="0">
+                <a:solidFill>
+                  <a:schemeClr val="bg1"/>
+                </a:solidFill>
+              </a:rPr>
+              <a:t># convert array to string and split each entry with ","</a:t>
+            </a:r>
+          </a:p>
+          <a:p>
+            <a:r>
+              <a:rPr lang="en-US" sz="900" dirty="0" err="1">
+                <a:solidFill>
+                  <a:schemeClr val="bg1"/>
+                </a:solidFill>
+              </a:rPr>
+              <a:t>data_to_send_string</a:t>
+            </a:r>
+            <a:r>
+              <a:rPr lang="en-US" sz="900" dirty="0">
+                <a:solidFill>
+                  <a:schemeClr val="bg1"/>
+                </a:solidFill>
+              </a:rPr>
+              <a:t> = ",".join(str(x) for x in </a:t>
+            </a:r>
+            <a:r>
+              <a:rPr lang="en-US" sz="900" dirty="0" err="1">
+                <a:solidFill>
+                  <a:schemeClr val="bg1"/>
+                </a:solidFill>
+              </a:rPr>
+              <a:t>data_to_send</a:t>
+            </a:r>
+            <a:r>
+              <a:rPr lang="en-US" sz="900" dirty="0">
+                <a:solidFill>
+                  <a:schemeClr val="bg1"/>
+                </a:solidFill>
+              </a:rPr>
+              <a:t>)</a:t>
+            </a:r>
+          </a:p>
+          <a:p>
+            <a:r>
+              <a:rPr lang="en-US" sz="900" dirty="0">
+                <a:solidFill>
+                  <a:schemeClr val="bg1"/>
+                </a:solidFill>
+              </a:rPr>
+              <a:t># print(</a:t>
+            </a:r>
+            <a:r>
+              <a:rPr lang="en-US" sz="900" dirty="0" err="1">
+                <a:solidFill>
+                  <a:schemeClr val="bg1"/>
+                </a:solidFill>
+              </a:rPr>
+              <a:t>data_to_send_string</a:t>
+            </a:r>
+            <a:r>
+              <a:rPr lang="en-US" sz="900" dirty="0">
+                <a:solidFill>
+                  <a:schemeClr val="bg1"/>
+                </a:solidFill>
+              </a:rPr>
+              <a:t>)</a:t>
+            </a:r>
+          </a:p>
+          <a:p>
+            <a:endParaRPr lang="en-US" sz="900" dirty="0">
+              <a:solidFill>
+                <a:schemeClr val="bg1"/>
+              </a:solidFill>
+            </a:endParaRPr>
+          </a:p>
+          <a:p>
+            <a:r>
+              <a:rPr lang="en-US" sz="900" dirty="0">
+                <a:solidFill>
+                  <a:schemeClr val="bg1"/>
+                </a:solidFill>
+              </a:rPr>
+              <a:t>print("Write to file")</a:t>
+            </a:r>
+          </a:p>
+          <a:p>
+            <a:endParaRPr lang="es-PE" sz="900" dirty="0">
+              <a:solidFill>
+                <a:schemeClr val="bg1"/>
+              </a:solidFill>
+            </a:endParaRPr>
+          </a:p>
+        </p:txBody>
+      </p:sp>
     </p:spTree>
     <p:extLst>
       <p:ext uri="{BB962C8B-B14F-4D97-AF65-F5344CB8AC3E}">
-        <p14:creationId xmlns:p14="http://schemas.microsoft.com/office/powerpoint/2010/main" val="3200312026"/>
+        <p14:creationId xmlns:p14="http://schemas.microsoft.com/office/powerpoint/2010/main" val="3367125501"/>
       </p:ext>
     </p:extLst>
   </p:cSld>
@@ -10676,7 +11469,7 @@
 </p:sld>
 </file>
 
-<file path=ppt/slides/slide4.xml><?xml version="1.0" encoding="utf-8"?>
+<file path=ppt/slides/slide11.xml><?xml version="1.0" encoding="utf-8"?>
 <p:sld xmlns:a="http://schemas.openxmlformats.org/drawingml/2006/main" xmlns:r="http://schemas.openxmlformats.org/officeDocument/2006/relationships" xmlns:p="http://schemas.openxmlformats.org/presentationml/2006/main">
   <p:cSld>
     <p:spTree>
@@ -10726,168 +11519,7 @@
             <a:pPr rtl="0"/>
             <a:r>
               <a:rPr lang="es-ES" dirty="0"/>
-              <a:t>Objetivos</a:t>
-            </a:r>
-          </a:p>
-        </p:txBody>
-      </p:sp>
-      <p:sp>
-        <p:nvSpPr>
-          <p:cNvPr id="7" name="Marcador de texto 6">
-            <a:extLst>
-              <a:ext uri="{FF2B5EF4-FFF2-40B4-BE49-F238E27FC236}">
-                <a16:creationId xmlns:a16="http://schemas.microsoft.com/office/drawing/2014/main" id="{F70BD87D-F7DA-961B-4024-A354DC87D168}"/>
-              </a:ext>
-            </a:extLst>
-          </p:cNvPr>
-          <p:cNvSpPr>
-            <a:spLocks noGrp="1"/>
-          </p:cNvSpPr>
-          <p:nvPr>
-            <p:ph sz="quarter" idx="13"/>
-          </p:nvPr>
-        </p:nvSpPr>
-        <p:spPr>
-          <a:xfrm>
-            <a:off x="3657600" y="2281238"/>
-            <a:ext cx="7810500" cy="4175546"/>
-          </a:xfrm>
-        </p:spPr>
-        <p:txBody>
-          <a:bodyPr rtlCol="0">
-            <a:normAutofit fontScale="92500" lnSpcReduction="10000"/>
-          </a:bodyPr>
-          <a:lstStyle>
-            <a:defPPr>
-              <a:defRPr lang="es-ES"/>
-            </a:defPPr>
-          </a:lstStyle>
-          <a:p>
-            <a:pPr rtl="0"/>
-            <a:r>
-              <a:rPr lang="es-ES" b="1" dirty="0"/>
-              <a:t>Configuración inicial: </a:t>
-            </a:r>
-            <a:r>
-              <a:rPr lang="es-ES" dirty="0"/>
-              <a:t>Instalar el </a:t>
-            </a:r>
-            <a:r>
-              <a:rPr lang="es-ES" dirty="0">
-                <a:highlight>
-                  <a:srgbClr val="FFFF00"/>
-                </a:highlight>
-              </a:rPr>
-              <a:t>sistema operativo Raspbian en el Raspberry Pi</a:t>
-            </a:r>
-            <a:r>
-              <a:rPr lang="es-ES" dirty="0"/>
-              <a:t>. Conectar el </a:t>
-            </a:r>
-            <a:r>
-              <a:rPr lang="es-ES" dirty="0">
-                <a:highlight>
-                  <a:srgbClr val="FFFF00"/>
-                </a:highlight>
-              </a:rPr>
-              <a:t>sensor de temperatura y humedad</a:t>
-            </a:r>
-            <a:r>
-              <a:rPr lang="es-ES" dirty="0"/>
-              <a:t> según las instrucciones del fabricante.</a:t>
-            </a:r>
-          </a:p>
-          <a:p>
-            <a:pPr rtl="0"/>
-            <a:r>
-              <a:rPr lang="es-ES" b="1" dirty="0"/>
-              <a:t>Programación en Python: </a:t>
-            </a:r>
-            <a:r>
-              <a:rPr lang="es-ES" dirty="0"/>
-              <a:t>Utilizar el lenguaje de programación Python para leer los datos del sensor. Instalar las bibliotecas necesarias (como </a:t>
-            </a:r>
-            <a:r>
-              <a:rPr lang="es-ES" dirty="0" err="1">
-                <a:highlight>
-                  <a:srgbClr val="FFFF00"/>
-                </a:highlight>
-              </a:rPr>
-              <a:t>Adafruit_DHT</a:t>
-            </a:r>
-            <a:r>
-              <a:rPr lang="es-ES" dirty="0">
-                <a:highlight>
-                  <a:srgbClr val="FFFF00"/>
-                </a:highlight>
-              </a:rPr>
-              <a:t> para el sensor DHT</a:t>
-            </a:r>
-            <a:r>
-              <a:rPr lang="es-ES" dirty="0"/>
-              <a:t>). Escribir un script que lea los valores de temperatura y humedad cada cierto intervalo de tiempo.</a:t>
-            </a:r>
-          </a:p>
-          <a:p>
-            <a:pPr rtl="0"/>
-            <a:r>
-              <a:rPr lang="es-ES" b="1" dirty="0"/>
-              <a:t>Almacenamiento de datos</a:t>
-            </a:r>
-            <a:r>
-              <a:rPr lang="es-ES" dirty="0"/>
-              <a:t>: Guardar los datos recolectados en una base de datos local (por ejemplo, SQLite) o en la nube (usando servicios como </a:t>
-            </a:r>
-            <a:r>
-              <a:rPr lang="es-ES" dirty="0">
-                <a:highlight>
-                  <a:srgbClr val="FFFF00"/>
-                </a:highlight>
-              </a:rPr>
-              <a:t>Google </a:t>
-            </a:r>
-            <a:r>
-              <a:rPr lang="es-ES" dirty="0" err="1">
-                <a:highlight>
-                  <a:srgbClr val="FFFF00"/>
-                </a:highlight>
-              </a:rPr>
-              <a:t>Firebase</a:t>
-            </a:r>
-            <a:r>
-              <a:rPr lang="es-ES" dirty="0"/>
-              <a:t>).</a:t>
-            </a:r>
-          </a:p>
-          <a:p>
-            <a:pPr rtl="0"/>
-            <a:r>
-              <a:rPr lang="es-ES" b="1" dirty="0"/>
-              <a:t>Visualización de datos: </a:t>
-            </a:r>
-            <a:r>
-              <a:rPr lang="es-ES" dirty="0"/>
-              <a:t>Desarrollar una interfaz gráfica (GUI) o una </a:t>
-            </a:r>
-            <a:r>
-              <a:rPr lang="es-ES" dirty="0">
-                <a:highlight>
-                  <a:srgbClr val="FFFF00"/>
-                </a:highlight>
-              </a:rPr>
-              <a:t>página web </a:t>
-            </a:r>
-            <a:r>
-              <a:rPr lang="es-ES" dirty="0"/>
-              <a:t>simple para mostrar los datos de temperatura y humedad en tiempo real. Podemos usar </a:t>
-            </a:r>
-            <a:r>
-              <a:rPr lang="es-ES" dirty="0" err="1"/>
-              <a:t>Flask</a:t>
-            </a:r>
-            <a:r>
-              <a:rPr lang="es-ES" dirty="0"/>
-              <a:t> para crear un servidor web local en la Raspberry Pi.</a:t>
+              <a:t>Script Python (texto)</a:t>
             </a:r>
           </a:p>
         </p:txBody>
@@ -11239,10 +11871,387 @@
           </p:txBody>
         </p:sp>
       </p:grpSp>
+      <p:sp>
+        <p:nvSpPr>
+          <p:cNvPr id="5" name="CuadroTexto 4">
+            <a:extLst>
+              <a:ext uri="{FF2B5EF4-FFF2-40B4-BE49-F238E27FC236}">
+                <a16:creationId xmlns:a16="http://schemas.microsoft.com/office/drawing/2014/main" id="{F0B9814B-0845-42E4-261E-95749E319893}"/>
+              </a:ext>
+            </a:extLst>
+          </p:cNvPr>
+          <p:cNvSpPr txBox="1"/>
+          <p:nvPr/>
+        </p:nvSpPr>
+        <p:spPr>
+          <a:xfrm>
+            <a:off x="6690048" y="2136338"/>
+            <a:ext cx="4907902" cy="2585323"/>
+          </a:xfrm>
+          <a:prstGeom prst="rect">
+            <a:avLst/>
+          </a:prstGeom>
+          <a:noFill/>
+        </p:spPr>
+        <p:txBody>
+          <a:bodyPr wrap="square" rtlCol="0">
+            <a:spAutoFit/>
+          </a:bodyPr>
+          <a:lstStyle/>
+          <a:p>
+            <a:r>
+              <a:rPr lang="en-US" sz="900" dirty="0">
+                <a:solidFill>
+                  <a:schemeClr val="bg1"/>
+                </a:solidFill>
+              </a:rPr>
+              <a:t># check if file exists</a:t>
+            </a:r>
+          </a:p>
+          <a:p>
+            <a:r>
+              <a:rPr lang="en-US" sz="900" dirty="0">
+                <a:solidFill>
+                  <a:schemeClr val="bg1"/>
+                </a:solidFill>
+              </a:rPr>
+              <a:t>if </a:t>
+            </a:r>
+            <a:r>
+              <a:rPr lang="en-US" sz="900" dirty="0" err="1">
+                <a:solidFill>
+                  <a:schemeClr val="bg1"/>
+                </a:solidFill>
+              </a:rPr>
+              <a:t>os.path.isfile</a:t>
+            </a:r>
+            <a:r>
+              <a:rPr lang="en-US" sz="900" dirty="0">
+                <a:solidFill>
+                  <a:schemeClr val="bg1"/>
+                </a:solidFill>
+              </a:rPr>
+              <a:t>(filename):</a:t>
+            </a:r>
+          </a:p>
+          <a:p>
+            <a:r>
+              <a:rPr lang="en-US" sz="900" dirty="0">
+                <a:solidFill>
+                  <a:schemeClr val="bg1"/>
+                </a:solidFill>
+              </a:rPr>
+              <a:t>        # open and write to csv file</a:t>
+            </a:r>
+          </a:p>
+          <a:p>
+            <a:r>
+              <a:rPr lang="en-US" sz="900" dirty="0">
+                <a:solidFill>
+                  <a:schemeClr val="bg1"/>
+                </a:solidFill>
+              </a:rPr>
+              <a:t>        with open(filename, "a") as </a:t>
+            </a:r>
+            <a:r>
+              <a:rPr lang="en-US" sz="900" dirty="0" err="1">
+                <a:solidFill>
+                  <a:schemeClr val="bg1"/>
+                </a:solidFill>
+              </a:rPr>
+              <a:t>csv_file</a:t>
+            </a:r>
+            <a:r>
+              <a:rPr lang="en-US" sz="900" dirty="0">
+                <a:solidFill>
+                  <a:schemeClr val="bg1"/>
+                </a:solidFill>
+              </a:rPr>
+              <a:t>:</a:t>
+            </a:r>
+          </a:p>
+          <a:p>
+            <a:r>
+              <a:rPr lang="en-US" sz="900" dirty="0">
+                <a:solidFill>
+                  <a:schemeClr val="bg1"/>
+                </a:solidFill>
+              </a:rPr>
+              <a:t>                </a:t>
+            </a:r>
+            <a:r>
+              <a:rPr lang="en-US" sz="900" dirty="0" err="1">
+                <a:solidFill>
+                  <a:schemeClr val="bg1"/>
+                </a:solidFill>
+              </a:rPr>
+              <a:t>csv_file.write</a:t>
+            </a:r>
+            <a:r>
+              <a:rPr lang="en-US" sz="900" dirty="0">
+                <a:solidFill>
+                  <a:schemeClr val="bg1"/>
+                </a:solidFill>
+              </a:rPr>
+              <a:t>(</a:t>
+            </a:r>
+            <a:r>
+              <a:rPr lang="en-US" sz="900" dirty="0" err="1">
+                <a:solidFill>
+                  <a:schemeClr val="bg1"/>
+                </a:solidFill>
+              </a:rPr>
+              <a:t>data_to_send_string</a:t>
+            </a:r>
+            <a:r>
+              <a:rPr lang="en-US" sz="900" dirty="0">
+                <a:solidFill>
+                  <a:schemeClr val="bg1"/>
+                </a:solidFill>
+              </a:rPr>
+              <a:t> + "\n")</a:t>
+            </a:r>
+          </a:p>
+          <a:p>
+            <a:r>
+              <a:rPr lang="en-US" sz="900" dirty="0">
+                <a:solidFill>
+                  <a:schemeClr val="bg1"/>
+                </a:solidFill>
+              </a:rPr>
+              <a:t>else:</a:t>
+            </a:r>
+          </a:p>
+          <a:p>
+            <a:r>
+              <a:rPr lang="en-US" sz="900" dirty="0">
+                <a:solidFill>
+                  <a:schemeClr val="bg1"/>
+                </a:solidFill>
+              </a:rPr>
+              <a:t>        # create header</a:t>
+            </a:r>
+          </a:p>
+          <a:p>
+            <a:r>
+              <a:rPr lang="en-US" sz="900" dirty="0">
+                <a:solidFill>
+                  <a:schemeClr val="bg1"/>
+                </a:solidFill>
+              </a:rPr>
+              <a:t>        header = "date,dht11_temperature,dht11_humidity"</a:t>
+            </a:r>
+          </a:p>
+          <a:p>
+            <a:r>
+              <a:rPr lang="en-US" sz="900" dirty="0">
+                <a:solidFill>
+                  <a:schemeClr val="bg1"/>
+                </a:solidFill>
+              </a:rPr>
+              <a:t>        </a:t>
+            </a:r>
+          </a:p>
+          <a:p>
+            <a:r>
+              <a:rPr lang="en-US" sz="900" dirty="0">
+                <a:solidFill>
+                  <a:schemeClr val="bg1"/>
+                </a:solidFill>
+              </a:rPr>
+              <a:t>        if </a:t>
+            </a:r>
+            <a:r>
+              <a:rPr lang="en-US" sz="900" dirty="0" err="1">
+                <a:solidFill>
+                  <a:schemeClr val="bg1"/>
+                </a:solidFill>
+              </a:rPr>
+              <a:t>raspberry_data</a:t>
+            </a:r>
+            <a:r>
+              <a:rPr lang="en-US" sz="900" dirty="0">
+                <a:solidFill>
+                  <a:schemeClr val="bg1"/>
+                </a:solidFill>
+              </a:rPr>
+              <a:t>:</a:t>
+            </a:r>
+          </a:p>
+          <a:p>
+            <a:r>
+              <a:rPr lang="en-US" sz="900" dirty="0">
+                <a:solidFill>
+                  <a:schemeClr val="bg1"/>
+                </a:solidFill>
+              </a:rPr>
+              <a:t>                header = "date,disk_usage,cpu,memory,cpu_temperature,dht11_temperature,dht11_humidity"</a:t>
+            </a:r>
+          </a:p>
+          <a:p>
+            <a:r>
+              <a:rPr lang="en-US" sz="900" dirty="0">
+                <a:solidFill>
+                  <a:schemeClr val="bg1"/>
+                </a:solidFill>
+              </a:rPr>
+              <a:t>                </a:t>
+            </a:r>
+          </a:p>
+          <a:p>
+            <a:r>
+              <a:rPr lang="en-US" sz="900" dirty="0">
+                <a:solidFill>
+                  <a:schemeClr val="bg1"/>
+                </a:solidFill>
+              </a:rPr>
+              <a:t>        # create file and add header additional to data</a:t>
+            </a:r>
+          </a:p>
+          <a:p>
+            <a:r>
+              <a:rPr lang="en-US" sz="900" dirty="0">
+                <a:solidFill>
+                  <a:schemeClr val="bg1"/>
+                </a:solidFill>
+              </a:rPr>
+              <a:t>        with open(filename, "w") as </a:t>
+            </a:r>
+            <a:r>
+              <a:rPr lang="en-US" sz="900" dirty="0" err="1">
+                <a:solidFill>
+                  <a:schemeClr val="bg1"/>
+                </a:solidFill>
+              </a:rPr>
+              <a:t>csv_file</a:t>
+            </a:r>
+            <a:r>
+              <a:rPr lang="en-US" sz="900" dirty="0">
+                <a:solidFill>
+                  <a:schemeClr val="bg1"/>
+                </a:solidFill>
+              </a:rPr>
+              <a:t>:</a:t>
+            </a:r>
+          </a:p>
+          <a:p>
+            <a:r>
+              <a:rPr lang="en-US" sz="900" dirty="0">
+                <a:solidFill>
+                  <a:schemeClr val="bg1"/>
+                </a:solidFill>
+              </a:rPr>
+              <a:t>                </a:t>
+            </a:r>
+            <a:r>
+              <a:rPr lang="en-US" sz="900" dirty="0" err="1">
+                <a:solidFill>
+                  <a:schemeClr val="bg1"/>
+                </a:solidFill>
+              </a:rPr>
+              <a:t>csv_file.write</a:t>
+            </a:r>
+            <a:r>
+              <a:rPr lang="en-US" sz="900" dirty="0">
+                <a:solidFill>
+                  <a:schemeClr val="bg1"/>
+                </a:solidFill>
+              </a:rPr>
+              <a:t>(header + "\n" + </a:t>
+            </a:r>
+            <a:r>
+              <a:rPr lang="en-US" sz="900" dirty="0" err="1">
+                <a:solidFill>
+                  <a:schemeClr val="bg1"/>
+                </a:solidFill>
+              </a:rPr>
+              <a:t>data_to_send_string</a:t>
+            </a:r>
+            <a:r>
+              <a:rPr lang="en-US" sz="900" dirty="0">
+                <a:solidFill>
+                  <a:schemeClr val="bg1"/>
+                </a:solidFill>
+              </a:rPr>
+              <a:t> + "\n")</a:t>
+            </a:r>
+          </a:p>
+          <a:p>
+            <a:endParaRPr lang="en-US" sz="900" dirty="0">
+              <a:solidFill>
+                <a:schemeClr val="bg1"/>
+              </a:solidFill>
+            </a:endParaRPr>
+          </a:p>
+          <a:p>
+            <a:r>
+              <a:rPr lang="en-US" sz="900" dirty="0">
+                <a:solidFill>
+                  <a:schemeClr val="bg1"/>
+                </a:solidFill>
+              </a:rPr>
+              <a:t>print("Finished " + </a:t>
+            </a:r>
+            <a:r>
+              <a:rPr lang="en-US" sz="900" dirty="0" err="1">
+                <a:solidFill>
+                  <a:schemeClr val="bg1"/>
+                </a:solidFill>
+              </a:rPr>
+              <a:t>datetime.datetime.now</a:t>
+            </a:r>
+            <a:r>
+              <a:rPr lang="en-US" sz="900" dirty="0">
+                <a:solidFill>
+                  <a:schemeClr val="bg1"/>
+                </a:solidFill>
+              </a:rPr>
+              <a:t>().</a:t>
+            </a:r>
+            <a:r>
+              <a:rPr lang="en-US" sz="900" dirty="0" err="1">
+                <a:solidFill>
+                  <a:schemeClr val="bg1"/>
+                </a:solidFill>
+              </a:rPr>
+              <a:t>strftime</a:t>
+            </a:r>
+            <a:r>
+              <a:rPr lang="en-US" sz="900" dirty="0">
+                <a:solidFill>
+                  <a:schemeClr val="bg1"/>
+                </a:solidFill>
+              </a:rPr>
+              <a:t>('%</a:t>
+            </a:r>
+            <a:r>
+              <a:rPr lang="en-US" sz="900" dirty="0" err="1">
+                <a:solidFill>
+                  <a:schemeClr val="bg1"/>
+                </a:solidFill>
+              </a:rPr>
+              <a:t>Y_%m_%d</a:t>
+            </a:r>
+            <a:r>
+              <a:rPr lang="en-US" sz="900" dirty="0">
+                <a:solidFill>
+                  <a:schemeClr val="bg1"/>
+                </a:solidFill>
+              </a:rPr>
+              <a:t> %H:%M:%S'))</a:t>
+            </a:r>
+            <a:endParaRPr lang="es-PE" sz="900" dirty="0">
+              <a:solidFill>
+                <a:schemeClr val="bg1"/>
+              </a:solidFill>
+            </a:endParaRPr>
+          </a:p>
+        </p:txBody>
+      </p:sp>
     </p:spTree>
     <p:extLst>
       <p:ext uri="{BB962C8B-B14F-4D97-AF65-F5344CB8AC3E}">
-        <p14:creationId xmlns:p14="http://schemas.microsoft.com/office/powerpoint/2010/main" val="3498713726"/>
+        <p14:creationId xmlns:p14="http://schemas.microsoft.com/office/powerpoint/2010/main" val="2456272279"/>
       </p:ext>
     </p:extLst>
   </p:cSld>
@@ -11252,7 +12261,339 @@
 </p:sld>
 </file>
 
-<file path=ppt/slides/slide5.xml><?xml version="1.0" encoding="utf-8"?>
+<file path=ppt/slides/slide12.xml><?xml version="1.0" encoding="utf-8"?>
+<p:sld xmlns:a="http://schemas.openxmlformats.org/drawingml/2006/main" xmlns:r="http://schemas.openxmlformats.org/officeDocument/2006/relationships" xmlns:p="http://schemas.openxmlformats.org/presentationml/2006/main">
+  <p:cSld>
+    <p:spTree>
+      <p:nvGrpSpPr>
+        <p:cNvPr id="1" name=""/>
+        <p:cNvGrpSpPr/>
+        <p:nvPr/>
+      </p:nvGrpSpPr>
+      <p:grpSpPr>
+        <a:xfrm>
+          <a:off x="0" y="0"/>
+          <a:ext cx="0" cy="0"/>
+          <a:chOff x="0" y="0"/>
+          <a:chExt cx="0" cy="0"/>
+        </a:xfrm>
+      </p:grpSpPr>
+      <p:sp>
+        <p:nvSpPr>
+          <p:cNvPr id="3" name="CuadroTexto 2">
+            <a:extLst>
+              <a:ext uri="{FF2B5EF4-FFF2-40B4-BE49-F238E27FC236}">
+                <a16:creationId xmlns:a16="http://schemas.microsoft.com/office/drawing/2014/main" id="{9B792194-D095-F0D7-33ED-3473C66970A9}"/>
+              </a:ext>
+            </a:extLst>
+          </p:cNvPr>
+          <p:cNvSpPr txBox="1"/>
+          <p:nvPr/>
+        </p:nvSpPr>
+        <p:spPr>
+          <a:xfrm>
+            <a:off x="550506" y="3340359"/>
+            <a:ext cx="2419252" cy="646331"/>
+          </a:xfrm>
+          <a:prstGeom prst="rect">
+            <a:avLst/>
+          </a:prstGeom>
+          <a:noFill/>
+        </p:spPr>
+        <p:txBody>
+          <a:bodyPr wrap="none" rtlCol="0">
+            <a:spAutoFit/>
+          </a:bodyPr>
+          <a:lstStyle/>
+          <a:p>
+            <a:r>
+              <a:rPr lang="es-PE" dirty="0">
+                <a:solidFill>
+                  <a:schemeClr val="bg1"/>
+                </a:solidFill>
+                <a:hlinkClick r:id="rId3"/>
+              </a:rPr>
+              <a:t>http://localhost:3000/</a:t>
+            </a:r>
+            <a:endParaRPr lang="es-PE" dirty="0">
+              <a:solidFill>
+                <a:schemeClr val="bg1"/>
+              </a:solidFill>
+            </a:endParaRPr>
+          </a:p>
+          <a:p>
+            <a:endParaRPr lang="es-PE" dirty="0">
+              <a:solidFill>
+                <a:schemeClr val="bg1"/>
+              </a:solidFill>
+            </a:endParaRPr>
+          </a:p>
+        </p:txBody>
+      </p:sp>
+    </p:spTree>
+    <p:extLst>
+      <p:ext uri="{BB962C8B-B14F-4D97-AF65-F5344CB8AC3E}">
+        <p14:creationId xmlns:p14="http://schemas.microsoft.com/office/powerpoint/2010/main" val="4261132419"/>
+      </p:ext>
+    </p:extLst>
+  </p:cSld>
+  <p:clrMapOvr>
+    <a:masterClrMapping/>
+  </p:clrMapOvr>
+</p:sld>
+</file>
+
+<file path=ppt/slides/slide13.xml><?xml version="1.0" encoding="utf-8"?>
+<p:sld xmlns:a="http://schemas.openxmlformats.org/drawingml/2006/main" xmlns:r="http://schemas.openxmlformats.org/officeDocument/2006/relationships" xmlns:p="http://schemas.openxmlformats.org/presentationml/2006/main">
+  <p:cSld>
+    <p:spTree>
+      <p:nvGrpSpPr>
+        <p:cNvPr id="1" name=""/>
+        <p:cNvGrpSpPr/>
+        <p:nvPr/>
+      </p:nvGrpSpPr>
+      <p:grpSpPr>
+        <a:xfrm>
+          <a:off x="0" y="0"/>
+          <a:ext cx="0" cy="0"/>
+          <a:chOff x="0" y="0"/>
+          <a:chExt cx="0" cy="0"/>
+        </a:xfrm>
+      </p:grpSpPr>
+      <p:sp>
+        <p:nvSpPr>
+          <p:cNvPr id="2" name="Título 1">
+            <a:extLst>
+              <a:ext uri="{FF2B5EF4-FFF2-40B4-BE49-F238E27FC236}">
+                <a16:creationId xmlns:a16="http://schemas.microsoft.com/office/drawing/2014/main" id="{F810C1B7-6E4E-3DEE-50C0-1CA3B14303EE}"/>
+              </a:ext>
+            </a:extLst>
+          </p:cNvPr>
+          <p:cNvSpPr>
+            <a:spLocks noGrp="1"/>
+          </p:cNvSpPr>
+          <p:nvPr>
+            <p:ph type="ctrTitle"/>
+          </p:nvPr>
+        </p:nvSpPr>
+        <p:spPr>
+          <a:xfrm>
+            <a:off x="594360" y="411479"/>
+            <a:ext cx="5486400" cy="3291840"/>
+          </a:xfrm>
+        </p:spPr>
+        <p:txBody>
+          <a:bodyPr rtlCol="0"/>
+          <a:lstStyle>
+            <a:defPPr>
+              <a:defRPr lang="es-ES"/>
+            </a:defPPr>
+          </a:lstStyle>
+          <a:p>
+            <a:pPr rtl="0"/>
+            <a:r>
+              <a:rPr lang="es-ES" dirty="0"/>
+              <a:t>Gracias</a:t>
+            </a:r>
+          </a:p>
+        </p:txBody>
+      </p:sp>
+    </p:spTree>
+    <p:extLst>
+      <p:ext uri="{BB962C8B-B14F-4D97-AF65-F5344CB8AC3E}">
+        <p14:creationId xmlns:p14="http://schemas.microsoft.com/office/powerpoint/2010/main" val="3481532539"/>
+      </p:ext>
+    </p:extLst>
+  </p:cSld>
+  <p:clrMapOvr>
+    <a:masterClrMapping/>
+  </p:clrMapOvr>
+</p:sld>
+</file>
+
+<file path=ppt/slides/slide2.xml><?xml version="1.0" encoding="utf-8"?>
+<p:sld xmlns:a="http://schemas.openxmlformats.org/drawingml/2006/main" xmlns:r="http://schemas.openxmlformats.org/officeDocument/2006/relationships" xmlns:p="http://schemas.openxmlformats.org/presentationml/2006/main">
+  <p:cSld>
+    <p:spTree>
+      <p:nvGrpSpPr>
+        <p:cNvPr id="1" name=""/>
+        <p:cNvGrpSpPr/>
+        <p:nvPr/>
+      </p:nvGrpSpPr>
+      <p:grpSpPr>
+        <a:xfrm>
+          <a:off x="0" y="0"/>
+          <a:ext cx="0" cy="0"/>
+          <a:chOff x="0" y="0"/>
+          <a:chExt cx="0" cy="0"/>
+        </a:xfrm>
+      </p:grpSpPr>
+      <p:sp>
+        <p:nvSpPr>
+          <p:cNvPr id="2" name="Título 1">
+            <a:extLst>
+              <a:ext uri="{FF2B5EF4-FFF2-40B4-BE49-F238E27FC236}">
+                <a16:creationId xmlns:a16="http://schemas.microsoft.com/office/drawing/2014/main" id="{B530BF65-C84B-45C3-72CA-AFDA68851174}"/>
+              </a:ext>
+            </a:extLst>
+          </p:cNvPr>
+          <p:cNvSpPr>
+            <a:spLocks noGrp="1"/>
+          </p:cNvSpPr>
+          <p:nvPr>
+            <p:ph type="title"/>
+          </p:nvPr>
+        </p:nvSpPr>
+        <p:spPr>
+          <a:xfrm>
+            <a:off x="594360" y="189572"/>
+            <a:ext cx="6787747" cy="1593507"/>
+          </a:xfrm>
+        </p:spPr>
+        <p:txBody>
+          <a:bodyPr rtlCol="0"/>
+          <a:lstStyle>
+            <a:defPPr>
+              <a:defRPr lang="es-ES"/>
+            </a:defPPr>
+          </a:lstStyle>
+          <a:p>
+            <a:pPr rtl="0"/>
+            <a:r>
+              <a:rPr lang="es-ES" dirty="0"/>
+              <a:t>Introducción</a:t>
+            </a:r>
+          </a:p>
+        </p:txBody>
+      </p:sp>
+      <p:sp>
+        <p:nvSpPr>
+          <p:cNvPr id="3" name="Marcador de texto 2">
+            <a:extLst>
+              <a:ext uri="{FF2B5EF4-FFF2-40B4-BE49-F238E27FC236}">
+                <a16:creationId xmlns:a16="http://schemas.microsoft.com/office/drawing/2014/main" id="{3B8EBC2C-6DD7-5003-38EB-40753046FE8C}"/>
+              </a:ext>
+            </a:extLst>
+          </p:cNvPr>
+          <p:cNvSpPr>
+            <a:spLocks noGrp="1"/>
+          </p:cNvSpPr>
+          <p:nvPr>
+            <p:ph sz="quarter" idx="13"/>
+          </p:nvPr>
+        </p:nvSpPr>
+        <p:spPr>
+          <a:xfrm>
+            <a:off x="594360" y="2486512"/>
+            <a:ext cx="6889426" cy="2402730"/>
+          </a:xfrm>
+        </p:spPr>
+        <p:txBody>
+          <a:bodyPr tIns="457200" rtlCol="0">
+            <a:normAutofit/>
+          </a:bodyPr>
+          <a:lstStyle>
+            <a:defPPr>
+              <a:defRPr lang="es-ES"/>
+            </a:defPPr>
+          </a:lstStyle>
+          <a:p>
+            <a:r>
+              <a:rPr lang="es-ES" sz="2000" b="0" dirty="0">
+                <a:solidFill>
+                  <a:schemeClr val="bg1"/>
+                </a:solidFill>
+              </a:rPr>
+              <a:t>Construir una </a:t>
+            </a:r>
+            <a:r>
+              <a:rPr lang="es-ES" sz="2000" b="0" dirty="0">
+                <a:solidFill>
+                  <a:schemeClr val="bg1"/>
+                </a:solidFill>
+                <a:highlight>
+                  <a:srgbClr val="FFFF00"/>
+                </a:highlight>
+              </a:rPr>
+              <a:t>Estación Web Meteorológica</a:t>
+            </a:r>
+            <a:r>
+              <a:rPr lang="es-ES" sz="2000" b="0" dirty="0">
+                <a:solidFill>
+                  <a:schemeClr val="bg1"/>
+                </a:solidFill>
+              </a:rPr>
+              <a:t> utilizando Raspberry Pi como gestor de los datos.</a:t>
+            </a:r>
+          </a:p>
+          <a:p>
+            <a:r>
+              <a:rPr lang="es-ES" sz="2000" b="0" dirty="0">
+                <a:solidFill>
+                  <a:schemeClr val="bg1"/>
+                </a:solidFill>
+              </a:rPr>
+              <a:t>Este proyecto específico nos introduce al mundo de la </a:t>
+            </a:r>
+            <a:r>
+              <a:rPr lang="es-ES" sz="2000" dirty="0">
+                <a:solidFill>
+                  <a:schemeClr val="bg1"/>
+                </a:solidFill>
+                <a:highlight>
+                  <a:srgbClr val="FFFF00"/>
+                </a:highlight>
+              </a:rPr>
+              <a:t>programación web</a:t>
+            </a:r>
+            <a:r>
+              <a:rPr lang="es-ES" sz="2000" b="0" dirty="0">
+                <a:solidFill>
+                  <a:schemeClr val="bg1"/>
+                </a:solidFill>
+              </a:rPr>
+              <a:t>, y también nos sumerge en el campo de la meteorología, proporcionando una comprensión práctica de cómo se recopilan y </a:t>
+            </a:r>
+            <a:r>
+              <a:rPr lang="es-ES" sz="2000" b="0" dirty="0">
+                <a:solidFill>
+                  <a:schemeClr val="bg1"/>
+                </a:solidFill>
+                <a:highlight>
+                  <a:srgbClr val="FFFF00"/>
+                </a:highlight>
+              </a:rPr>
+              <a:t>analizan los datos climáticos vía web</a:t>
+            </a:r>
+            <a:r>
+              <a:rPr lang="es-ES" sz="2000" b="0" dirty="0">
+                <a:solidFill>
+                  <a:schemeClr val="bg1"/>
+                </a:solidFill>
+              </a:rPr>
+              <a:t>.</a:t>
+            </a:r>
+          </a:p>
+          <a:p>
+            <a:pPr rtl="0"/>
+            <a:endParaRPr lang="es-ES" dirty="0"/>
+          </a:p>
+        </p:txBody>
+      </p:sp>
+    </p:spTree>
+    <p:extLst>
+      <p:ext uri="{BB962C8B-B14F-4D97-AF65-F5344CB8AC3E}">
+        <p14:creationId xmlns:p14="http://schemas.microsoft.com/office/powerpoint/2010/main" val="3346685798"/>
+      </p:ext>
+    </p:extLst>
+  </p:cSld>
+  <p:clrMapOvr>
+    <a:masterClrMapping/>
+  </p:clrMapOvr>
+</p:sld>
+</file>
+
+<file path=ppt/slides/slide3.xml><?xml version="1.0" encoding="utf-8"?>
 <p:sld xmlns:a="http://schemas.openxmlformats.org/drawingml/2006/main" xmlns:r="http://schemas.openxmlformats.org/officeDocument/2006/relationships" xmlns:p="http://schemas.openxmlformats.org/presentationml/2006/main">
   <p:cSld>
     <p:spTree>
@@ -11302,7 +12643,108 @@
             <a:pPr rtl="0"/>
             <a:r>
               <a:rPr lang="es-ES" dirty="0"/>
-              <a:t>Diseño</a:t>
+              <a:t>Componentes</a:t>
+            </a:r>
+          </a:p>
+        </p:txBody>
+      </p:sp>
+      <p:sp>
+        <p:nvSpPr>
+          <p:cNvPr id="7" name="Marcador de texto 6">
+            <a:extLst>
+              <a:ext uri="{FF2B5EF4-FFF2-40B4-BE49-F238E27FC236}">
+                <a16:creationId xmlns:a16="http://schemas.microsoft.com/office/drawing/2014/main" id="{F70BD87D-F7DA-961B-4024-A354DC87D168}"/>
+              </a:ext>
+            </a:extLst>
+          </p:cNvPr>
+          <p:cNvSpPr>
+            <a:spLocks noGrp="1"/>
+          </p:cNvSpPr>
+          <p:nvPr>
+            <p:ph sz="quarter" idx="13"/>
+          </p:nvPr>
+        </p:nvSpPr>
+        <p:spPr>
+          <a:xfrm>
+            <a:off x="3657600" y="2281238"/>
+            <a:ext cx="7810500" cy="3700462"/>
+          </a:xfrm>
+        </p:spPr>
+        <p:txBody>
+          <a:bodyPr rtlCol="0">
+            <a:normAutofit/>
+          </a:bodyPr>
+          <a:lstStyle>
+            <a:defPPr>
+              <a:defRPr lang="es-ES"/>
+            </a:defPPr>
+          </a:lstStyle>
+          <a:p>
+            <a:pPr rtl="0"/>
+            <a:r>
+              <a:rPr lang="es-ES" dirty="0">
+                <a:highlight>
+                  <a:srgbClr val="FFFF00"/>
+                </a:highlight>
+              </a:rPr>
+              <a:t>Raspberry Pi</a:t>
+            </a:r>
+            <a:r>
+              <a:rPr lang="es-ES" dirty="0"/>
+              <a:t> (Raspberry Pi versión 4)</a:t>
+            </a:r>
+          </a:p>
+          <a:p>
+            <a:pPr rtl="0"/>
+            <a:r>
+              <a:rPr lang="es-ES" dirty="0">
+                <a:highlight>
+                  <a:srgbClr val="FFFF00"/>
+                </a:highlight>
+              </a:rPr>
+              <a:t>Sensor de temperatura y humedad</a:t>
+            </a:r>
+            <a:r>
+              <a:rPr lang="es-ES" dirty="0"/>
+              <a:t> (por ejemplo, </a:t>
+            </a:r>
+            <a:r>
+              <a:rPr lang="es-ES" dirty="0" err="1"/>
+              <a:t>libs</a:t>
+            </a:r>
+            <a:r>
+              <a:rPr lang="es-ES" dirty="0"/>
+              <a:t>:  DHT11 o DHT22)</a:t>
+            </a:r>
+          </a:p>
+          <a:p>
+            <a:pPr rtl="0"/>
+            <a:r>
+              <a:rPr lang="es-ES" dirty="0"/>
+              <a:t>Conexión a internet (por cable o </a:t>
+            </a:r>
+            <a:r>
+              <a:rPr lang="es-ES" dirty="0" err="1"/>
+              <a:t>Wi</a:t>
+            </a:r>
+            <a:r>
+              <a:rPr lang="es-ES" dirty="0"/>
+              <a:t>-Fi) </a:t>
+            </a:r>
+          </a:p>
+          <a:p>
+            <a:pPr rtl="0"/>
+            <a:r>
+              <a:rPr lang="es-ES" dirty="0"/>
+              <a:t>Cables de conexión y </a:t>
+            </a:r>
+            <a:r>
+              <a:rPr lang="es-ES" dirty="0" err="1"/>
+              <a:t>protoboard</a:t>
+            </a:r>
+            <a:r>
+              <a:rPr lang="es-ES" dirty="0"/>
+              <a:t> (para prototipado).</a:t>
             </a:r>
           </a:p>
         </p:txBody>
@@ -11654,6 +13096,997 @@
           </p:txBody>
         </p:sp>
       </p:grpSp>
+    </p:spTree>
+    <p:extLst>
+      <p:ext uri="{BB962C8B-B14F-4D97-AF65-F5344CB8AC3E}">
+        <p14:creationId xmlns:p14="http://schemas.microsoft.com/office/powerpoint/2010/main" val="3200312026"/>
+      </p:ext>
+    </p:extLst>
+  </p:cSld>
+  <p:clrMapOvr>
+    <a:masterClrMapping/>
+  </p:clrMapOvr>
+</p:sld>
+</file>
+
+<file path=ppt/slides/slide4.xml><?xml version="1.0" encoding="utf-8"?>
+<p:sld xmlns:a="http://schemas.openxmlformats.org/drawingml/2006/main" xmlns:r="http://schemas.openxmlformats.org/officeDocument/2006/relationships" xmlns:p="http://schemas.openxmlformats.org/presentationml/2006/main">
+  <p:cSld>
+    <p:spTree>
+      <p:nvGrpSpPr>
+        <p:cNvPr id="1" name=""/>
+        <p:cNvGrpSpPr/>
+        <p:nvPr/>
+      </p:nvGrpSpPr>
+      <p:grpSpPr>
+        <a:xfrm>
+          <a:off x="0" y="0"/>
+          <a:ext cx="0" cy="0"/>
+          <a:chOff x="0" y="0"/>
+          <a:chExt cx="0" cy="0"/>
+        </a:xfrm>
+      </p:grpSpPr>
+      <p:sp>
+        <p:nvSpPr>
+          <p:cNvPr id="3" name="Título 2">
+            <a:extLst>
+              <a:ext uri="{FF2B5EF4-FFF2-40B4-BE49-F238E27FC236}">
+                <a16:creationId xmlns:a16="http://schemas.microsoft.com/office/drawing/2014/main" id="{545D3755-C3E2-975E-DE68-CDECC4B526EC}"/>
+              </a:ext>
+            </a:extLst>
+          </p:cNvPr>
+          <p:cNvSpPr>
+            <a:spLocks noGrp="1"/>
+          </p:cNvSpPr>
+          <p:nvPr>
+            <p:ph type="title"/>
+          </p:nvPr>
+        </p:nvSpPr>
+        <p:spPr>
+          <a:xfrm>
+            <a:off x="594360" y="102875"/>
+            <a:ext cx="10873740" cy="1680205"/>
+          </a:xfrm>
+        </p:spPr>
+        <p:txBody>
+          <a:bodyPr rtlCol="0"/>
+          <a:lstStyle>
+            <a:defPPr>
+              <a:defRPr lang="es-ES"/>
+            </a:defPPr>
+          </a:lstStyle>
+          <a:p>
+            <a:pPr rtl="0"/>
+            <a:r>
+              <a:rPr lang="es-ES" dirty="0"/>
+              <a:t>Objetivos</a:t>
+            </a:r>
+          </a:p>
+        </p:txBody>
+      </p:sp>
+      <p:sp>
+        <p:nvSpPr>
+          <p:cNvPr id="7" name="Marcador de texto 6">
+            <a:extLst>
+              <a:ext uri="{FF2B5EF4-FFF2-40B4-BE49-F238E27FC236}">
+                <a16:creationId xmlns:a16="http://schemas.microsoft.com/office/drawing/2014/main" id="{F70BD87D-F7DA-961B-4024-A354DC87D168}"/>
+              </a:ext>
+            </a:extLst>
+          </p:cNvPr>
+          <p:cNvSpPr>
+            <a:spLocks noGrp="1"/>
+          </p:cNvSpPr>
+          <p:nvPr>
+            <p:ph sz="quarter" idx="13"/>
+          </p:nvPr>
+        </p:nvSpPr>
+        <p:spPr>
+          <a:xfrm>
+            <a:off x="3657600" y="2281238"/>
+            <a:ext cx="7810500" cy="4175546"/>
+          </a:xfrm>
+        </p:spPr>
+        <p:txBody>
+          <a:bodyPr rtlCol="0">
+            <a:normAutofit fontScale="92500" lnSpcReduction="10000"/>
+          </a:bodyPr>
+          <a:lstStyle>
+            <a:defPPr>
+              <a:defRPr lang="es-ES"/>
+            </a:defPPr>
+          </a:lstStyle>
+          <a:p>
+            <a:pPr rtl="0"/>
+            <a:r>
+              <a:rPr lang="es-ES" b="1" dirty="0"/>
+              <a:t>Configuración inicial: </a:t>
+            </a:r>
+            <a:r>
+              <a:rPr lang="es-ES" dirty="0"/>
+              <a:t>Instalar el </a:t>
+            </a:r>
+            <a:r>
+              <a:rPr lang="es-ES" dirty="0">
+                <a:highlight>
+                  <a:srgbClr val="FFFF00"/>
+                </a:highlight>
+              </a:rPr>
+              <a:t>sistema operativo Raspbian en el Raspberry Pi</a:t>
+            </a:r>
+            <a:r>
+              <a:rPr lang="es-ES" dirty="0"/>
+              <a:t>. Conectar el </a:t>
+            </a:r>
+            <a:r>
+              <a:rPr lang="es-ES" dirty="0">
+                <a:highlight>
+                  <a:srgbClr val="FFFF00"/>
+                </a:highlight>
+              </a:rPr>
+              <a:t>sensor de temperatura y humedad</a:t>
+            </a:r>
+            <a:r>
+              <a:rPr lang="es-ES" dirty="0"/>
+              <a:t> según las instrucciones del fabricante.</a:t>
+            </a:r>
+          </a:p>
+          <a:p>
+            <a:pPr rtl="0"/>
+            <a:r>
+              <a:rPr lang="es-ES" b="1" dirty="0"/>
+              <a:t>Programación en Python: </a:t>
+            </a:r>
+            <a:r>
+              <a:rPr lang="es-ES" dirty="0"/>
+              <a:t>Utilizar el lenguaje de programación Python para leer los datos del sensor. Instalar las bibliotecas necesarias (como </a:t>
+            </a:r>
+            <a:r>
+              <a:rPr lang="es-ES" dirty="0" err="1">
+                <a:highlight>
+                  <a:srgbClr val="FFFF00"/>
+                </a:highlight>
+              </a:rPr>
+              <a:t>Adafruit_DHT</a:t>
+            </a:r>
+            <a:r>
+              <a:rPr lang="es-ES" dirty="0">
+                <a:highlight>
+                  <a:srgbClr val="FFFF00"/>
+                </a:highlight>
+              </a:rPr>
+              <a:t> para el sensor DHT</a:t>
+            </a:r>
+            <a:r>
+              <a:rPr lang="es-ES" dirty="0"/>
+              <a:t>). Escribir un script que lea los valores de temperatura y humedad cada cierto intervalo de tiempo.</a:t>
+            </a:r>
+          </a:p>
+          <a:p>
+            <a:pPr rtl="0"/>
+            <a:r>
+              <a:rPr lang="es-ES" b="1" dirty="0"/>
+              <a:t>Almacenamiento de datos</a:t>
+            </a:r>
+            <a:r>
+              <a:rPr lang="es-ES" dirty="0"/>
+              <a:t>: Guardar los datos recolectados en una base de datos local (por ejemplo, SQLite) o en la nube (usando servicios como </a:t>
+            </a:r>
+            <a:r>
+              <a:rPr lang="es-ES" dirty="0">
+                <a:highlight>
+                  <a:srgbClr val="FFFF00"/>
+                </a:highlight>
+              </a:rPr>
+              <a:t>Google </a:t>
+            </a:r>
+            <a:r>
+              <a:rPr lang="es-ES" dirty="0" err="1">
+                <a:highlight>
+                  <a:srgbClr val="FFFF00"/>
+                </a:highlight>
+              </a:rPr>
+              <a:t>Firebase</a:t>
+            </a:r>
+            <a:r>
+              <a:rPr lang="es-ES" dirty="0"/>
+              <a:t>).</a:t>
+            </a:r>
+          </a:p>
+          <a:p>
+            <a:pPr rtl="0"/>
+            <a:r>
+              <a:rPr lang="es-ES" b="1" dirty="0"/>
+              <a:t>Visualización de datos: </a:t>
+            </a:r>
+            <a:r>
+              <a:rPr lang="es-ES" dirty="0"/>
+              <a:t>Desarrollar una interfaz gráfica (GUI) o una </a:t>
+            </a:r>
+            <a:r>
+              <a:rPr lang="es-ES" dirty="0">
+                <a:highlight>
+                  <a:srgbClr val="FFFF00"/>
+                </a:highlight>
+              </a:rPr>
+              <a:t>página web </a:t>
+            </a:r>
+            <a:r>
+              <a:rPr lang="es-ES" dirty="0"/>
+              <a:t>simple para mostrar los datos de temperatura y humedad en tiempo real. Podemos usar </a:t>
+            </a:r>
+            <a:r>
+              <a:rPr lang="es-ES" dirty="0" err="1"/>
+              <a:t>Flask</a:t>
+            </a:r>
+            <a:r>
+              <a:rPr lang="es-ES" dirty="0"/>
+              <a:t> para crear un servidor web local en la Raspberry Pi.</a:t>
+            </a:r>
+          </a:p>
+        </p:txBody>
+      </p:sp>
+      <p:grpSp>
+        <p:nvGrpSpPr>
+          <p:cNvPr id="19" name="Grupo 18">
+            <a:extLst>
+              <a:ext uri="{FF2B5EF4-FFF2-40B4-BE49-F238E27FC236}">
+                <a16:creationId xmlns:a16="http://schemas.microsoft.com/office/drawing/2014/main" id="{C78CEA4F-D72A-C069-6A51-328B103CA0CA}"/>
+              </a:ext>
+              <a:ext uri="{C183D7F6-B498-43B3-948B-1728B52AA6E4}">
+                <adec:decorative xmlns:adec="http://schemas.microsoft.com/office/drawing/2017/decorative" val="1"/>
+              </a:ext>
+            </a:extLst>
+          </p:cNvPr>
+          <p:cNvGrpSpPr>
+            <a:grpSpLocks/>
+          </p:cNvGrpSpPr>
+          <p:nvPr/>
+        </p:nvGrpSpPr>
+        <p:grpSpPr bwMode="auto">
+          <a:xfrm rot="16200000" flipV="1">
+            <a:off x="0" y="3900132"/>
+            <a:ext cx="2959226" cy="2959226"/>
+            <a:chOff x="0" y="12289"/>
+            <a:chExt cx="3550" cy="3551"/>
+          </a:xfrm>
+        </p:grpSpPr>
+        <p:sp>
+          <p:nvSpPr>
+            <p:cNvPr id="20" name="Forma libre 19">
+              <a:extLst>
+                <a:ext uri="{FF2B5EF4-FFF2-40B4-BE49-F238E27FC236}">
+                  <a16:creationId xmlns:a16="http://schemas.microsoft.com/office/drawing/2014/main" id="{7E473402-19FD-A5B0-5CB6-E5F3926D3828}"/>
+                </a:ext>
+              </a:extLst>
+            </p:cNvPr>
+            <p:cNvSpPr>
+              <a:spLocks/>
+            </p:cNvSpPr>
+            <p:nvPr/>
+          </p:nvSpPr>
+          <p:spPr bwMode="auto">
+            <a:xfrm>
+              <a:off x="0" y="12289"/>
+              <a:ext cx="1789" cy="2386"/>
+            </a:xfrm>
+            <a:custGeom>
+              <a:avLst/>
+              <a:gdLst>
+                <a:gd name="T0" fmla="*/ 0 w 1789"/>
+                <a:gd name="T1" fmla="+- 0 12290 12290"/>
+                <a:gd name="T2" fmla="*/ 12290 h 2386"/>
+                <a:gd name="T3" fmla="*/ 0 w 1789"/>
+                <a:gd name="T4" fmla="+- 0 13484 12290"/>
+                <a:gd name="T5" fmla="*/ 13484 h 2386"/>
+                <a:gd name="T6" fmla="*/ 1192 w 1789"/>
+                <a:gd name="T7" fmla="+- 0 14676 12290"/>
+                <a:gd name="T8" fmla="*/ 14676 h 2386"/>
+                <a:gd name="T9" fmla="*/ 1789 w 1789"/>
+                <a:gd name="T10" fmla="+- 0 14079 12290"/>
+                <a:gd name="T11" fmla="*/ 14079 h 2386"/>
+                <a:gd name="T12" fmla="*/ 0 w 1789"/>
+                <a:gd name="T13" fmla="+- 0 12290 12290"/>
+                <a:gd name="T14" fmla="*/ 12290 h 2386"/>
+              </a:gdLst>
+              <a:ahLst/>
+              <a:cxnLst>
+                <a:cxn ang="0">
+                  <a:pos x="T0" y="T2"/>
+                </a:cxn>
+                <a:cxn ang="0">
+                  <a:pos x="T3" y="T5"/>
+                </a:cxn>
+                <a:cxn ang="0">
+                  <a:pos x="T6" y="T8"/>
+                </a:cxn>
+                <a:cxn ang="0">
+                  <a:pos x="T9" y="T11"/>
+                </a:cxn>
+                <a:cxn ang="0">
+                  <a:pos x="T12" y="T14"/>
+                </a:cxn>
+              </a:cxnLst>
+              <a:rect l="0" t="0" r="r" b="b"/>
+              <a:pathLst>
+                <a:path w="1789" h="2386">
+                  <a:moveTo>
+                    <a:pt x="0" y="0"/>
+                  </a:moveTo>
+                  <a:lnTo>
+                    <a:pt x="0" y="1194"/>
+                  </a:lnTo>
+                  <a:lnTo>
+                    <a:pt x="1192" y="2386"/>
+                  </a:lnTo>
+                  <a:lnTo>
+                    <a:pt x="1789" y="1789"/>
+                  </a:lnTo>
+                  <a:lnTo>
+                    <a:pt x="0" y="0"/>
+                  </a:lnTo>
+                  <a:close/>
+                </a:path>
+              </a:pathLst>
+            </a:custGeom>
+            <a:solidFill>
+              <a:schemeClr val="accent6"/>
+            </a:solidFill>
+            <a:ln>
+              <a:noFill/>
+            </a:ln>
+            <a:extLst>
+              <a:ext uri="{91240B29-F687-4F45-9708-019B960494DF}">
+                <a14:hiddenLine xmlns:a14="http://schemas.microsoft.com/office/drawing/2010/main" w="9525">
+                  <a:solidFill>
+                    <a:srgbClr val="000000"/>
+                  </a:solidFill>
+                  <a:round/>
+                  <a:headEnd/>
+                  <a:tailEnd/>
+                </a14:hiddenLine>
+              </a:ext>
+            </a:extLst>
+          </p:spPr>
+          <p:txBody>
+            <a:bodyPr rot="0" vert="horz" wrap="square" lIns="91440" tIns="45720" rIns="91440" bIns="45720" rtlCol="0" anchor="t" anchorCtr="0" upright="1">
+              <a:noAutofit/>
+            </a:bodyPr>
+            <a:lstStyle>
+              <a:defPPr>
+                <a:defRPr lang="es-ES"/>
+              </a:defPPr>
+            </a:lstStyle>
+            <a:p>
+              <a:pPr rtl="0"/>
+              <a:endParaRPr lang="es-ES" dirty="0"/>
+            </a:p>
+          </p:txBody>
+        </p:sp>
+        <p:sp>
+          <p:nvSpPr>
+            <p:cNvPr id="21" name="Forma libre 20">
+              <a:extLst>
+                <a:ext uri="{FF2B5EF4-FFF2-40B4-BE49-F238E27FC236}">
+                  <a16:creationId xmlns:a16="http://schemas.microsoft.com/office/drawing/2014/main" id="{879D1CAD-2EA2-9376-7B64-0C3AC590F651}"/>
+                </a:ext>
+              </a:extLst>
+            </p:cNvPr>
+            <p:cNvSpPr>
+              <a:spLocks/>
+            </p:cNvSpPr>
+            <p:nvPr/>
+          </p:nvSpPr>
+          <p:spPr bwMode="auto">
+            <a:xfrm>
+              <a:off x="0" y="14678"/>
+              <a:ext cx="1162" cy="1162"/>
+            </a:xfrm>
+            <a:custGeom>
+              <a:avLst/>
+              <a:gdLst>
+                <a:gd name="T0" fmla="*/ 0 w 1162"/>
+                <a:gd name="T1" fmla="+- 0 14679 14679"/>
+                <a:gd name="T2" fmla="*/ 14679 h 1162"/>
+                <a:gd name="T3" fmla="*/ 0 w 1162"/>
+                <a:gd name="T4" fmla="+- 0 15840 14679"/>
+                <a:gd name="T5" fmla="*/ 15840 h 1162"/>
+                <a:gd name="T6" fmla="*/ 1161 w 1162"/>
+                <a:gd name="T7" fmla="+- 0 15840 14679"/>
+                <a:gd name="T8" fmla="*/ 15840 h 1162"/>
+                <a:gd name="T9" fmla="*/ 0 w 1162"/>
+                <a:gd name="T10" fmla="+- 0 14679 14679"/>
+                <a:gd name="T11" fmla="*/ 14679 h 1162"/>
+              </a:gdLst>
+              <a:ahLst/>
+              <a:cxnLst>
+                <a:cxn ang="0">
+                  <a:pos x="T0" y="T2"/>
+                </a:cxn>
+                <a:cxn ang="0">
+                  <a:pos x="T3" y="T5"/>
+                </a:cxn>
+                <a:cxn ang="0">
+                  <a:pos x="T6" y="T8"/>
+                </a:cxn>
+                <a:cxn ang="0">
+                  <a:pos x="T9" y="T11"/>
+                </a:cxn>
+              </a:cxnLst>
+              <a:rect l="0" t="0" r="r" b="b"/>
+              <a:pathLst>
+                <a:path w="1162" h="1162">
+                  <a:moveTo>
+                    <a:pt x="0" y="0"/>
+                  </a:moveTo>
+                  <a:lnTo>
+                    <a:pt x="0" y="1161"/>
+                  </a:lnTo>
+                  <a:lnTo>
+                    <a:pt x="1161" y="1161"/>
+                  </a:lnTo>
+                  <a:lnTo>
+                    <a:pt x="0" y="0"/>
+                  </a:lnTo>
+                  <a:close/>
+                </a:path>
+              </a:pathLst>
+            </a:custGeom>
+            <a:solidFill>
+              <a:schemeClr val="tx2"/>
+            </a:solidFill>
+            <a:ln>
+              <a:noFill/>
+            </a:ln>
+            <a:extLst>
+              <a:ext uri="{91240B29-F687-4F45-9708-019B960494DF}">
+                <a14:hiddenLine xmlns:a14="http://schemas.microsoft.com/office/drawing/2010/main" w="9525">
+                  <a:solidFill>
+                    <a:srgbClr val="000000"/>
+                  </a:solidFill>
+                  <a:round/>
+                  <a:headEnd/>
+                  <a:tailEnd/>
+                </a14:hiddenLine>
+              </a:ext>
+            </a:extLst>
+          </p:spPr>
+          <p:txBody>
+            <a:bodyPr rot="0" vert="horz" wrap="square" lIns="91440" tIns="45720" rIns="91440" bIns="45720" rtlCol="0" anchor="t" anchorCtr="0" upright="1">
+              <a:noAutofit/>
+            </a:bodyPr>
+            <a:lstStyle>
+              <a:defPPr>
+                <a:defRPr lang="es-ES"/>
+              </a:defPPr>
+            </a:lstStyle>
+            <a:p>
+              <a:pPr rtl="0"/>
+              <a:endParaRPr lang="es-ES" dirty="0"/>
+            </a:p>
+          </p:txBody>
+        </p:sp>
+        <p:sp>
+          <p:nvSpPr>
+            <p:cNvPr id="22" name="Forma libre 21">
+              <a:extLst>
+                <a:ext uri="{FF2B5EF4-FFF2-40B4-BE49-F238E27FC236}">
+                  <a16:creationId xmlns:a16="http://schemas.microsoft.com/office/drawing/2014/main" id="{B16F8906-918C-BE0B-A4AB-6A1D48150AC7}"/>
+                </a:ext>
+              </a:extLst>
+            </p:cNvPr>
+            <p:cNvSpPr>
+              <a:spLocks/>
+            </p:cNvSpPr>
+            <p:nvPr/>
+          </p:nvSpPr>
+          <p:spPr bwMode="auto">
+            <a:xfrm>
+              <a:off x="1221" y="14675"/>
+              <a:ext cx="2329" cy="1165"/>
+            </a:xfrm>
+            <a:custGeom>
+              <a:avLst/>
+              <a:gdLst>
+                <a:gd name="T0" fmla="+- 0 3550 1221"/>
+                <a:gd name="T1" fmla="*/ T0 w 2329"/>
+                <a:gd name="T2" fmla="+- 0 15840 14676"/>
+                <a:gd name="T3" fmla="*/ 15840 h 1165"/>
+                <a:gd name="T4" fmla="+- 0 2386 1221"/>
+                <a:gd name="T5" fmla="*/ T4 w 2329"/>
+                <a:gd name="T6" fmla="+- 0 14676 14676"/>
+                <a:gd name="T7" fmla="*/ 14676 h 1165"/>
+                <a:gd name="T8" fmla="+- 0 1221 1221"/>
+                <a:gd name="T9" fmla="*/ T8 w 2329"/>
+                <a:gd name="T10" fmla="+- 0 15840 14676"/>
+                <a:gd name="T11" fmla="*/ 15840 h 1165"/>
+                <a:gd name="T12" fmla="+- 0 3550 1221"/>
+                <a:gd name="T13" fmla="*/ T12 w 2329"/>
+                <a:gd name="T14" fmla="+- 0 15840 14676"/>
+                <a:gd name="T15" fmla="*/ 15840 h 1165"/>
+              </a:gdLst>
+              <a:ahLst/>
+              <a:cxnLst>
+                <a:cxn ang="0">
+                  <a:pos x="T1" y="T3"/>
+                </a:cxn>
+                <a:cxn ang="0">
+                  <a:pos x="T5" y="T7"/>
+                </a:cxn>
+                <a:cxn ang="0">
+                  <a:pos x="T9" y="T11"/>
+                </a:cxn>
+                <a:cxn ang="0">
+                  <a:pos x="T13" y="T15"/>
+                </a:cxn>
+              </a:cxnLst>
+              <a:rect l="0" t="0" r="r" b="b"/>
+              <a:pathLst>
+                <a:path w="2329" h="1165">
+                  <a:moveTo>
+                    <a:pt x="2329" y="1164"/>
+                  </a:moveTo>
+                  <a:lnTo>
+                    <a:pt x="1165" y="0"/>
+                  </a:lnTo>
+                  <a:lnTo>
+                    <a:pt x="0" y="1164"/>
+                  </a:lnTo>
+                  <a:lnTo>
+                    <a:pt x="2329" y="1164"/>
+                  </a:lnTo>
+                </a:path>
+              </a:pathLst>
+            </a:custGeom>
+            <a:solidFill>
+              <a:schemeClr val="accent3"/>
+            </a:solidFill>
+            <a:ln>
+              <a:noFill/>
+            </a:ln>
+            <a:extLst>
+              <a:ext uri="{91240B29-F687-4F45-9708-019B960494DF}">
+                <a14:hiddenLine xmlns:a14="http://schemas.microsoft.com/office/drawing/2010/main" w="9525">
+                  <a:solidFill>
+                    <a:srgbClr val="000000"/>
+                  </a:solidFill>
+                  <a:round/>
+                  <a:headEnd/>
+                  <a:tailEnd/>
+                </a14:hiddenLine>
+              </a:ext>
+            </a:extLst>
+          </p:spPr>
+          <p:txBody>
+            <a:bodyPr rot="0" vert="horz" wrap="square" lIns="91440" tIns="45720" rIns="91440" bIns="45720" rtlCol="0" anchor="t" anchorCtr="0" upright="1">
+              <a:noAutofit/>
+            </a:bodyPr>
+            <a:lstStyle>
+              <a:defPPr>
+                <a:defRPr lang="es-ES"/>
+              </a:defPPr>
+            </a:lstStyle>
+            <a:p>
+              <a:pPr rtl="0"/>
+              <a:endParaRPr lang="es-ES" dirty="0"/>
+            </a:p>
+          </p:txBody>
+        </p:sp>
+      </p:grpSp>
+    </p:spTree>
+    <p:extLst>
+      <p:ext uri="{BB962C8B-B14F-4D97-AF65-F5344CB8AC3E}">
+        <p14:creationId xmlns:p14="http://schemas.microsoft.com/office/powerpoint/2010/main" val="3498713726"/>
+      </p:ext>
+    </p:extLst>
+  </p:cSld>
+  <p:clrMapOvr>
+    <a:masterClrMapping/>
+  </p:clrMapOvr>
+</p:sld>
+</file>
+
+<file path=ppt/slides/slide5.xml><?xml version="1.0" encoding="utf-8"?>
+<p:sld xmlns:a="http://schemas.openxmlformats.org/drawingml/2006/main" xmlns:r="http://schemas.openxmlformats.org/officeDocument/2006/relationships" xmlns:p="http://schemas.openxmlformats.org/presentationml/2006/main">
+  <p:cSld>
+    <p:spTree>
+      <p:nvGrpSpPr>
+        <p:cNvPr id="1" name=""/>
+        <p:cNvGrpSpPr/>
+        <p:nvPr/>
+      </p:nvGrpSpPr>
+      <p:grpSpPr>
+        <a:xfrm>
+          <a:off x="0" y="0"/>
+          <a:ext cx="0" cy="0"/>
+          <a:chOff x="0" y="0"/>
+          <a:chExt cx="0" cy="0"/>
+        </a:xfrm>
+      </p:grpSpPr>
+      <p:sp>
+        <p:nvSpPr>
+          <p:cNvPr id="3" name="Título 2">
+            <a:extLst>
+              <a:ext uri="{FF2B5EF4-FFF2-40B4-BE49-F238E27FC236}">
+                <a16:creationId xmlns:a16="http://schemas.microsoft.com/office/drawing/2014/main" id="{545D3755-C3E2-975E-DE68-CDECC4B526EC}"/>
+              </a:ext>
+            </a:extLst>
+          </p:cNvPr>
+          <p:cNvSpPr>
+            <a:spLocks noGrp="1"/>
+          </p:cNvSpPr>
+          <p:nvPr>
+            <p:ph type="title"/>
+          </p:nvPr>
+        </p:nvSpPr>
+        <p:spPr>
+          <a:xfrm>
+            <a:off x="594360" y="102875"/>
+            <a:ext cx="10873740" cy="1680205"/>
+          </a:xfrm>
+        </p:spPr>
+        <p:txBody>
+          <a:bodyPr rtlCol="0"/>
+          <a:lstStyle>
+            <a:defPPr>
+              <a:defRPr lang="es-ES"/>
+            </a:defPPr>
+          </a:lstStyle>
+          <a:p>
+            <a:pPr rtl="0"/>
+            <a:r>
+              <a:rPr lang="es-ES" dirty="0"/>
+              <a:t>Diseño</a:t>
+            </a:r>
+          </a:p>
+        </p:txBody>
+      </p:sp>
+      <p:grpSp>
+        <p:nvGrpSpPr>
+          <p:cNvPr id="19" name="Grupo 18">
+            <a:extLst>
+              <a:ext uri="{FF2B5EF4-FFF2-40B4-BE49-F238E27FC236}">
+                <a16:creationId xmlns:a16="http://schemas.microsoft.com/office/drawing/2014/main" id="{C78CEA4F-D72A-C069-6A51-328B103CA0CA}"/>
+              </a:ext>
+              <a:ext uri="{C183D7F6-B498-43B3-948B-1728B52AA6E4}">
+                <adec:decorative xmlns:adec="http://schemas.microsoft.com/office/drawing/2017/decorative" val="1"/>
+              </a:ext>
+            </a:extLst>
+          </p:cNvPr>
+          <p:cNvGrpSpPr>
+            <a:grpSpLocks/>
+          </p:cNvGrpSpPr>
+          <p:nvPr/>
+        </p:nvGrpSpPr>
+        <p:grpSpPr bwMode="auto">
+          <a:xfrm rot="16200000" flipV="1">
+            <a:off x="0" y="3900132"/>
+            <a:ext cx="2959226" cy="2959226"/>
+            <a:chOff x="0" y="12289"/>
+            <a:chExt cx="3550" cy="3551"/>
+          </a:xfrm>
+        </p:grpSpPr>
+        <p:sp>
+          <p:nvSpPr>
+            <p:cNvPr id="20" name="Forma libre 19">
+              <a:extLst>
+                <a:ext uri="{FF2B5EF4-FFF2-40B4-BE49-F238E27FC236}">
+                  <a16:creationId xmlns:a16="http://schemas.microsoft.com/office/drawing/2014/main" id="{7E473402-19FD-A5B0-5CB6-E5F3926D3828}"/>
+                </a:ext>
+              </a:extLst>
+            </p:cNvPr>
+            <p:cNvSpPr>
+              <a:spLocks/>
+            </p:cNvSpPr>
+            <p:nvPr/>
+          </p:nvSpPr>
+          <p:spPr bwMode="auto">
+            <a:xfrm>
+              <a:off x="0" y="12289"/>
+              <a:ext cx="1789" cy="2386"/>
+            </a:xfrm>
+            <a:custGeom>
+              <a:avLst/>
+              <a:gdLst>
+                <a:gd name="T0" fmla="*/ 0 w 1789"/>
+                <a:gd name="T1" fmla="+- 0 12290 12290"/>
+                <a:gd name="T2" fmla="*/ 12290 h 2386"/>
+                <a:gd name="T3" fmla="*/ 0 w 1789"/>
+                <a:gd name="T4" fmla="+- 0 13484 12290"/>
+                <a:gd name="T5" fmla="*/ 13484 h 2386"/>
+                <a:gd name="T6" fmla="*/ 1192 w 1789"/>
+                <a:gd name="T7" fmla="+- 0 14676 12290"/>
+                <a:gd name="T8" fmla="*/ 14676 h 2386"/>
+                <a:gd name="T9" fmla="*/ 1789 w 1789"/>
+                <a:gd name="T10" fmla="+- 0 14079 12290"/>
+                <a:gd name="T11" fmla="*/ 14079 h 2386"/>
+                <a:gd name="T12" fmla="*/ 0 w 1789"/>
+                <a:gd name="T13" fmla="+- 0 12290 12290"/>
+                <a:gd name="T14" fmla="*/ 12290 h 2386"/>
+              </a:gdLst>
+              <a:ahLst/>
+              <a:cxnLst>
+                <a:cxn ang="0">
+                  <a:pos x="T0" y="T2"/>
+                </a:cxn>
+                <a:cxn ang="0">
+                  <a:pos x="T3" y="T5"/>
+                </a:cxn>
+                <a:cxn ang="0">
+                  <a:pos x="T6" y="T8"/>
+                </a:cxn>
+                <a:cxn ang="0">
+                  <a:pos x="T9" y="T11"/>
+                </a:cxn>
+                <a:cxn ang="0">
+                  <a:pos x="T12" y="T14"/>
+                </a:cxn>
+              </a:cxnLst>
+              <a:rect l="0" t="0" r="r" b="b"/>
+              <a:pathLst>
+                <a:path w="1789" h="2386">
+                  <a:moveTo>
+                    <a:pt x="0" y="0"/>
+                  </a:moveTo>
+                  <a:lnTo>
+                    <a:pt x="0" y="1194"/>
+                  </a:lnTo>
+                  <a:lnTo>
+                    <a:pt x="1192" y="2386"/>
+                  </a:lnTo>
+                  <a:lnTo>
+                    <a:pt x="1789" y="1789"/>
+                  </a:lnTo>
+                  <a:lnTo>
+                    <a:pt x="0" y="0"/>
+                  </a:lnTo>
+                  <a:close/>
+                </a:path>
+              </a:pathLst>
+            </a:custGeom>
+            <a:solidFill>
+              <a:schemeClr val="accent6"/>
+            </a:solidFill>
+            <a:ln>
+              <a:noFill/>
+            </a:ln>
+            <a:extLst>
+              <a:ext uri="{91240B29-F687-4F45-9708-019B960494DF}">
+                <a14:hiddenLine xmlns:a14="http://schemas.microsoft.com/office/drawing/2010/main" w="9525">
+                  <a:solidFill>
+                    <a:srgbClr val="000000"/>
+                  </a:solidFill>
+                  <a:round/>
+                  <a:headEnd/>
+                  <a:tailEnd/>
+                </a14:hiddenLine>
+              </a:ext>
+            </a:extLst>
+          </p:spPr>
+          <p:txBody>
+            <a:bodyPr rot="0" vert="horz" wrap="square" lIns="91440" tIns="45720" rIns="91440" bIns="45720" rtlCol="0" anchor="t" anchorCtr="0" upright="1">
+              <a:noAutofit/>
+            </a:bodyPr>
+            <a:lstStyle>
+              <a:defPPr>
+                <a:defRPr lang="es-ES"/>
+              </a:defPPr>
+            </a:lstStyle>
+            <a:p>
+              <a:pPr rtl="0"/>
+              <a:endParaRPr lang="es-ES" dirty="0"/>
+            </a:p>
+          </p:txBody>
+        </p:sp>
+        <p:sp>
+          <p:nvSpPr>
+            <p:cNvPr id="21" name="Forma libre 20">
+              <a:extLst>
+                <a:ext uri="{FF2B5EF4-FFF2-40B4-BE49-F238E27FC236}">
+                  <a16:creationId xmlns:a16="http://schemas.microsoft.com/office/drawing/2014/main" id="{879D1CAD-2EA2-9376-7B64-0C3AC590F651}"/>
+                </a:ext>
+              </a:extLst>
+            </p:cNvPr>
+            <p:cNvSpPr>
+              <a:spLocks/>
+            </p:cNvSpPr>
+            <p:nvPr/>
+          </p:nvSpPr>
+          <p:spPr bwMode="auto">
+            <a:xfrm>
+              <a:off x="0" y="14678"/>
+              <a:ext cx="1162" cy="1162"/>
+            </a:xfrm>
+            <a:custGeom>
+              <a:avLst/>
+              <a:gdLst>
+                <a:gd name="T0" fmla="*/ 0 w 1162"/>
+                <a:gd name="T1" fmla="+- 0 14679 14679"/>
+                <a:gd name="T2" fmla="*/ 14679 h 1162"/>
+                <a:gd name="T3" fmla="*/ 0 w 1162"/>
+                <a:gd name="T4" fmla="+- 0 15840 14679"/>
+                <a:gd name="T5" fmla="*/ 15840 h 1162"/>
+                <a:gd name="T6" fmla="*/ 1161 w 1162"/>
+                <a:gd name="T7" fmla="+- 0 15840 14679"/>
+                <a:gd name="T8" fmla="*/ 15840 h 1162"/>
+                <a:gd name="T9" fmla="*/ 0 w 1162"/>
+                <a:gd name="T10" fmla="+- 0 14679 14679"/>
+                <a:gd name="T11" fmla="*/ 14679 h 1162"/>
+              </a:gdLst>
+              <a:ahLst/>
+              <a:cxnLst>
+                <a:cxn ang="0">
+                  <a:pos x="T0" y="T2"/>
+                </a:cxn>
+                <a:cxn ang="0">
+                  <a:pos x="T3" y="T5"/>
+                </a:cxn>
+                <a:cxn ang="0">
+                  <a:pos x="T6" y="T8"/>
+                </a:cxn>
+                <a:cxn ang="0">
+                  <a:pos x="T9" y="T11"/>
+                </a:cxn>
+              </a:cxnLst>
+              <a:rect l="0" t="0" r="r" b="b"/>
+              <a:pathLst>
+                <a:path w="1162" h="1162">
+                  <a:moveTo>
+                    <a:pt x="0" y="0"/>
+                  </a:moveTo>
+                  <a:lnTo>
+                    <a:pt x="0" y="1161"/>
+                  </a:lnTo>
+                  <a:lnTo>
+                    <a:pt x="1161" y="1161"/>
+                  </a:lnTo>
+                  <a:lnTo>
+                    <a:pt x="0" y="0"/>
+                  </a:lnTo>
+                  <a:close/>
+                </a:path>
+              </a:pathLst>
+            </a:custGeom>
+            <a:solidFill>
+              <a:schemeClr val="tx2"/>
+            </a:solidFill>
+            <a:ln>
+              <a:noFill/>
+            </a:ln>
+            <a:extLst>
+              <a:ext uri="{91240B29-F687-4F45-9708-019B960494DF}">
+                <a14:hiddenLine xmlns:a14="http://schemas.microsoft.com/office/drawing/2010/main" w="9525">
+                  <a:solidFill>
+                    <a:srgbClr val="000000"/>
+                  </a:solidFill>
+                  <a:round/>
+                  <a:headEnd/>
+                  <a:tailEnd/>
+                </a14:hiddenLine>
+              </a:ext>
+            </a:extLst>
+          </p:spPr>
+          <p:txBody>
+            <a:bodyPr rot="0" vert="horz" wrap="square" lIns="91440" tIns="45720" rIns="91440" bIns="45720" rtlCol="0" anchor="t" anchorCtr="0" upright="1">
+              <a:noAutofit/>
+            </a:bodyPr>
+            <a:lstStyle>
+              <a:defPPr>
+                <a:defRPr lang="es-ES"/>
+              </a:defPPr>
+            </a:lstStyle>
+            <a:p>
+              <a:pPr rtl="0"/>
+              <a:endParaRPr lang="es-ES" dirty="0"/>
+            </a:p>
+          </p:txBody>
+        </p:sp>
+        <p:sp>
+          <p:nvSpPr>
+            <p:cNvPr id="22" name="Forma libre 21">
+              <a:extLst>
+                <a:ext uri="{FF2B5EF4-FFF2-40B4-BE49-F238E27FC236}">
+                  <a16:creationId xmlns:a16="http://schemas.microsoft.com/office/drawing/2014/main" id="{B16F8906-918C-BE0B-A4AB-6A1D48150AC7}"/>
+                </a:ext>
+              </a:extLst>
+            </p:cNvPr>
+            <p:cNvSpPr>
+              <a:spLocks/>
+            </p:cNvSpPr>
+            <p:nvPr/>
+          </p:nvSpPr>
+          <p:spPr bwMode="auto">
+            <a:xfrm>
+              <a:off x="1221" y="14675"/>
+              <a:ext cx="2329" cy="1165"/>
+            </a:xfrm>
+            <a:custGeom>
+              <a:avLst/>
+              <a:gdLst>
+                <a:gd name="T0" fmla="+- 0 3550 1221"/>
+                <a:gd name="T1" fmla="*/ T0 w 2329"/>
+                <a:gd name="T2" fmla="+- 0 15840 14676"/>
+                <a:gd name="T3" fmla="*/ 15840 h 1165"/>
+                <a:gd name="T4" fmla="+- 0 2386 1221"/>
+                <a:gd name="T5" fmla="*/ T4 w 2329"/>
+                <a:gd name="T6" fmla="+- 0 14676 14676"/>
+                <a:gd name="T7" fmla="*/ 14676 h 1165"/>
+                <a:gd name="T8" fmla="+- 0 1221 1221"/>
+                <a:gd name="T9" fmla="*/ T8 w 2329"/>
+                <a:gd name="T10" fmla="+- 0 15840 14676"/>
+                <a:gd name="T11" fmla="*/ 15840 h 1165"/>
+                <a:gd name="T12" fmla="+- 0 3550 1221"/>
+                <a:gd name="T13" fmla="*/ T12 w 2329"/>
+                <a:gd name="T14" fmla="+- 0 15840 14676"/>
+                <a:gd name="T15" fmla="*/ 15840 h 1165"/>
+              </a:gdLst>
+              <a:ahLst/>
+              <a:cxnLst>
+                <a:cxn ang="0">
+                  <a:pos x="T1" y="T3"/>
+                </a:cxn>
+                <a:cxn ang="0">
+                  <a:pos x="T5" y="T7"/>
+                </a:cxn>
+                <a:cxn ang="0">
+                  <a:pos x="T9" y="T11"/>
+                </a:cxn>
+                <a:cxn ang="0">
+                  <a:pos x="T13" y="T15"/>
+                </a:cxn>
+              </a:cxnLst>
+              <a:rect l="0" t="0" r="r" b="b"/>
+              <a:pathLst>
+                <a:path w="2329" h="1165">
+                  <a:moveTo>
+                    <a:pt x="2329" y="1164"/>
+                  </a:moveTo>
+                  <a:lnTo>
+                    <a:pt x="1165" y="0"/>
+                  </a:lnTo>
+                  <a:lnTo>
+                    <a:pt x="0" y="1164"/>
+                  </a:lnTo>
+                  <a:lnTo>
+                    <a:pt x="2329" y="1164"/>
+                  </a:lnTo>
+                </a:path>
+              </a:pathLst>
+            </a:custGeom>
+            <a:solidFill>
+              <a:schemeClr val="accent3"/>
+            </a:solidFill>
+            <a:ln>
+              <a:noFill/>
+            </a:ln>
+            <a:extLst>
+              <a:ext uri="{91240B29-F687-4F45-9708-019B960494DF}">
+                <a14:hiddenLine xmlns:a14="http://schemas.microsoft.com/office/drawing/2010/main" w="9525">
+                  <a:solidFill>
+                    <a:srgbClr val="000000"/>
+                  </a:solidFill>
+                  <a:round/>
+                  <a:headEnd/>
+                  <a:tailEnd/>
+                </a14:hiddenLine>
+              </a:ext>
+            </a:extLst>
+          </p:spPr>
+          <p:txBody>
+            <a:bodyPr rot="0" vert="horz" wrap="square" lIns="91440" tIns="45720" rIns="91440" bIns="45720" rtlCol="0" anchor="t" anchorCtr="0" upright="1">
+              <a:noAutofit/>
+            </a:bodyPr>
+            <a:lstStyle>
+              <a:defPPr>
+                <a:defRPr lang="es-ES"/>
+              </a:defPPr>
+            </a:lstStyle>
+            <a:p>
+              <a:pPr rtl="0"/>
+              <a:endParaRPr lang="es-ES" dirty="0"/>
+            </a:p>
+          </p:txBody>
+        </p:sp>
+      </p:grpSp>
       <p:pic>
         <p:nvPicPr>
           <p:cNvPr id="1026" name="Picture 2" descr="Raspberry Pi DS18B20 Temperature Sensor Tutorial - Circuit Basics">
@@ -11735,10 +14168,10 @@
       </p:grpSpPr>
       <p:sp>
         <p:nvSpPr>
-          <p:cNvPr id="2" name="Título 1">
+          <p:cNvPr id="3" name="Título 2">
             <a:extLst>
               <a:ext uri="{FF2B5EF4-FFF2-40B4-BE49-F238E27FC236}">
-                <a16:creationId xmlns:a16="http://schemas.microsoft.com/office/drawing/2014/main" id="{F810C1B7-6E4E-3DEE-50C0-1CA3B14303EE}"/>
+                <a16:creationId xmlns:a16="http://schemas.microsoft.com/office/drawing/2014/main" id="{545D3755-C3E2-975E-DE68-CDECC4B526EC}"/>
               </a:ext>
             </a:extLst>
           </p:cNvPr>
@@ -11746,13 +14179,13 @@
             <a:spLocks noGrp="1"/>
           </p:cNvSpPr>
           <p:nvPr>
-            <p:ph type="ctrTitle"/>
+            <p:ph type="title"/>
           </p:nvPr>
         </p:nvSpPr>
         <p:spPr>
           <a:xfrm>
-            <a:off x="594360" y="411479"/>
-            <a:ext cx="5486400" cy="3291840"/>
+            <a:off x="594360" y="102875"/>
+            <a:ext cx="10873740" cy="1680205"/>
           </a:xfrm>
         </p:spPr>
         <p:txBody>
@@ -11766,15 +14199,2803 @@
             <a:pPr rtl="0"/>
             <a:r>
               <a:rPr lang="es-ES" dirty="0"/>
-              <a:t>Gracias</a:t>
-            </a:r>
+              <a:t>Arquitectura Server </a:t>
+            </a:r>
+            <a:r>
+              <a:rPr lang="es-ES" dirty="0" err="1"/>
+              <a:t>Side</a:t>
+            </a:r>
+            <a:endParaRPr lang="es-ES" dirty="0"/>
+          </a:p>
+        </p:txBody>
+      </p:sp>
+      <p:grpSp>
+        <p:nvGrpSpPr>
+          <p:cNvPr id="19" name="Grupo 18">
+            <a:extLst>
+              <a:ext uri="{FF2B5EF4-FFF2-40B4-BE49-F238E27FC236}">
+                <a16:creationId xmlns:a16="http://schemas.microsoft.com/office/drawing/2014/main" id="{C78CEA4F-D72A-C069-6A51-328B103CA0CA}"/>
+              </a:ext>
+              <a:ext uri="{C183D7F6-B498-43B3-948B-1728B52AA6E4}">
+                <adec:decorative xmlns:adec="http://schemas.microsoft.com/office/drawing/2017/decorative" val="1"/>
+              </a:ext>
+            </a:extLst>
+          </p:cNvPr>
+          <p:cNvGrpSpPr>
+            <a:grpSpLocks/>
+          </p:cNvGrpSpPr>
+          <p:nvPr/>
+        </p:nvGrpSpPr>
+        <p:grpSpPr bwMode="auto">
+          <a:xfrm rot="16200000" flipV="1">
+            <a:off x="0" y="3900132"/>
+            <a:ext cx="2959226" cy="2959226"/>
+            <a:chOff x="0" y="12289"/>
+            <a:chExt cx="3550" cy="3551"/>
+          </a:xfrm>
+        </p:grpSpPr>
+        <p:sp>
+          <p:nvSpPr>
+            <p:cNvPr id="20" name="Forma libre 19">
+              <a:extLst>
+                <a:ext uri="{FF2B5EF4-FFF2-40B4-BE49-F238E27FC236}">
+                  <a16:creationId xmlns:a16="http://schemas.microsoft.com/office/drawing/2014/main" id="{7E473402-19FD-A5B0-5CB6-E5F3926D3828}"/>
+                </a:ext>
+              </a:extLst>
+            </p:cNvPr>
+            <p:cNvSpPr>
+              <a:spLocks/>
+            </p:cNvSpPr>
+            <p:nvPr/>
+          </p:nvSpPr>
+          <p:spPr bwMode="auto">
+            <a:xfrm>
+              <a:off x="0" y="12289"/>
+              <a:ext cx="1789" cy="2386"/>
+            </a:xfrm>
+            <a:custGeom>
+              <a:avLst/>
+              <a:gdLst>
+                <a:gd name="T0" fmla="*/ 0 w 1789"/>
+                <a:gd name="T1" fmla="+- 0 12290 12290"/>
+                <a:gd name="T2" fmla="*/ 12290 h 2386"/>
+                <a:gd name="T3" fmla="*/ 0 w 1789"/>
+                <a:gd name="T4" fmla="+- 0 13484 12290"/>
+                <a:gd name="T5" fmla="*/ 13484 h 2386"/>
+                <a:gd name="T6" fmla="*/ 1192 w 1789"/>
+                <a:gd name="T7" fmla="+- 0 14676 12290"/>
+                <a:gd name="T8" fmla="*/ 14676 h 2386"/>
+                <a:gd name="T9" fmla="*/ 1789 w 1789"/>
+                <a:gd name="T10" fmla="+- 0 14079 12290"/>
+                <a:gd name="T11" fmla="*/ 14079 h 2386"/>
+                <a:gd name="T12" fmla="*/ 0 w 1789"/>
+                <a:gd name="T13" fmla="+- 0 12290 12290"/>
+                <a:gd name="T14" fmla="*/ 12290 h 2386"/>
+              </a:gdLst>
+              <a:ahLst/>
+              <a:cxnLst>
+                <a:cxn ang="0">
+                  <a:pos x="T0" y="T2"/>
+                </a:cxn>
+                <a:cxn ang="0">
+                  <a:pos x="T3" y="T5"/>
+                </a:cxn>
+                <a:cxn ang="0">
+                  <a:pos x="T6" y="T8"/>
+                </a:cxn>
+                <a:cxn ang="0">
+                  <a:pos x="T9" y="T11"/>
+                </a:cxn>
+                <a:cxn ang="0">
+                  <a:pos x="T12" y="T14"/>
+                </a:cxn>
+              </a:cxnLst>
+              <a:rect l="0" t="0" r="r" b="b"/>
+              <a:pathLst>
+                <a:path w="1789" h="2386">
+                  <a:moveTo>
+                    <a:pt x="0" y="0"/>
+                  </a:moveTo>
+                  <a:lnTo>
+                    <a:pt x="0" y="1194"/>
+                  </a:lnTo>
+                  <a:lnTo>
+                    <a:pt x="1192" y="2386"/>
+                  </a:lnTo>
+                  <a:lnTo>
+                    <a:pt x="1789" y="1789"/>
+                  </a:lnTo>
+                  <a:lnTo>
+                    <a:pt x="0" y="0"/>
+                  </a:lnTo>
+                  <a:close/>
+                </a:path>
+              </a:pathLst>
+            </a:custGeom>
+            <a:solidFill>
+              <a:schemeClr val="accent6"/>
+            </a:solidFill>
+            <a:ln>
+              <a:noFill/>
+            </a:ln>
+            <a:extLst>
+              <a:ext uri="{91240B29-F687-4F45-9708-019B960494DF}">
+                <a14:hiddenLine xmlns:a14="http://schemas.microsoft.com/office/drawing/2010/main" w="9525">
+                  <a:solidFill>
+                    <a:srgbClr val="000000"/>
+                  </a:solidFill>
+                  <a:round/>
+                  <a:headEnd/>
+                  <a:tailEnd/>
+                </a14:hiddenLine>
+              </a:ext>
+            </a:extLst>
+          </p:spPr>
+          <p:txBody>
+            <a:bodyPr rot="0" vert="horz" wrap="square" lIns="91440" tIns="45720" rIns="91440" bIns="45720" rtlCol="0" anchor="t" anchorCtr="0" upright="1">
+              <a:noAutofit/>
+            </a:bodyPr>
+            <a:lstStyle>
+              <a:defPPr>
+                <a:defRPr lang="es-ES"/>
+              </a:defPPr>
+            </a:lstStyle>
+            <a:p>
+              <a:pPr rtl="0"/>
+              <a:endParaRPr lang="es-ES" dirty="0"/>
+            </a:p>
+          </p:txBody>
+        </p:sp>
+        <p:sp>
+          <p:nvSpPr>
+            <p:cNvPr id="21" name="Forma libre 20">
+              <a:extLst>
+                <a:ext uri="{FF2B5EF4-FFF2-40B4-BE49-F238E27FC236}">
+                  <a16:creationId xmlns:a16="http://schemas.microsoft.com/office/drawing/2014/main" id="{879D1CAD-2EA2-9376-7B64-0C3AC590F651}"/>
+                </a:ext>
+              </a:extLst>
+            </p:cNvPr>
+            <p:cNvSpPr>
+              <a:spLocks/>
+            </p:cNvSpPr>
+            <p:nvPr/>
+          </p:nvSpPr>
+          <p:spPr bwMode="auto">
+            <a:xfrm>
+              <a:off x="0" y="14678"/>
+              <a:ext cx="1162" cy="1162"/>
+            </a:xfrm>
+            <a:custGeom>
+              <a:avLst/>
+              <a:gdLst>
+                <a:gd name="T0" fmla="*/ 0 w 1162"/>
+                <a:gd name="T1" fmla="+- 0 14679 14679"/>
+                <a:gd name="T2" fmla="*/ 14679 h 1162"/>
+                <a:gd name="T3" fmla="*/ 0 w 1162"/>
+                <a:gd name="T4" fmla="+- 0 15840 14679"/>
+                <a:gd name="T5" fmla="*/ 15840 h 1162"/>
+                <a:gd name="T6" fmla="*/ 1161 w 1162"/>
+                <a:gd name="T7" fmla="+- 0 15840 14679"/>
+                <a:gd name="T8" fmla="*/ 15840 h 1162"/>
+                <a:gd name="T9" fmla="*/ 0 w 1162"/>
+                <a:gd name="T10" fmla="+- 0 14679 14679"/>
+                <a:gd name="T11" fmla="*/ 14679 h 1162"/>
+              </a:gdLst>
+              <a:ahLst/>
+              <a:cxnLst>
+                <a:cxn ang="0">
+                  <a:pos x="T0" y="T2"/>
+                </a:cxn>
+                <a:cxn ang="0">
+                  <a:pos x="T3" y="T5"/>
+                </a:cxn>
+                <a:cxn ang="0">
+                  <a:pos x="T6" y="T8"/>
+                </a:cxn>
+                <a:cxn ang="0">
+                  <a:pos x="T9" y="T11"/>
+                </a:cxn>
+              </a:cxnLst>
+              <a:rect l="0" t="0" r="r" b="b"/>
+              <a:pathLst>
+                <a:path w="1162" h="1162">
+                  <a:moveTo>
+                    <a:pt x="0" y="0"/>
+                  </a:moveTo>
+                  <a:lnTo>
+                    <a:pt x="0" y="1161"/>
+                  </a:lnTo>
+                  <a:lnTo>
+                    <a:pt x="1161" y="1161"/>
+                  </a:lnTo>
+                  <a:lnTo>
+                    <a:pt x="0" y="0"/>
+                  </a:lnTo>
+                  <a:close/>
+                </a:path>
+              </a:pathLst>
+            </a:custGeom>
+            <a:solidFill>
+              <a:schemeClr val="tx2"/>
+            </a:solidFill>
+            <a:ln>
+              <a:noFill/>
+            </a:ln>
+            <a:extLst>
+              <a:ext uri="{91240B29-F687-4F45-9708-019B960494DF}">
+                <a14:hiddenLine xmlns:a14="http://schemas.microsoft.com/office/drawing/2010/main" w="9525">
+                  <a:solidFill>
+                    <a:srgbClr val="000000"/>
+                  </a:solidFill>
+                  <a:round/>
+                  <a:headEnd/>
+                  <a:tailEnd/>
+                </a14:hiddenLine>
+              </a:ext>
+            </a:extLst>
+          </p:spPr>
+          <p:txBody>
+            <a:bodyPr rot="0" vert="horz" wrap="square" lIns="91440" tIns="45720" rIns="91440" bIns="45720" rtlCol="0" anchor="t" anchorCtr="0" upright="1">
+              <a:noAutofit/>
+            </a:bodyPr>
+            <a:lstStyle>
+              <a:defPPr>
+                <a:defRPr lang="es-ES"/>
+              </a:defPPr>
+            </a:lstStyle>
+            <a:p>
+              <a:pPr rtl="0"/>
+              <a:endParaRPr lang="es-ES" dirty="0"/>
+            </a:p>
+          </p:txBody>
+        </p:sp>
+        <p:sp>
+          <p:nvSpPr>
+            <p:cNvPr id="22" name="Forma libre 21">
+              <a:extLst>
+                <a:ext uri="{FF2B5EF4-FFF2-40B4-BE49-F238E27FC236}">
+                  <a16:creationId xmlns:a16="http://schemas.microsoft.com/office/drawing/2014/main" id="{B16F8906-918C-BE0B-A4AB-6A1D48150AC7}"/>
+                </a:ext>
+              </a:extLst>
+            </p:cNvPr>
+            <p:cNvSpPr>
+              <a:spLocks/>
+            </p:cNvSpPr>
+            <p:nvPr/>
+          </p:nvSpPr>
+          <p:spPr bwMode="auto">
+            <a:xfrm>
+              <a:off x="1221" y="14675"/>
+              <a:ext cx="2329" cy="1165"/>
+            </a:xfrm>
+            <a:custGeom>
+              <a:avLst/>
+              <a:gdLst>
+                <a:gd name="T0" fmla="+- 0 3550 1221"/>
+                <a:gd name="T1" fmla="*/ T0 w 2329"/>
+                <a:gd name="T2" fmla="+- 0 15840 14676"/>
+                <a:gd name="T3" fmla="*/ 15840 h 1165"/>
+                <a:gd name="T4" fmla="+- 0 2386 1221"/>
+                <a:gd name="T5" fmla="*/ T4 w 2329"/>
+                <a:gd name="T6" fmla="+- 0 14676 14676"/>
+                <a:gd name="T7" fmla="*/ 14676 h 1165"/>
+                <a:gd name="T8" fmla="+- 0 1221 1221"/>
+                <a:gd name="T9" fmla="*/ T8 w 2329"/>
+                <a:gd name="T10" fmla="+- 0 15840 14676"/>
+                <a:gd name="T11" fmla="*/ 15840 h 1165"/>
+                <a:gd name="T12" fmla="+- 0 3550 1221"/>
+                <a:gd name="T13" fmla="*/ T12 w 2329"/>
+                <a:gd name="T14" fmla="+- 0 15840 14676"/>
+                <a:gd name="T15" fmla="*/ 15840 h 1165"/>
+              </a:gdLst>
+              <a:ahLst/>
+              <a:cxnLst>
+                <a:cxn ang="0">
+                  <a:pos x="T1" y="T3"/>
+                </a:cxn>
+                <a:cxn ang="0">
+                  <a:pos x="T5" y="T7"/>
+                </a:cxn>
+                <a:cxn ang="0">
+                  <a:pos x="T9" y="T11"/>
+                </a:cxn>
+                <a:cxn ang="0">
+                  <a:pos x="T13" y="T15"/>
+                </a:cxn>
+              </a:cxnLst>
+              <a:rect l="0" t="0" r="r" b="b"/>
+              <a:pathLst>
+                <a:path w="2329" h="1165">
+                  <a:moveTo>
+                    <a:pt x="2329" y="1164"/>
+                  </a:moveTo>
+                  <a:lnTo>
+                    <a:pt x="1165" y="0"/>
+                  </a:lnTo>
+                  <a:lnTo>
+                    <a:pt x="0" y="1164"/>
+                  </a:lnTo>
+                  <a:lnTo>
+                    <a:pt x="2329" y="1164"/>
+                  </a:lnTo>
+                </a:path>
+              </a:pathLst>
+            </a:custGeom>
+            <a:solidFill>
+              <a:schemeClr val="accent3"/>
+            </a:solidFill>
+            <a:ln>
+              <a:noFill/>
+            </a:ln>
+            <a:extLst>
+              <a:ext uri="{91240B29-F687-4F45-9708-019B960494DF}">
+                <a14:hiddenLine xmlns:a14="http://schemas.microsoft.com/office/drawing/2010/main" w="9525">
+                  <a:solidFill>
+                    <a:srgbClr val="000000"/>
+                  </a:solidFill>
+                  <a:round/>
+                  <a:headEnd/>
+                  <a:tailEnd/>
+                </a14:hiddenLine>
+              </a:ext>
+            </a:extLst>
+          </p:spPr>
+          <p:txBody>
+            <a:bodyPr rot="0" vert="horz" wrap="square" lIns="91440" tIns="45720" rIns="91440" bIns="45720" rtlCol="0" anchor="t" anchorCtr="0" upright="1">
+              <a:noAutofit/>
+            </a:bodyPr>
+            <a:lstStyle>
+              <a:defPPr>
+                <a:defRPr lang="es-ES"/>
+              </a:defPPr>
+            </a:lstStyle>
+            <a:p>
+              <a:pPr rtl="0"/>
+              <a:endParaRPr lang="es-ES" dirty="0"/>
+            </a:p>
+          </p:txBody>
+        </p:sp>
+      </p:grpSp>
+      <p:pic>
+        <p:nvPicPr>
+          <p:cNvPr id="7" name="Marcador de contenido 6" descr="Diagrama&#10;&#10;Descripción generada automáticamente">
+            <a:extLst>
+              <a:ext uri="{FF2B5EF4-FFF2-40B4-BE49-F238E27FC236}">
+                <a16:creationId xmlns:a16="http://schemas.microsoft.com/office/drawing/2014/main" id="{F675F746-A926-CC75-DA00-E00DCE069108}"/>
+              </a:ext>
+            </a:extLst>
+          </p:cNvPr>
+          <p:cNvPicPr>
+            <a:picLocks noGrp="1" noChangeAspect="1"/>
+          </p:cNvPicPr>
+          <p:nvPr>
+            <p:ph sz="quarter" idx="13"/>
+          </p:nvPr>
+        </p:nvPicPr>
+        <p:blipFill>
+          <a:blip r:embed="rId3">
+            <a:extLst>
+              <a:ext uri="{28A0092B-C50C-407E-A947-70E740481C1C}">
+                <a14:useLocalDpi xmlns:a14="http://schemas.microsoft.com/office/drawing/2010/main" val="0"/>
+              </a:ext>
+            </a:extLst>
+          </a:blip>
+          <a:stretch>
+            <a:fillRect/>
+          </a:stretch>
+        </p:blipFill>
+        <p:spPr>
+          <a:xfrm>
+            <a:off x="4275315" y="2281238"/>
+            <a:ext cx="6575069" cy="3700462"/>
+          </a:xfrm>
+        </p:spPr>
+      </p:pic>
+    </p:spTree>
+    <p:extLst>
+      <p:ext uri="{BB962C8B-B14F-4D97-AF65-F5344CB8AC3E}">
+        <p14:creationId xmlns:p14="http://schemas.microsoft.com/office/powerpoint/2010/main" val="1216725006"/>
+      </p:ext>
+    </p:extLst>
+  </p:cSld>
+  <p:clrMapOvr>
+    <a:masterClrMapping/>
+  </p:clrMapOvr>
+</p:sld>
+</file>
+
+<file path=ppt/slides/slide7.xml><?xml version="1.0" encoding="utf-8"?>
+<p:sld xmlns:a="http://schemas.openxmlformats.org/drawingml/2006/main" xmlns:r="http://schemas.openxmlformats.org/officeDocument/2006/relationships" xmlns:p="http://schemas.openxmlformats.org/presentationml/2006/main">
+  <p:cSld>
+    <p:spTree>
+      <p:nvGrpSpPr>
+        <p:cNvPr id="1" name=""/>
+        <p:cNvGrpSpPr/>
+        <p:nvPr/>
+      </p:nvGrpSpPr>
+      <p:grpSpPr>
+        <a:xfrm>
+          <a:off x="0" y="0"/>
+          <a:ext cx="0" cy="0"/>
+          <a:chOff x="0" y="0"/>
+          <a:chExt cx="0" cy="0"/>
+        </a:xfrm>
+      </p:grpSpPr>
+      <p:sp>
+        <p:nvSpPr>
+          <p:cNvPr id="3" name="Título 2">
+            <a:extLst>
+              <a:ext uri="{FF2B5EF4-FFF2-40B4-BE49-F238E27FC236}">
+                <a16:creationId xmlns:a16="http://schemas.microsoft.com/office/drawing/2014/main" id="{545D3755-C3E2-975E-DE68-CDECC4B526EC}"/>
+              </a:ext>
+            </a:extLst>
+          </p:cNvPr>
+          <p:cNvSpPr>
+            <a:spLocks noGrp="1"/>
+          </p:cNvSpPr>
+          <p:nvPr>
+            <p:ph type="title"/>
+          </p:nvPr>
+        </p:nvSpPr>
+        <p:spPr>
+          <a:xfrm>
+            <a:off x="594360" y="102875"/>
+            <a:ext cx="10873740" cy="1680205"/>
+          </a:xfrm>
+        </p:spPr>
+        <p:txBody>
+          <a:bodyPr rtlCol="0"/>
+          <a:lstStyle>
+            <a:defPPr>
+              <a:defRPr lang="es-ES"/>
+            </a:defPPr>
+          </a:lstStyle>
+          <a:p>
+            <a:pPr rtl="0"/>
+            <a:r>
+              <a:rPr lang="es-ES" dirty="0"/>
+              <a:t>Imágenes del Proyecto</a:t>
+            </a:r>
+          </a:p>
+        </p:txBody>
+      </p:sp>
+      <p:grpSp>
+        <p:nvGrpSpPr>
+          <p:cNvPr id="19" name="Grupo 18">
+            <a:extLst>
+              <a:ext uri="{FF2B5EF4-FFF2-40B4-BE49-F238E27FC236}">
+                <a16:creationId xmlns:a16="http://schemas.microsoft.com/office/drawing/2014/main" id="{C78CEA4F-D72A-C069-6A51-328B103CA0CA}"/>
+              </a:ext>
+              <a:ext uri="{C183D7F6-B498-43B3-948B-1728B52AA6E4}">
+                <adec:decorative xmlns:adec="http://schemas.microsoft.com/office/drawing/2017/decorative" val="1"/>
+              </a:ext>
+            </a:extLst>
+          </p:cNvPr>
+          <p:cNvGrpSpPr>
+            <a:grpSpLocks/>
+          </p:cNvGrpSpPr>
+          <p:nvPr/>
+        </p:nvGrpSpPr>
+        <p:grpSpPr bwMode="auto">
+          <a:xfrm rot="16200000" flipV="1">
+            <a:off x="0" y="3900132"/>
+            <a:ext cx="2959226" cy="2959226"/>
+            <a:chOff x="0" y="12289"/>
+            <a:chExt cx="3550" cy="3551"/>
+          </a:xfrm>
+        </p:grpSpPr>
+        <p:sp>
+          <p:nvSpPr>
+            <p:cNvPr id="20" name="Forma libre 19">
+              <a:extLst>
+                <a:ext uri="{FF2B5EF4-FFF2-40B4-BE49-F238E27FC236}">
+                  <a16:creationId xmlns:a16="http://schemas.microsoft.com/office/drawing/2014/main" id="{7E473402-19FD-A5B0-5CB6-E5F3926D3828}"/>
+                </a:ext>
+              </a:extLst>
+            </p:cNvPr>
+            <p:cNvSpPr>
+              <a:spLocks/>
+            </p:cNvSpPr>
+            <p:nvPr/>
+          </p:nvSpPr>
+          <p:spPr bwMode="auto">
+            <a:xfrm>
+              <a:off x="0" y="12289"/>
+              <a:ext cx="1789" cy="2386"/>
+            </a:xfrm>
+            <a:custGeom>
+              <a:avLst/>
+              <a:gdLst>
+                <a:gd name="T0" fmla="*/ 0 w 1789"/>
+                <a:gd name="T1" fmla="+- 0 12290 12290"/>
+                <a:gd name="T2" fmla="*/ 12290 h 2386"/>
+                <a:gd name="T3" fmla="*/ 0 w 1789"/>
+                <a:gd name="T4" fmla="+- 0 13484 12290"/>
+                <a:gd name="T5" fmla="*/ 13484 h 2386"/>
+                <a:gd name="T6" fmla="*/ 1192 w 1789"/>
+                <a:gd name="T7" fmla="+- 0 14676 12290"/>
+                <a:gd name="T8" fmla="*/ 14676 h 2386"/>
+                <a:gd name="T9" fmla="*/ 1789 w 1789"/>
+                <a:gd name="T10" fmla="+- 0 14079 12290"/>
+                <a:gd name="T11" fmla="*/ 14079 h 2386"/>
+                <a:gd name="T12" fmla="*/ 0 w 1789"/>
+                <a:gd name="T13" fmla="+- 0 12290 12290"/>
+                <a:gd name="T14" fmla="*/ 12290 h 2386"/>
+              </a:gdLst>
+              <a:ahLst/>
+              <a:cxnLst>
+                <a:cxn ang="0">
+                  <a:pos x="T0" y="T2"/>
+                </a:cxn>
+                <a:cxn ang="0">
+                  <a:pos x="T3" y="T5"/>
+                </a:cxn>
+                <a:cxn ang="0">
+                  <a:pos x="T6" y="T8"/>
+                </a:cxn>
+                <a:cxn ang="0">
+                  <a:pos x="T9" y="T11"/>
+                </a:cxn>
+                <a:cxn ang="0">
+                  <a:pos x="T12" y="T14"/>
+                </a:cxn>
+              </a:cxnLst>
+              <a:rect l="0" t="0" r="r" b="b"/>
+              <a:pathLst>
+                <a:path w="1789" h="2386">
+                  <a:moveTo>
+                    <a:pt x="0" y="0"/>
+                  </a:moveTo>
+                  <a:lnTo>
+                    <a:pt x="0" y="1194"/>
+                  </a:lnTo>
+                  <a:lnTo>
+                    <a:pt x="1192" y="2386"/>
+                  </a:lnTo>
+                  <a:lnTo>
+                    <a:pt x="1789" y="1789"/>
+                  </a:lnTo>
+                  <a:lnTo>
+                    <a:pt x="0" y="0"/>
+                  </a:lnTo>
+                  <a:close/>
+                </a:path>
+              </a:pathLst>
+            </a:custGeom>
+            <a:solidFill>
+              <a:schemeClr val="accent6"/>
+            </a:solidFill>
+            <a:ln>
+              <a:noFill/>
+            </a:ln>
+            <a:extLst>
+              <a:ext uri="{91240B29-F687-4F45-9708-019B960494DF}">
+                <a14:hiddenLine xmlns:a14="http://schemas.microsoft.com/office/drawing/2010/main" w="9525">
+                  <a:solidFill>
+                    <a:srgbClr val="000000"/>
+                  </a:solidFill>
+                  <a:round/>
+                  <a:headEnd/>
+                  <a:tailEnd/>
+                </a14:hiddenLine>
+              </a:ext>
+            </a:extLst>
+          </p:spPr>
+          <p:txBody>
+            <a:bodyPr rot="0" vert="horz" wrap="square" lIns="91440" tIns="45720" rIns="91440" bIns="45720" rtlCol="0" anchor="t" anchorCtr="0" upright="1">
+              <a:noAutofit/>
+            </a:bodyPr>
+            <a:lstStyle>
+              <a:defPPr>
+                <a:defRPr lang="es-ES"/>
+              </a:defPPr>
+            </a:lstStyle>
+            <a:p>
+              <a:pPr rtl="0"/>
+              <a:endParaRPr lang="es-ES" dirty="0"/>
+            </a:p>
+          </p:txBody>
+        </p:sp>
+        <p:sp>
+          <p:nvSpPr>
+            <p:cNvPr id="21" name="Forma libre 20">
+              <a:extLst>
+                <a:ext uri="{FF2B5EF4-FFF2-40B4-BE49-F238E27FC236}">
+                  <a16:creationId xmlns:a16="http://schemas.microsoft.com/office/drawing/2014/main" id="{879D1CAD-2EA2-9376-7B64-0C3AC590F651}"/>
+                </a:ext>
+              </a:extLst>
+            </p:cNvPr>
+            <p:cNvSpPr>
+              <a:spLocks/>
+            </p:cNvSpPr>
+            <p:nvPr/>
+          </p:nvSpPr>
+          <p:spPr bwMode="auto">
+            <a:xfrm>
+              <a:off x="0" y="14678"/>
+              <a:ext cx="1162" cy="1162"/>
+            </a:xfrm>
+            <a:custGeom>
+              <a:avLst/>
+              <a:gdLst>
+                <a:gd name="T0" fmla="*/ 0 w 1162"/>
+                <a:gd name="T1" fmla="+- 0 14679 14679"/>
+                <a:gd name="T2" fmla="*/ 14679 h 1162"/>
+                <a:gd name="T3" fmla="*/ 0 w 1162"/>
+                <a:gd name="T4" fmla="+- 0 15840 14679"/>
+                <a:gd name="T5" fmla="*/ 15840 h 1162"/>
+                <a:gd name="T6" fmla="*/ 1161 w 1162"/>
+                <a:gd name="T7" fmla="+- 0 15840 14679"/>
+                <a:gd name="T8" fmla="*/ 15840 h 1162"/>
+                <a:gd name="T9" fmla="*/ 0 w 1162"/>
+                <a:gd name="T10" fmla="+- 0 14679 14679"/>
+                <a:gd name="T11" fmla="*/ 14679 h 1162"/>
+              </a:gdLst>
+              <a:ahLst/>
+              <a:cxnLst>
+                <a:cxn ang="0">
+                  <a:pos x="T0" y="T2"/>
+                </a:cxn>
+                <a:cxn ang="0">
+                  <a:pos x="T3" y="T5"/>
+                </a:cxn>
+                <a:cxn ang="0">
+                  <a:pos x="T6" y="T8"/>
+                </a:cxn>
+                <a:cxn ang="0">
+                  <a:pos x="T9" y="T11"/>
+                </a:cxn>
+              </a:cxnLst>
+              <a:rect l="0" t="0" r="r" b="b"/>
+              <a:pathLst>
+                <a:path w="1162" h="1162">
+                  <a:moveTo>
+                    <a:pt x="0" y="0"/>
+                  </a:moveTo>
+                  <a:lnTo>
+                    <a:pt x="0" y="1161"/>
+                  </a:lnTo>
+                  <a:lnTo>
+                    <a:pt x="1161" y="1161"/>
+                  </a:lnTo>
+                  <a:lnTo>
+                    <a:pt x="0" y="0"/>
+                  </a:lnTo>
+                  <a:close/>
+                </a:path>
+              </a:pathLst>
+            </a:custGeom>
+            <a:solidFill>
+              <a:schemeClr val="tx2"/>
+            </a:solidFill>
+            <a:ln>
+              <a:noFill/>
+            </a:ln>
+            <a:extLst>
+              <a:ext uri="{91240B29-F687-4F45-9708-019B960494DF}">
+                <a14:hiddenLine xmlns:a14="http://schemas.microsoft.com/office/drawing/2010/main" w="9525">
+                  <a:solidFill>
+                    <a:srgbClr val="000000"/>
+                  </a:solidFill>
+                  <a:round/>
+                  <a:headEnd/>
+                  <a:tailEnd/>
+                </a14:hiddenLine>
+              </a:ext>
+            </a:extLst>
+          </p:spPr>
+          <p:txBody>
+            <a:bodyPr rot="0" vert="horz" wrap="square" lIns="91440" tIns="45720" rIns="91440" bIns="45720" rtlCol="0" anchor="t" anchorCtr="0" upright="1">
+              <a:noAutofit/>
+            </a:bodyPr>
+            <a:lstStyle>
+              <a:defPPr>
+                <a:defRPr lang="es-ES"/>
+              </a:defPPr>
+            </a:lstStyle>
+            <a:p>
+              <a:pPr rtl="0"/>
+              <a:endParaRPr lang="es-ES" dirty="0"/>
+            </a:p>
+          </p:txBody>
+        </p:sp>
+        <p:sp>
+          <p:nvSpPr>
+            <p:cNvPr id="22" name="Forma libre 21">
+              <a:extLst>
+                <a:ext uri="{FF2B5EF4-FFF2-40B4-BE49-F238E27FC236}">
+                  <a16:creationId xmlns:a16="http://schemas.microsoft.com/office/drawing/2014/main" id="{B16F8906-918C-BE0B-A4AB-6A1D48150AC7}"/>
+                </a:ext>
+              </a:extLst>
+            </p:cNvPr>
+            <p:cNvSpPr>
+              <a:spLocks/>
+            </p:cNvSpPr>
+            <p:nvPr/>
+          </p:nvSpPr>
+          <p:spPr bwMode="auto">
+            <a:xfrm>
+              <a:off x="1221" y="14675"/>
+              <a:ext cx="2329" cy="1165"/>
+            </a:xfrm>
+            <a:custGeom>
+              <a:avLst/>
+              <a:gdLst>
+                <a:gd name="T0" fmla="+- 0 3550 1221"/>
+                <a:gd name="T1" fmla="*/ T0 w 2329"/>
+                <a:gd name="T2" fmla="+- 0 15840 14676"/>
+                <a:gd name="T3" fmla="*/ 15840 h 1165"/>
+                <a:gd name="T4" fmla="+- 0 2386 1221"/>
+                <a:gd name="T5" fmla="*/ T4 w 2329"/>
+                <a:gd name="T6" fmla="+- 0 14676 14676"/>
+                <a:gd name="T7" fmla="*/ 14676 h 1165"/>
+                <a:gd name="T8" fmla="+- 0 1221 1221"/>
+                <a:gd name="T9" fmla="*/ T8 w 2329"/>
+                <a:gd name="T10" fmla="+- 0 15840 14676"/>
+                <a:gd name="T11" fmla="*/ 15840 h 1165"/>
+                <a:gd name="T12" fmla="+- 0 3550 1221"/>
+                <a:gd name="T13" fmla="*/ T12 w 2329"/>
+                <a:gd name="T14" fmla="+- 0 15840 14676"/>
+                <a:gd name="T15" fmla="*/ 15840 h 1165"/>
+              </a:gdLst>
+              <a:ahLst/>
+              <a:cxnLst>
+                <a:cxn ang="0">
+                  <a:pos x="T1" y="T3"/>
+                </a:cxn>
+                <a:cxn ang="0">
+                  <a:pos x="T5" y="T7"/>
+                </a:cxn>
+                <a:cxn ang="0">
+                  <a:pos x="T9" y="T11"/>
+                </a:cxn>
+                <a:cxn ang="0">
+                  <a:pos x="T13" y="T15"/>
+                </a:cxn>
+              </a:cxnLst>
+              <a:rect l="0" t="0" r="r" b="b"/>
+              <a:pathLst>
+                <a:path w="2329" h="1165">
+                  <a:moveTo>
+                    <a:pt x="2329" y="1164"/>
+                  </a:moveTo>
+                  <a:lnTo>
+                    <a:pt x="1165" y="0"/>
+                  </a:lnTo>
+                  <a:lnTo>
+                    <a:pt x="0" y="1164"/>
+                  </a:lnTo>
+                  <a:lnTo>
+                    <a:pt x="2329" y="1164"/>
+                  </a:lnTo>
+                </a:path>
+              </a:pathLst>
+            </a:custGeom>
+            <a:solidFill>
+              <a:schemeClr val="accent3"/>
+            </a:solidFill>
+            <a:ln>
+              <a:noFill/>
+            </a:ln>
+            <a:extLst>
+              <a:ext uri="{91240B29-F687-4F45-9708-019B960494DF}">
+                <a14:hiddenLine xmlns:a14="http://schemas.microsoft.com/office/drawing/2010/main" w="9525">
+                  <a:solidFill>
+                    <a:srgbClr val="000000"/>
+                  </a:solidFill>
+                  <a:round/>
+                  <a:headEnd/>
+                  <a:tailEnd/>
+                </a14:hiddenLine>
+              </a:ext>
+            </a:extLst>
+          </p:spPr>
+          <p:txBody>
+            <a:bodyPr rot="0" vert="horz" wrap="square" lIns="91440" tIns="45720" rIns="91440" bIns="45720" rtlCol="0" anchor="t" anchorCtr="0" upright="1">
+              <a:noAutofit/>
+            </a:bodyPr>
+            <a:lstStyle>
+              <a:defPPr>
+                <a:defRPr lang="es-ES"/>
+              </a:defPPr>
+            </a:lstStyle>
+            <a:p>
+              <a:pPr rtl="0"/>
+              <a:endParaRPr lang="es-ES" dirty="0"/>
+            </a:p>
+          </p:txBody>
+        </p:sp>
+      </p:grpSp>
+      <p:pic>
+        <p:nvPicPr>
+          <p:cNvPr id="5" name="Marcador de contenido 4">
+            <a:extLst>
+              <a:ext uri="{FF2B5EF4-FFF2-40B4-BE49-F238E27FC236}">
+                <a16:creationId xmlns:a16="http://schemas.microsoft.com/office/drawing/2014/main" id="{2CF60E2D-867F-02E7-2779-6A47C8FD64B7}"/>
+              </a:ext>
+            </a:extLst>
+          </p:cNvPr>
+          <p:cNvPicPr>
+            <a:picLocks noGrp="1" noChangeAspect="1"/>
+          </p:cNvPicPr>
+          <p:nvPr>
+            <p:ph sz="quarter" idx="13"/>
+          </p:nvPr>
+        </p:nvPicPr>
+        <p:blipFill>
+          <a:blip r:embed="rId3"/>
+          <a:stretch>
+            <a:fillRect/>
+          </a:stretch>
+        </p:blipFill>
+        <p:spPr>
+          <a:xfrm>
+            <a:off x="3757766" y="2505172"/>
+            <a:ext cx="7591506" cy="3700462"/>
+          </a:xfrm>
+        </p:spPr>
+      </p:pic>
+    </p:spTree>
+    <p:extLst>
+      <p:ext uri="{BB962C8B-B14F-4D97-AF65-F5344CB8AC3E}">
+        <p14:creationId xmlns:p14="http://schemas.microsoft.com/office/powerpoint/2010/main" val="1119785442"/>
+      </p:ext>
+    </p:extLst>
+  </p:cSld>
+  <p:clrMapOvr>
+    <a:masterClrMapping/>
+  </p:clrMapOvr>
+</p:sld>
+</file>
+
+<file path=ppt/slides/slide8.xml><?xml version="1.0" encoding="utf-8"?>
+<p:sld xmlns:a="http://schemas.openxmlformats.org/drawingml/2006/main" xmlns:r="http://schemas.openxmlformats.org/officeDocument/2006/relationships" xmlns:p="http://schemas.openxmlformats.org/presentationml/2006/main">
+  <p:cSld>
+    <p:spTree>
+      <p:nvGrpSpPr>
+        <p:cNvPr id="1" name=""/>
+        <p:cNvGrpSpPr/>
+        <p:nvPr/>
+      </p:nvGrpSpPr>
+      <p:grpSpPr>
+        <a:xfrm>
+          <a:off x="0" y="0"/>
+          <a:ext cx="0" cy="0"/>
+          <a:chOff x="0" y="0"/>
+          <a:chExt cx="0" cy="0"/>
+        </a:xfrm>
+      </p:grpSpPr>
+      <p:sp>
+        <p:nvSpPr>
+          <p:cNvPr id="3" name="Título 2">
+            <a:extLst>
+              <a:ext uri="{FF2B5EF4-FFF2-40B4-BE49-F238E27FC236}">
+                <a16:creationId xmlns:a16="http://schemas.microsoft.com/office/drawing/2014/main" id="{545D3755-C3E2-975E-DE68-CDECC4B526EC}"/>
+              </a:ext>
+            </a:extLst>
+          </p:cNvPr>
+          <p:cNvSpPr>
+            <a:spLocks noGrp="1"/>
+          </p:cNvSpPr>
+          <p:nvPr>
+            <p:ph type="title"/>
+          </p:nvPr>
+        </p:nvSpPr>
+        <p:spPr>
+          <a:xfrm>
+            <a:off x="594360" y="102875"/>
+            <a:ext cx="10873740" cy="1680205"/>
+          </a:xfrm>
+        </p:spPr>
+        <p:txBody>
+          <a:bodyPr rtlCol="0"/>
+          <a:lstStyle>
+            <a:defPPr>
+              <a:defRPr lang="es-ES"/>
+            </a:defPPr>
+          </a:lstStyle>
+          <a:p>
+            <a:pPr rtl="0"/>
+            <a:r>
+              <a:rPr lang="es-ES" dirty="0"/>
+              <a:t>Script Python</a:t>
+            </a:r>
+          </a:p>
+        </p:txBody>
+      </p:sp>
+      <p:grpSp>
+        <p:nvGrpSpPr>
+          <p:cNvPr id="19" name="Grupo 18">
+            <a:extLst>
+              <a:ext uri="{FF2B5EF4-FFF2-40B4-BE49-F238E27FC236}">
+                <a16:creationId xmlns:a16="http://schemas.microsoft.com/office/drawing/2014/main" id="{C78CEA4F-D72A-C069-6A51-328B103CA0CA}"/>
+              </a:ext>
+              <a:ext uri="{C183D7F6-B498-43B3-948B-1728B52AA6E4}">
+                <adec:decorative xmlns:adec="http://schemas.microsoft.com/office/drawing/2017/decorative" val="1"/>
+              </a:ext>
+            </a:extLst>
+          </p:cNvPr>
+          <p:cNvGrpSpPr>
+            <a:grpSpLocks/>
+          </p:cNvGrpSpPr>
+          <p:nvPr/>
+        </p:nvGrpSpPr>
+        <p:grpSpPr bwMode="auto">
+          <a:xfrm rot="16200000" flipV="1">
+            <a:off x="0" y="3900132"/>
+            <a:ext cx="2959226" cy="2959226"/>
+            <a:chOff x="0" y="12289"/>
+            <a:chExt cx="3550" cy="3551"/>
+          </a:xfrm>
+        </p:grpSpPr>
+        <p:sp>
+          <p:nvSpPr>
+            <p:cNvPr id="20" name="Forma libre 19">
+              <a:extLst>
+                <a:ext uri="{FF2B5EF4-FFF2-40B4-BE49-F238E27FC236}">
+                  <a16:creationId xmlns:a16="http://schemas.microsoft.com/office/drawing/2014/main" id="{7E473402-19FD-A5B0-5CB6-E5F3926D3828}"/>
+                </a:ext>
+              </a:extLst>
+            </p:cNvPr>
+            <p:cNvSpPr>
+              <a:spLocks/>
+            </p:cNvSpPr>
+            <p:nvPr/>
+          </p:nvSpPr>
+          <p:spPr bwMode="auto">
+            <a:xfrm>
+              <a:off x="0" y="12289"/>
+              <a:ext cx="1789" cy="2386"/>
+            </a:xfrm>
+            <a:custGeom>
+              <a:avLst/>
+              <a:gdLst>
+                <a:gd name="T0" fmla="*/ 0 w 1789"/>
+                <a:gd name="T1" fmla="+- 0 12290 12290"/>
+                <a:gd name="T2" fmla="*/ 12290 h 2386"/>
+                <a:gd name="T3" fmla="*/ 0 w 1789"/>
+                <a:gd name="T4" fmla="+- 0 13484 12290"/>
+                <a:gd name="T5" fmla="*/ 13484 h 2386"/>
+                <a:gd name="T6" fmla="*/ 1192 w 1789"/>
+                <a:gd name="T7" fmla="+- 0 14676 12290"/>
+                <a:gd name="T8" fmla="*/ 14676 h 2386"/>
+                <a:gd name="T9" fmla="*/ 1789 w 1789"/>
+                <a:gd name="T10" fmla="+- 0 14079 12290"/>
+                <a:gd name="T11" fmla="*/ 14079 h 2386"/>
+                <a:gd name="T12" fmla="*/ 0 w 1789"/>
+                <a:gd name="T13" fmla="+- 0 12290 12290"/>
+                <a:gd name="T14" fmla="*/ 12290 h 2386"/>
+              </a:gdLst>
+              <a:ahLst/>
+              <a:cxnLst>
+                <a:cxn ang="0">
+                  <a:pos x="T0" y="T2"/>
+                </a:cxn>
+                <a:cxn ang="0">
+                  <a:pos x="T3" y="T5"/>
+                </a:cxn>
+                <a:cxn ang="0">
+                  <a:pos x="T6" y="T8"/>
+                </a:cxn>
+                <a:cxn ang="0">
+                  <a:pos x="T9" y="T11"/>
+                </a:cxn>
+                <a:cxn ang="0">
+                  <a:pos x="T12" y="T14"/>
+                </a:cxn>
+              </a:cxnLst>
+              <a:rect l="0" t="0" r="r" b="b"/>
+              <a:pathLst>
+                <a:path w="1789" h="2386">
+                  <a:moveTo>
+                    <a:pt x="0" y="0"/>
+                  </a:moveTo>
+                  <a:lnTo>
+                    <a:pt x="0" y="1194"/>
+                  </a:lnTo>
+                  <a:lnTo>
+                    <a:pt x="1192" y="2386"/>
+                  </a:lnTo>
+                  <a:lnTo>
+                    <a:pt x="1789" y="1789"/>
+                  </a:lnTo>
+                  <a:lnTo>
+                    <a:pt x="0" y="0"/>
+                  </a:lnTo>
+                  <a:close/>
+                </a:path>
+              </a:pathLst>
+            </a:custGeom>
+            <a:solidFill>
+              <a:schemeClr val="accent6"/>
+            </a:solidFill>
+            <a:ln>
+              <a:noFill/>
+            </a:ln>
+            <a:extLst>
+              <a:ext uri="{91240B29-F687-4F45-9708-019B960494DF}">
+                <a14:hiddenLine xmlns:a14="http://schemas.microsoft.com/office/drawing/2010/main" w="9525">
+                  <a:solidFill>
+                    <a:srgbClr val="000000"/>
+                  </a:solidFill>
+                  <a:round/>
+                  <a:headEnd/>
+                  <a:tailEnd/>
+                </a14:hiddenLine>
+              </a:ext>
+            </a:extLst>
+          </p:spPr>
+          <p:txBody>
+            <a:bodyPr rot="0" vert="horz" wrap="square" lIns="91440" tIns="45720" rIns="91440" bIns="45720" rtlCol="0" anchor="t" anchorCtr="0" upright="1">
+              <a:noAutofit/>
+            </a:bodyPr>
+            <a:lstStyle>
+              <a:defPPr>
+                <a:defRPr lang="es-ES"/>
+              </a:defPPr>
+            </a:lstStyle>
+            <a:p>
+              <a:pPr rtl="0"/>
+              <a:endParaRPr lang="es-ES" dirty="0"/>
+            </a:p>
+          </p:txBody>
+        </p:sp>
+        <p:sp>
+          <p:nvSpPr>
+            <p:cNvPr id="21" name="Forma libre 20">
+              <a:extLst>
+                <a:ext uri="{FF2B5EF4-FFF2-40B4-BE49-F238E27FC236}">
+                  <a16:creationId xmlns:a16="http://schemas.microsoft.com/office/drawing/2014/main" id="{879D1CAD-2EA2-9376-7B64-0C3AC590F651}"/>
+                </a:ext>
+              </a:extLst>
+            </p:cNvPr>
+            <p:cNvSpPr>
+              <a:spLocks/>
+            </p:cNvSpPr>
+            <p:nvPr/>
+          </p:nvSpPr>
+          <p:spPr bwMode="auto">
+            <a:xfrm>
+              <a:off x="0" y="14678"/>
+              <a:ext cx="1162" cy="1162"/>
+            </a:xfrm>
+            <a:custGeom>
+              <a:avLst/>
+              <a:gdLst>
+                <a:gd name="T0" fmla="*/ 0 w 1162"/>
+                <a:gd name="T1" fmla="+- 0 14679 14679"/>
+                <a:gd name="T2" fmla="*/ 14679 h 1162"/>
+                <a:gd name="T3" fmla="*/ 0 w 1162"/>
+                <a:gd name="T4" fmla="+- 0 15840 14679"/>
+                <a:gd name="T5" fmla="*/ 15840 h 1162"/>
+                <a:gd name="T6" fmla="*/ 1161 w 1162"/>
+                <a:gd name="T7" fmla="+- 0 15840 14679"/>
+                <a:gd name="T8" fmla="*/ 15840 h 1162"/>
+                <a:gd name="T9" fmla="*/ 0 w 1162"/>
+                <a:gd name="T10" fmla="+- 0 14679 14679"/>
+                <a:gd name="T11" fmla="*/ 14679 h 1162"/>
+              </a:gdLst>
+              <a:ahLst/>
+              <a:cxnLst>
+                <a:cxn ang="0">
+                  <a:pos x="T0" y="T2"/>
+                </a:cxn>
+                <a:cxn ang="0">
+                  <a:pos x="T3" y="T5"/>
+                </a:cxn>
+                <a:cxn ang="0">
+                  <a:pos x="T6" y="T8"/>
+                </a:cxn>
+                <a:cxn ang="0">
+                  <a:pos x="T9" y="T11"/>
+                </a:cxn>
+              </a:cxnLst>
+              <a:rect l="0" t="0" r="r" b="b"/>
+              <a:pathLst>
+                <a:path w="1162" h="1162">
+                  <a:moveTo>
+                    <a:pt x="0" y="0"/>
+                  </a:moveTo>
+                  <a:lnTo>
+                    <a:pt x="0" y="1161"/>
+                  </a:lnTo>
+                  <a:lnTo>
+                    <a:pt x="1161" y="1161"/>
+                  </a:lnTo>
+                  <a:lnTo>
+                    <a:pt x="0" y="0"/>
+                  </a:lnTo>
+                  <a:close/>
+                </a:path>
+              </a:pathLst>
+            </a:custGeom>
+            <a:solidFill>
+              <a:schemeClr val="tx2"/>
+            </a:solidFill>
+            <a:ln>
+              <a:noFill/>
+            </a:ln>
+            <a:extLst>
+              <a:ext uri="{91240B29-F687-4F45-9708-019B960494DF}">
+                <a14:hiddenLine xmlns:a14="http://schemas.microsoft.com/office/drawing/2010/main" w="9525">
+                  <a:solidFill>
+                    <a:srgbClr val="000000"/>
+                  </a:solidFill>
+                  <a:round/>
+                  <a:headEnd/>
+                  <a:tailEnd/>
+                </a14:hiddenLine>
+              </a:ext>
+            </a:extLst>
+          </p:spPr>
+          <p:txBody>
+            <a:bodyPr rot="0" vert="horz" wrap="square" lIns="91440" tIns="45720" rIns="91440" bIns="45720" rtlCol="0" anchor="t" anchorCtr="0" upright="1">
+              <a:noAutofit/>
+            </a:bodyPr>
+            <a:lstStyle>
+              <a:defPPr>
+                <a:defRPr lang="es-ES"/>
+              </a:defPPr>
+            </a:lstStyle>
+            <a:p>
+              <a:pPr rtl="0"/>
+              <a:endParaRPr lang="es-ES" dirty="0"/>
+            </a:p>
+          </p:txBody>
+        </p:sp>
+        <p:sp>
+          <p:nvSpPr>
+            <p:cNvPr id="22" name="Forma libre 21">
+              <a:extLst>
+                <a:ext uri="{FF2B5EF4-FFF2-40B4-BE49-F238E27FC236}">
+                  <a16:creationId xmlns:a16="http://schemas.microsoft.com/office/drawing/2014/main" id="{B16F8906-918C-BE0B-A4AB-6A1D48150AC7}"/>
+                </a:ext>
+              </a:extLst>
+            </p:cNvPr>
+            <p:cNvSpPr>
+              <a:spLocks/>
+            </p:cNvSpPr>
+            <p:nvPr/>
+          </p:nvSpPr>
+          <p:spPr bwMode="auto">
+            <a:xfrm>
+              <a:off x="1221" y="14675"/>
+              <a:ext cx="2329" cy="1165"/>
+            </a:xfrm>
+            <a:custGeom>
+              <a:avLst/>
+              <a:gdLst>
+                <a:gd name="T0" fmla="+- 0 3550 1221"/>
+                <a:gd name="T1" fmla="*/ T0 w 2329"/>
+                <a:gd name="T2" fmla="+- 0 15840 14676"/>
+                <a:gd name="T3" fmla="*/ 15840 h 1165"/>
+                <a:gd name="T4" fmla="+- 0 2386 1221"/>
+                <a:gd name="T5" fmla="*/ T4 w 2329"/>
+                <a:gd name="T6" fmla="+- 0 14676 14676"/>
+                <a:gd name="T7" fmla="*/ 14676 h 1165"/>
+                <a:gd name="T8" fmla="+- 0 1221 1221"/>
+                <a:gd name="T9" fmla="*/ T8 w 2329"/>
+                <a:gd name="T10" fmla="+- 0 15840 14676"/>
+                <a:gd name="T11" fmla="*/ 15840 h 1165"/>
+                <a:gd name="T12" fmla="+- 0 3550 1221"/>
+                <a:gd name="T13" fmla="*/ T12 w 2329"/>
+                <a:gd name="T14" fmla="+- 0 15840 14676"/>
+                <a:gd name="T15" fmla="*/ 15840 h 1165"/>
+              </a:gdLst>
+              <a:ahLst/>
+              <a:cxnLst>
+                <a:cxn ang="0">
+                  <a:pos x="T1" y="T3"/>
+                </a:cxn>
+                <a:cxn ang="0">
+                  <a:pos x="T5" y="T7"/>
+                </a:cxn>
+                <a:cxn ang="0">
+                  <a:pos x="T9" y="T11"/>
+                </a:cxn>
+                <a:cxn ang="0">
+                  <a:pos x="T13" y="T15"/>
+                </a:cxn>
+              </a:cxnLst>
+              <a:rect l="0" t="0" r="r" b="b"/>
+              <a:pathLst>
+                <a:path w="2329" h="1165">
+                  <a:moveTo>
+                    <a:pt x="2329" y="1164"/>
+                  </a:moveTo>
+                  <a:lnTo>
+                    <a:pt x="1165" y="0"/>
+                  </a:lnTo>
+                  <a:lnTo>
+                    <a:pt x="0" y="1164"/>
+                  </a:lnTo>
+                  <a:lnTo>
+                    <a:pt x="2329" y="1164"/>
+                  </a:lnTo>
+                </a:path>
+              </a:pathLst>
+            </a:custGeom>
+            <a:solidFill>
+              <a:schemeClr val="accent3"/>
+            </a:solidFill>
+            <a:ln>
+              <a:noFill/>
+            </a:ln>
+            <a:extLst>
+              <a:ext uri="{91240B29-F687-4F45-9708-019B960494DF}">
+                <a14:hiddenLine xmlns:a14="http://schemas.microsoft.com/office/drawing/2010/main" w="9525">
+                  <a:solidFill>
+                    <a:srgbClr val="000000"/>
+                  </a:solidFill>
+                  <a:round/>
+                  <a:headEnd/>
+                  <a:tailEnd/>
+                </a14:hiddenLine>
+              </a:ext>
+            </a:extLst>
+          </p:spPr>
+          <p:txBody>
+            <a:bodyPr rot="0" vert="horz" wrap="square" lIns="91440" tIns="45720" rIns="91440" bIns="45720" rtlCol="0" anchor="t" anchorCtr="0" upright="1">
+              <a:noAutofit/>
+            </a:bodyPr>
+            <a:lstStyle>
+              <a:defPPr>
+                <a:defRPr lang="es-ES"/>
+              </a:defPPr>
+            </a:lstStyle>
+            <a:p>
+              <a:pPr rtl="0"/>
+              <a:endParaRPr lang="es-ES" dirty="0"/>
+            </a:p>
+          </p:txBody>
+        </p:sp>
+      </p:grpSp>
+      <p:pic>
+        <p:nvPicPr>
+          <p:cNvPr id="7" name="Marcador de contenido 6">
+            <a:extLst>
+              <a:ext uri="{FF2B5EF4-FFF2-40B4-BE49-F238E27FC236}">
+                <a16:creationId xmlns:a16="http://schemas.microsoft.com/office/drawing/2014/main" id="{08ED054D-EE20-88B3-6510-A84C59F23F0C}"/>
+              </a:ext>
+            </a:extLst>
+          </p:cNvPr>
+          <p:cNvPicPr>
+            <a:picLocks noGrp="1" noChangeAspect="1"/>
+          </p:cNvPicPr>
+          <p:nvPr>
+            <p:ph sz="quarter" idx="13"/>
+          </p:nvPr>
+        </p:nvPicPr>
+        <p:blipFill>
+          <a:blip r:embed="rId3"/>
+          <a:stretch>
+            <a:fillRect/>
+          </a:stretch>
+        </p:blipFill>
+        <p:spPr>
+          <a:xfrm>
+            <a:off x="5655869" y="102875"/>
+            <a:ext cx="4053212" cy="6652250"/>
+          </a:xfrm>
+        </p:spPr>
+      </p:pic>
+    </p:spTree>
+    <p:extLst>
+      <p:ext uri="{BB962C8B-B14F-4D97-AF65-F5344CB8AC3E}">
+        <p14:creationId xmlns:p14="http://schemas.microsoft.com/office/powerpoint/2010/main" val="3126366621"/>
+      </p:ext>
+    </p:extLst>
+  </p:cSld>
+  <p:clrMapOvr>
+    <a:masterClrMapping/>
+  </p:clrMapOvr>
+</p:sld>
+</file>
+
+<file path=ppt/slides/slide9.xml><?xml version="1.0" encoding="utf-8"?>
+<p:sld xmlns:a="http://schemas.openxmlformats.org/drawingml/2006/main" xmlns:r="http://schemas.openxmlformats.org/officeDocument/2006/relationships" xmlns:p="http://schemas.openxmlformats.org/presentationml/2006/main">
+  <p:cSld>
+    <p:spTree>
+      <p:nvGrpSpPr>
+        <p:cNvPr id="1" name=""/>
+        <p:cNvGrpSpPr/>
+        <p:nvPr/>
+      </p:nvGrpSpPr>
+      <p:grpSpPr>
+        <a:xfrm>
+          <a:off x="0" y="0"/>
+          <a:ext cx="0" cy="0"/>
+          <a:chOff x="0" y="0"/>
+          <a:chExt cx="0" cy="0"/>
+        </a:xfrm>
+      </p:grpSpPr>
+      <p:sp>
+        <p:nvSpPr>
+          <p:cNvPr id="3" name="Título 2">
+            <a:extLst>
+              <a:ext uri="{FF2B5EF4-FFF2-40B4-BE49-F238E27FC236}">
+                <a16:creationId xmlns:a16="http://schemas.microsoft.com/office/drawing/2014/main" id="{545D3755-C3E2-975E-DE68-CDECC4B526EC}"/>
+              </a:ext>
+            </a:extLst>
+          </p:cNvPr>
+          <p:cNvSpPr>
+            <a:spLocks noGrp="1"/>
+          </p:cNvSpPr>
+          <p:nvPr>
+            <p:ph type="title"/>
+          </p:nvPr>
+        </p:nvSpPr>
+        <p:spPr>
+          <a:xfrm>
+            <a:off x="594360" y="102875"/>
+            <a:ext cx="10873740" cy="1680205"/>
+          </a:xfrm>
+        </p:spPr>
+        <p:txBody>
+          <a:bodyPr rtlCol="0"/>
+          <a:lstStyle>
+            <a:defPPr>
+              <a:defRPr lang="es-ES"/>
+            </a:defPPr>
+          </a:lstStyle>
+          <a:p>
+            <a:pPr rtl="0"/>
+            <a:r>
+              <a:rPr lang="es-ES" dirty="0"/>
+              <a:t>Script Python (texto)</a:t>
+            </a:r>
+          </a:p>
+        </p:txBody>
+      </p:sp>
+      <p:grpSp>
+        <p:nvGrpSpPr>
+          <p:cNvPr id="19" name="Grupo 18">
+            <a:extLst>
+              <a:ext uri="{FF2B5EF4-FFF2-40B4-BE49-F238E27FC236}">
+                <a16:creationId xmlns:a16="http://schemas.microsoft.com/office/drawing/2014/main" id="{C78CEA4F-D72A-C069-6A51-328B103CA0CA}"/>
+              </a:ext>
+              <a:ext uri="{C183D7F6-B498-43B3-948B-1728B52AA6E4}">
+                <adec:decorative xmlns:adec="http://schemas.microsoft.com/office/drawing/2017/decorative" val="1"/>
+              </a:ext>
+            </a:extLst>
+          </p:cNvPr>
+          <p:cNvGrpSpPr>
+            <a:grpSpLocks/>
+          </p:cNvGrpSpPr>
+          <p:nvPr/>
+        </p:nvGrpSpPr>
+        <p:grpSpPr bwMode="auto">
+          <a:xfrm rot="16200000" flipV="1">
+            <a:off x="0" y="3900132"/>
+            <a:ext cx="2959226" cy="2959226"/>
+            <a:chOff x="0" y="12289"/>
+            <a:chExt cx="3550" cy="3551"/>
+          </a:xfrm>
+        </p:grpSpPr>
+        <p:sp>
+          <p:nvSpPr>
+            <p:cNvPr id="20" name="Forma libre 19">
+              <a:extLst>
+                <a:ext uri="{FF2B5EF4-FFF2-40B4-BE49-F238E27FC236}">
+                  <a16:creationId xmlns:a16="http://schemas.microsoft.com/office/drawing/2014/main" id="{7E473402-19FD-A5B0-5CB6-E5F3926D3828}"/>
+                </a:ext>
+              </a:extLst>
+            </p:cNvPr>
+            <p:cNvSpPr>
+              <a:spLocks/>
+            </p:cNvSpPr>
+            <p:nvPr/>
+          </p:nvSpPr>
+          <p:spPr bwMode="auto">
+            <a:xfrm>
+              <a:off x="0" y="12289"/>
+              <a:ext cx="1789" cy="2386"/>
+            </a:xfrm>
+            <a:custGeom>
+              <a:avLst/>
+              <a:gdLst>
+                <a:gd name="T0" fmla="*/ 0 w 1789"/>
+                <a:gd name="T1" fmla="+- 0 12290 12290"/>
+                <a:gd name="T2" fmla="*/ 12290 h 2386"/>
+                <a:gd name="T3" fmla="*/ 0 w 1789"/>
+                <a:gd name="T4" fmla="+- 0 13484 12290"/>
+                <a:gd name="T5" fmla="*/ 13484 h 2386"/>
+                <a:gd name="T6" fmla="*/ 1192 w 1789"/>
+                <a:gd name="T7" fmla="+- 0 14676 12290"/>
+                <a:gd name="T8" fmla="*/ 14676 h 2386"/>
+                <a:gd name="T9" fmla="*/ 1789 w 1789"/>
+                <a:gd name="T10" fmla="+- 0 14079 12290"/>
+                <a:gd name="T11" fmla="*/ 14079 h 2386"/>
+                <a:gd name="T12" fmla="*/ 0 w 1789"/>
+                <a:gd name="T13" fmla="+- 0 12290 12290"/>
+                <a:gd name="T14" fmla="*/ 12290 h 2386"/>
+              </a:gdLst>
+              <a:ahLst/>
+              <a:cxnLst>
+                <a:cxn ang="0">
+                  <a:pos x="T0" y="T2"/>
+                </a:cxn>
+                <a:cxn ang="0">
+                  <a:pos x="T3" y="T5"/>
+                </a:cxn>
+                <a:cxn ang="0">
+                  <a:pos x="T6" y="T8"/>
+                </a:cxn>
+                <a:cxn ang="0">
+                  <a:pos x="T9" y="T11"/>
+                </a:cxn>
+                <a:cxn ang="0">
+                  <a:pos x="T12" y="T14"/>
+                </a:cxn>
+              </a:cxnLst>
+              <a:rect l="0" t="0" r="r" b="b"/>
+              <a:pathLst>
+                <a:path w="1789" h="2386">
+                  <a:moveTo>
+                    <a:pt x="0" y="0"/>
+                  </a:moveTo>
+                  <a:lnTo>
+                    <a:pt x="0" y="1194"/>
+                  </a:lnTo>
+                  <a:lnTo>
+                    <a:pt x="1192" y="2386"/>
+                  </a:lnTo>
+                  <a:lnTo>
+                    <a:pt x="1789" y="1789"/>
+                  </a:lnTo>
+                  <a:lnTo>
+                    <a:pt x="0" y="0"/>
+                  </a:lnTo>
+                  <a:close/>
+                </a:path>
+              </a:pathLst>
+            </a:custGeom>
+            <a:solidFill>
+              <a:schemeClr val="accent6"/>
+            </a:solidFill>
+            <a:ln>
+              <a:noFill/>
+            </a:ln>
+            <a:extLst>
+              <a:ext uri="{91240B29-F687-4F45-9708-019B960494DF}">
+                <a14:hiddenLine xmlns:a14="http://schemas.microsoft.com/office/drawing/2010/main" w="9525">
+                  <a:solidFill>
+                    <a:srgbClr val="000000"/>
+                  </a:solidFill>
+                  <a:round/>
+                  <a:headEnd/>
+                  <a:tailEnd/>
+                </a14:hiddenLine>
+              </a:ext>
+            </a:extLst>
+          </p:spPr>
+          <p:txBody>
+            <a:bodyPr rot="0" vert="horz" wrap="square" lIns="91440" tIns="45720" rIns="91440" bIns="45720" rtlCol="0" anchor="t" anchorCtr="0" upright="1">
+              <a:noAutofit/>
+            </a:bodyPr>
+            <a:lstStyle>
+              <a:defPPr>
+                <a:defRPr lang="es-ES"/>
+              </a:defPPr>
+            </a:lstStyle>
+            <a:p>
+              <a:pPr rtl="0"/>
+              <a:endParaRPr lang="es-ES" dirty="0"/>
+            </a:p>
+          </p:txBody>
+        </p:sp>
+        <p:sp>
+          <p:nvSpPr>
+            <p:cNvPr id="21" name="Forma libre 20">
+              <a:extLst>
+                <a:ext uri="{FF2B5EF4-FFF2-40B4-BE49-F238E27FC236}">
+                  <a16:creationId xmlns:a16="http://schemas.microsoft.com/office/drawing/2014/main" id="{879D1CAD-2EA2-9376-7B64-0C3AC590F651}"/>
+                </a:ext>
+              </a:extLst>
+            </p:cNvPr>
+            <p:cNvSpPr>
+              <a:spLocks/>
+            </p:cNvSpPr>
+            <p:nvPr/>
+          </p:nvSpPr>
+          <p:spPr bwMode="auto">
+            <a:xfrm>
+              <a:off x="0" y="14678"/>
+              <a:ext cx="1162" cy="1162"/>
+            </a:xfrm>
+            <a:custGeom>
+              <a:avLst/>
+              <a:gdLst>
+                <a:gd name="T0" fmla="*/ 0 w 1162"/>
+                <a:gd name="T1" fmla="+- 0 14679 14679"/>
+                <a:gd name="T2" fmla="*/ 14679 h 1162"/>
+                <a:gd name="T3" fmla="*/ 0 w 1162"/>
+                <a:gd name="T4" fmla="+- 0 15840 14679"/>
+                <a:gd name="T5" fmla="*/ 15840 h 1162"/>
+                <a:gd name="T6" fmla="*/ 1161 w 1162"/>
+                <a:gd name="T7" fmla="+- 0 15840 14679"/>
+                <a:gd name="T8" fmla="*/ 15840 h 1162"/>
+                <a:gd name="T9" fmla="*/ 0 w 1162"/>
+                <a:gd name="T10" fmla="+- 0 14679 14679"/>
+                <a:gd name="T11" fmla="*/ 14679 h 1162"/>
+              </a:gdLst>
+              <a:ahLst/>
+              <a:cxnLst>
+                <a:cxn ang="0">
+                  <a:pos x="T0" y="T2"/>
+                </a:cxn>
+                <a:cxn ang="0">
+                  <a:pos x="T3" y="T5"/>
+                </a:cxn>
+                <a:cxn ang="0">
+                  <a:pos x="T6" y="T8"/>
+                </a:cxn>
+                <a:cxn ang="0">
+                  <a:pos x="T9" y="T11"/>
+                </a:cxn>
+              </a:cxnLst>
+              <a:rect l="0" t="0" r="r" b="b"/>
+              <a:pathLst>
+                <a:path w="1162" h="1162">
+                  <a:moveTo>
+                    <a:pt x="0" y="0"/>
+                  </a:moveTo>
+                  <a:lnTo>
+                    <a:pt x="0" y="1161"/>
+                  </a:lnTo>
+                  <a:lnTo>
+                    <a:pt x="1161" y="1161"/>
+                  </a:lnTo>
+                  <a:lnTo>
+                    <a:pt x="0" y="0"/>
+                  </a:lnTo>
+                  <a:close/>
+                </a:path>
+              </a:pathLst>
+            </a:custGeom>
+            <a:solidFill>
+              <a:schemeClr val="tx2"/>
+            </a:solidFill>
+            <a:ln>
+              <a:noFill/>
+            </a:ln>
+            <a:extLst>
+              <a:ext uri="{91240B29-F687-4F45-9708-019B960494DF}">
+                <a14:hiddenLine xmlns:a14="http://schemas.microsoft.com/office/drawing/2010/main" w="9525">
+                  <a:solidFill>
+                    <a:srgbClr val="000000"/>
+                  </a:solidFill>
+                  <a:round/>
+                  <a:headEnd/>
+                  <a:tailEnd/>
+                </a14:hiddenLine>
+              </a:ext>
+            </a:extLst>
+          </p:spPr>
+          <p:txBody>
+            <a:bodyPr rot="0" vert="horz" wrap="square" lIns="91440" tIns="45720" rIns="91440" bIns="45720" rtlCol="0" anchor="t" anchorCtr="0" upright="1">
+              <a:noAutofit/>
+            </a:bodyPr>
+            <a:lstStyle>
+              <a:defPPr>
+                <a:defRPr lang="es-ES"/>
+              </a:defPPr>
+            </a:lstStyle>
+            <a:p>
+              <a:pPr rtl="0"/>
+              <a:endParaRPr lang="es-ES" dirty="0"/>
+            </a:p>
+          </p:txBody>
+        </p:sp>
+        <p:sp>
+          <p:nvSpPr>
+            <p:cNvPr id="22" name="Forma libre 21">
+              <a:extLst>
+                <a:ext uri="{FF2B5EF4-FFF2-40B4-BE49-F238E27FC236}">
+                  <a16:creationId xmlns:a16="http://schemas.microsoft.com/office/drawing/2014/main" id="{B16F8906-918C-BE0B-A4AB-6A1D48150AC7}"/>
+                </a:ext>
+              </a:extLst>
+            </p:cNvPr>
+            <p:cNvSpPr>
+              <a:spLocks/>
+            </p:cNvSpPr>
+            <p:nvPr/>
+          </p:nvSpPr>
+          <p:spPr bwMode="auto">
+            <a:xfrm>
+              <a:off x="1221" y="14675"/>
+              <a:ext cx="2329" cy="1165"/>
+            </a:xfrm>
+            <a:custGeom>
+              <a:avLst/>
+              <a:gdLst>
+                <a:gd name="T0" fmla="+- 0 3550 1221"/>
+                <a:gd name="T1" fmla="*/ T0 w 2329"/>
+                <a:gd name="T2" fmla="+- 0 15840 14676"/>
+                <a:gd name="T3" fmla="*/ 15840 h 1165"/>
+                <a:gd name="T4" fmla="+- 0 2386 1221"/>
+                <a:gd name="T5" fmla="*/ T4 w 2329"/>
+                <a:gd name="T6" fmla="+- 0 14676 14676"/>
+                <a:gd name="T7" fmla="*/ 14676 h 1165"/>
+                <a:gd name="T8" fmla="+- 0 1221 1221"/>
+                <a:gd name="T9" fmla="*/ T8 w 2329"/>
+                <a:gd name="T10" fmla="+- 0 15840 14676"/>
+                <a:gd name="T11" fmla="*/ 15840 h 1165"/>
+                <a:gd name="T12" fmla="+- 0 3550 1221"/>
+                <a:gd name="T13" fmla="*/ T12 w 2329"/>
+                <a:gd name="T14" fmla="+- 0 15840 14676"/>
+                <a:gd name="T15" fmla="*/ 15840 h 1165"/>
+              </a:gdLst>
+              <a:ahLst/>
+              <a:cxnLst>
+                <a:cxn ang="0">
+                  <a:pos x="T1" y="T3"/>
+                </a:cxn>
+                <a:cxn ang="0">
+                  <a:pos x="T5" y="T7"/>
+                </a:cxn>
+                <a:cxn ang="0">
+                  <a:pos x="T9" y="T11"/>
+                </a:cxn>
+                <a:cxn ang="0">
+                  <a:pos x="T13" y="T15"/>
+                </a:cxn>
+              </a:cxnLst>
+              <a:rect l="0" t="0" r="r" b="b"/>
+              <a:pathLst>
+                <a:path w="2329" h="1165">
+                  <a:moveTo>
+                    <a:pt x="2329" y="1164"/>
+                  </a:moveTo>
+                  <a:lnTo>
+                    <a:pt x="1165" y="0"/>
+                  </a:lnTo>
+                  <a:lnTo>
+                    <a:pt x="0" y="1164"/>
+                  </a:lnTo>
+                  <a:lnTo>
+                    <a:pt x="2329" y="1164"/>
+                  </a:lnTo>
+                </a:path>
+              </a:pathLst>
+            </a:custGeom>
+            <a:solidFill>
+              <a:schemeClr val="accent3"/>
+            </a:solidFill>
+            <a:ln>
+              <a:noFill/>
+            </a:ln>
+            <a:extLst>
+              <a:ext uri="{91240B29-F687-4F45-9708-019B960494DF}">
+                <a14:hiddenLine xmlns:a14="http://schemas.microsoft.com/office/drawing/2010/main" w="9525">
+                  <a:solidFill>
+                    <a:srgbClr val="000000"/>
+                  </a:solidFill>
+                  <a:round/>
+                  <a:headEnd/>
+                  <a:tailEnd/>
+                </a14:hiddenLine>
+              </a:ext>
+            </a:extLst>
+          </p:spPr>
+          <p:txBody>
+            <a:bodyPr rot="0" vert="horz" wrap="square" lIns="91440" tIns="45720" rIns="91440" bIns="45720" rtlCol="0" anchor="t" anchorCtr="0" upright="1">
+              <a:noAutofit/>
+            </a:bodyPr>
+            <a:lstStyle>
+              <a:defPPr>
+                <a:defRPr lang="es-ES"/>
+              </a:defPPr>
+            </a:lstStyle>
+            <a:p>
+              <a:pPr rtl="0"/>
+              <a:endParaRPr lang="es-ES" dirty="0"/>
+            </a:p>
+          </p:txBody>
+        </p:sp>
+      </p:grpSp>
+      <p:sp>
+        <p:nvSpPr>
+          <p:cNvPr id="5" name="CuadroTexto 4">
+            <a:extLst>
+              <a:ext uri="{FF2B5EF4-FFF2-40B4-BE49-F238E27FC236}">
+                <a16:creationId xmlns:a16="http://schemas.microsoft.com/office/drawing/2014/main" id="{F0B9814B-0845-42E4-261E-95749E319893}"/>
+              </a:ext>
+            </a:extLst>
+          </p:cNvPr>
+          <p:cNvSpPr txBox="1"/>
+          <p:nvPr/>
+        </p:nvSpPr>
+        <p:spPr>
+          <a:xfrm>
+            <a:off x="6876661" y="1054945"/>
+            <a:ext cx="4907902" cy="4524315"/>
+          </a:xfrm>
+          <a:prstGeom prst="rect">
+            <a:avLst/>
+          </a:prstGeom>
+          <a:noFill/>
+        </p:spPr>
+        <p:txBody>
+          <a:bodyPr wrap="square" rtlCol="0">
+            <a:spAutoFit/>
+          </a:bodyPr>
+          <a:lstStyle/>
+          <a:p>
+            <a:r>
+              <a:rPr lang="es-PE" sz="900" dirty="0">
+                <a:solidFill>
+                  <a:schemeClr val="bg1"/>
+                </a:solidFill>
+              </a:rPr>
+              <a:t>#!/usr/bin/python</a:t>
+            </a:r>
+          </a:p>
+          <a:p>
+            <a:endParaRPr lang="es-PE" sz="900" dirty="0">
+              <a:solidFill>
+                <a:schemeClr val="bg1"/>
+              </a:solidFill>
+            </a:endParaRPr>
+          </a:p>
+          <a:p>
+            <a:r>
+              <a:rPr lang="es-PE" sz="900" dirty="0" err="1">
+                <a:solidFill>
+                  <a:schemeClr val="bg1"/>
+                </a:solidFill>
+              </a:rPr>
+              <a:t>import</a:t>
+            </a:r>
+            <a:r>
+              <a:rPr lang="es-PE" sz="900" dirty="0">
+                <a:solidFill>
+                  <a:schemeClr val="bg1"/>
+                </a:solidFill>
+              </a:rPr>
+              <a:t> </a:t>
+            </a:r>
+            <a:r>
+              <a:rPr lang="es-PE" sz="900" dirty="0" err="1">
+                <a:solidFill>
+                  <a:schemeClr val="bg1"/>
+                </a:solidFill>
+              </a:rPr>
+              <a:t>Adafruit_DHT</a:t>
+            </a:r>
+            <a:endParaRPr lang="es-PE" sz="900" dirty="0">
+              <a:solidFill>
+                <a:schemeClr val="bg1"/>
+              </a:solidFill>
+            </a:endParaRPr>
+          </a:p>
+          <a:p>
+            <a:r>
+              <a:rPr lang="es-PE" sz="900" dirty="0" err="1">
+                <a:solidFill>
+                  <a:schemeClr val="bg1"/>
+                </a:solidFill>
+              </a:rPr>
+              <a:t>import</a:t>
+            </a:r>
+            <a:r>
+              <a:rPr lang="es-PE" sz="900" dirty="0">
+                <a:solidFill>
+                  <a:schemeClr val="bg1"/>
+                </a:solidFill>
+              </a:rPr>
+              <a:t> </a:t>
+            </a:r>
+            <a:r>
+              <a:rPr lang="es-PE" sz="900" dirty="0" err="1">
+                <a:solidFill>
+                  <a:schemeClr val="bg1"/>
+                </a:solidFill>
+              </a:rPr>
+              <a:t>datetime</a:t>
+            </a:r>
+            <a:endParaRPr lang="es-PE" sz="900" dirty="0">
+              <a:solidFill>
+                <a:schemeClr val="bg1"/>
+              </a:solidFill>
+            </a:endParaRPr>
+          </a:p>
+          <a:p>
+            <a:r>
+              <a:rPr lang="es-PE" sz="900" dirty="0" err="1">
+                <a:solidFill>
+                  <a:schemeClr val="bg1"/>
+                </a:solidFill>
+              </a:rPr>
+              <a:t>import</a:t>
+            </a:r>
+            <a:r>
+              <a:rPr lang="es-PE" sz="900" dirty="0">
+                <a:solidFill>
+                  <a:schemeClr val="bg1"/>
+                </a:solidFill>
+              </a:rPr>
+              <a:t> </a:t>
+            </a:r>
+            <a:r>
+              <a:rPr lang="es-PE" sz="900" dirty="0" err="1">
+                <a:solidFill>
+                  <a:schemeClr val="bg1"/>
+                </a:solidFill>
+              </a:rPr>
+              <a:t>os.path</a:t>
+            </a:r>
+            <a:endParaRPr lang="es-PE" sz="900" dirty="0">
+              <a:solidFill>
+                <a:schemeClr val="bg1"/>
+              </a:solidFill>
+            </a:endParaRPr>
+          </a:p>
+          <a:p>
+            <a:endParaRPr lang="es-PE" sz="900" dirty="0">
+              <a:solidFill>
+                <a:schemeClr val="bg1"/>
+              </a:solidFill>
+            </a:endParaRPr>
+          </a:p>
+          <a:p>
+            <a:r>
+              <a:rPr lang="es-PE" sz="900" dirty="0">
+                <a:solidFill>
+                  <a:schemeClr val="bg1"/>
+                </a:solidFill>
+              </a:rPr>
+              <a:t># </a:t>
+            </a:r>
+            <a:r>
+              <a:rPr lang="es-PE" sz="900" dirty="0" err="1">
+                <a:solidFill>
+                  <a:schemeClr val="bg1"/>
+                </a:solidFill>
+              </a:rPr>
+              <a:t>import</a:t>
+            </a:r>
+            <a:r>
+              <a:rPr lang="es-PE" sz="900" dirty="0">
+                <a:solidFill>
+                  <a:schemeClr val="bg1"/>
+                </a:solidFill>
+              </a:rPr>
+              <a:t> </a:t>
+            </a:r>
+            <a:r>
+              <a:rPr lang="es-PE" sz="900" dirty="0" err="1">
+                <a:solidFill>
+                  <a:schemeClr val="bg1"/>
+                </a:solidFill>
+              </a:rPr>
+              <a:t>psutil</a:t>
+            </a:r>
+            <a:endParaRPr lang="es-PE" sz="900" dirty="0">
+              <a:solidFill>
+                <a:schemeClr val="bg1"/>
+              </a:solidFill>
+            </a:endParaRPr>
+          </a:p>
+          <a:p>
+            <a:r>
+              <a:rPr lang="es-PE" sz="900" dirty="0">
+                <a:solidFill>
+                  <a:schemeClr val="bg1"/>
+                </a:solidFill>
+              </a:rPr>
+              <a:t># </a:t>
+            </a:r>
+            <a:r>
+              <a:rPr lang="es-PE" sz="900" dirty="0" err="1">
+                <a:solidFill>
+                  <a:schemeClr val="bg1"/>
+                </a:solidFill>
+              </a:rPr>
+              <a:t>If</a:t>
+            </a:r>
+            <a:r>
+              <a:rPr lang="es-PE" sz="900" dirty="0">
+                <a:solidFill>
+                  <a:schemeClr val="bg1"/>
+                </a:solidFill>
+              </a:rPr>
+              <a:t> true: </a:t>
+            </a:r>
+            <a:r>
+              <a:rPr lang="es-PE" sz="900" dirty="0" err="1">
+                <a:solidFill>
+                  <a:schemeClr val="bg1"/>
+                </a:solidFill>
+              </a:rPr>
+              <a:t>import</a:t>
+            </a:r>
+            <a:r>
+              <a:rPr lang="es-PE" sz="900" dirty="0">
+                <a:solidFill>
+                  <a:schemeClr val="bg1"/>
+                </a:solidFill>
+              </a:rPr>
+              <a:t> </a:t>
+            </a:r>
+            <a:r>
+              <a:rPr lang="es-PE" sz="900" dirty="0" err="1">
+                <a:solidFill>
+                  <a:schemeClr val="bg1"/>
+                </a:solidFill>
+              </a:rPr>
+              <a:t>psutil</a:t>
+            </a:r>
+            <a:endParaRPr lang="es-PE" sz="900" dirty="0">
+              <a:solidFill>
+                <a:schemeClr val="bg1"/>
+              </a:solidFill>
+            </a:endParaRPr>
+          </a:p>
+          <a:p>
+            <a:r>
+              <a:rPr lang="es-PE" sz="900" dirty="0" err="1">
+                <a:solidFill>
+                  <a:schemeClr val="bg1"/>
+                </a:solidFill>
+              </a:rPr>
+              <a:t>raspberry_data</a:t>
+            </a:r>
+            <a:r>
+              <a:rPr lang="es-PE" sz="900" dirty="0">
+                <a:solidFill>
+                  <a:schemeClr val="bg1"/>
+                </a:solidFill>
+              </a:rPr>
+              <a:t> = </a:t>
+            </a:r>
+            <a:r>
+              <a:rPr lang="es-PE" sz="900" dirty="0" err="1">
+                <a:solidFill>
+                  <a:schemeClr val="bg1"/>
+                </a:solidFill>
+              </a:rPr>
+              <a:t>None</a:t>
+            </a:r>
+            <a:endParaRPr lang="es-PE" sz="900" dirty="0">
+              <a:solidFill>
+                <a:schemeClr val="bg1"/>
+              </a:solidFill>
+            </a:endParaRPr>
+          </a:p>
+          <a:p>
+            <a:endParaRPr lang="es-PE" sz="900" dirty="0">
+              <a:solidFill>
+                <a:schemeClr val="bg1"/>
+              </a:solidFill>
+            </a:endParaRPr>
+          </a:p>
+          <a:p>
+            <a:r>
+              <a:rPr lang="es-PE" sz="900" dirty="0">
+                <a:solidFill>
+                  <a:schemeClr val="bg1"/>
+                </a:solidFill>
+              </a:rPr>
+              <a:t># </a:t>
+            </a:r>
+            <a:r>
+              <a:rPr lang="es-PE" sz="900" dirty="0" err="1">
+                <a:solidFill>
+                  <a:schemeClr val="bg1"/>
+                </a:solidFill>
+              </a:rPr>
+              <a:t>Adds</a:t>
+            </a:r>
+            <a:r>
+              <a:rPr lang="es-PE" sz="900" dirty="0">
+                <a:solidFill>
+                  <a:schemeClr val="bg1"/>
+                </a:solidFill>
+              </a:rPr>
+              <a:t> </a:t>
+            </a:r>
+            <a:r>
+              <a:rPr lang="es-PE" sz="900" dirty="0" err="1">
+                <a:solidFill>
+                  <a:schemeClr val="bg1"/>
+                </a:solidFill>
+              </a:rPr>
+              <a:t>following</a:t>
+            </a:r>
+            <a:r>
+              <a:rPr lang="es-PE" sz="900" dirty="0">
+                <a:solidFill>
+                  <a:schemeClr val="bg1"/>
+                </a:solidFill>
+              </a:rPr>
+              <a:t> </a:t>
+            </a:r>
+            <a:r>
+              <a:rPr lang="es-PE" sz="900" dirty="0" err="1">
+                <a:solidFill>
+                  <a:schemeClr val="bg1"/>
+                </a:solidFill>
+              </a:rPr>
+              <a:t>value</a:t>
+            </a:r>
+            <a:r>
+              <a:rPr lang="es-PE" sz="900" dirty="0">
+                <a:solidFill>
+                  <a:schemeClr val="bg1"/>
+                </a:solidFill>
+              </a:rPr>
+              <a:t> </a:t>
+            </a:r>
+            <a:r>
+              <a:rPr lang="es-PE" sz="900" dirty="0" err="1">
+                <a:solidFill>
+                  <a:schemeClr val="bg1"/>
+                </a:solidFill>
+              </a:rPr>
+              <a:t>to</a:t>
+            </a:r>
+            <a:r>
+              <a:rPr lang="es-PE" sz="900" dirty="0">
+                <a:solidFill>
+                  <a:schemeClr val="bg1"/>
+                </a:solidFill>
+              </a:rPr>
+              <a:t> </a:t>
+            </a:r>
+            <a:r>
+              <a:rPr lang="es-PE" sz="900" dirty="0" err="1">
+                <a:solidFill>
+                  <a:schemeClr val="bg1"/>
+                </a:solidFill>
+              </a:rPr>
+              <a:t>dht</a:t>
+            </a:r>
+            <a:r>
+              <a:rPr lang="es-PE" sz="900" dirty="0">
+                <a:solidFill>
+                  <a:schemeClr val="bg1"/>
+                </a:solidFill>
+              </a:rPr>
+              <a:t> 11 </a:t>
+            </a:r>
+            <a:r>
+              <a:rPr lang="es-PE" sz="900" dirty="0" err="1">
+                <a:solidFill>
+                  <a:schemeClr val="bg1"/>
+                </a:solidFill>
+              </a:rPr>
+              <a:t>temperature</a:t>
+            </a:r>
+            <a:r>
+              <a:rPr lang="es-PE" sz="900" dirty="0">
+                <a:solidFill>
+                  <a:schemeClr val="bg1"/>
+                </a:solidFill>
+              </a:rPr>
+              <a:t> </a:t>
+            </a:r>
+            <a:r>
+              <a:rPr lang="es-PE" sz="900" dirty="0" err="1">
+                <a:solidFill>
+                  <a:schemeClr val="bg1"/>
+                </a:solidFill>
+              </a:rPr>
+              <a:t>value</a:t>
+            </a:r>
+            <a:endParaRPr lang="es-PE" sz="900" dirty="0">
+              <a:solidFill>
+                <a:schemeClr val="bg1"/>
+              </a:solidFill>
+            </a:endParaRPr>
+          </a:p>
+          <a:p>
+            <a:r>
+              <a:rPr lang="es-PE" sz="900" dirty="0" err="1">
+                <a:solidFill>
+                  <a:schemeClr val="bg1"/>
+                </a:solidFill>
+              </a:rPr>
+              <a:t>temperature_correction</a:t>
+            </a:r>
+            <a:r>
+              <a:rPr lang="es-PE" sz="900" dirty="0">
+                <a:solidFill>
+                  <a:schemeClr val="bg1"/>
+                </a:solidFill>
+              </a:rPr>
+              <a:t> = 1.0</a:t>
+            </a:r>
+          </a:p>
+          <a:p>
+            <a:endParaRPr lang="es-PE" sz="900" dirty="0">
+              <a:solidFill>
+                <a:schemeClr val="bg1"/>
+              </a:solidFill>
+            </a:endParaRPr>
+          </a:p>
+          <a:p>
+            <a:r>
+              <a:rPr lang="es-PE" sz="900" dirty="0">
+                <a:solidFill>
+                  <a:schemeClr val="bg1"/>
+                </a:solidFill>
+              </a:rPr>
+              <a:t># </a:t>
+            </a:r>
+            <a:r>
+              <a:rPr lang="es-PE" sz="900" dirty="0" err="1">
+                <a:solidFill>
+                  <a:schemeClr val="bg1"/>
+                </a:solidFill>
+              </a:rPr>
+              <a:t>Make</a:t>
+            </a:r>
+            <a:r>
+              <a:rPr lang="es-PE" sz="900" dirty="0">
+                <a:solidFill>
+                  <a:schemeClr val="bg1"/>
+                </a:solidFill>
+              </a:rPr>
+              <a:t> </a:t>
+            </a:r>
+            <a:r>
+              <a:rPr lang="es-PE" sz="900" dirty="0" err="1">
+                <a:solidFill>
+                  <a:schemeClr val="bg1"/>
+                </a:solidFill>
+              </a:rPr>
+              <a:t>sure</a:t>
+            </a:r>
+            <a:r>
+              <a:rPr lang="es-PE" sz="900" dirty="0">
+                <a:solidFill>
+                  <a:schemeClr val="bg1"/>
+                </a:solidFill>
+              </a:rPr>
+              <a:t> </a:t>
+            </a:r>
+            <a:r>
+              <a:rPr lang="es-PE" sz="900" dirty="0" err="1">
+                <a:solidFill>
+                  <a:schemeClr val="bg1"/>
+                </a:solidFill>
+              </a:rPr>
+              <a:t>the</a:t>
+            </a:r>
+            <a:r>
+              <a:rPr lang="es-PE" sz="900" dirty="0">
+                <a:solidFill>
+                  <a:schemeClr val="bg1"/>
+                </a:solidFill>
+              </a:rPr>
+              <a:t> </a:t>
+            </a:r>
+            <a:r>
+              <a:rPr lang="es-PE" sz="900" dirty="0" err="1">
+                <a:solidFill>
+                  <a:schemeClr val="bg1"/>
+                </a:solidFill>
+              </a:rPr>
+              <a:t>directory</a:t>
+            </a:r>
+            <a:r>
+              <a:rPr lang="es-PE" sz="900" dirty="0">
+                <a:solidFill>
+                  <a:schemeClr val="bg1"/>
+                </a:solidFill>
+              </a:rPr>
+              <a:t> </a:t>
+            </a:r>
+            <a:r>
+              <a:rPr lang="es-PE" sz="900" dirty="0" err="1">
+                <a:solidFill>
+                  <a:schemeClr val="bg1"/>
+                </a:solidFill>
+              </a:rPr>
+              <a:t>exist</a:t>
+            </a:r>
+            <a:endParaRPr lang="es-PE" sz="900" dirty="0">
+              <a:solidFill>
+                <a:schemeClr val="bg1"/>
+              </a:solidFill>
+            </a:endParaRPr>
+          </a:p>
+          <a:p>
+            <a:r>
+              <a:rPr lang="es-PE" sz="900" dirty="0" err="1">
+                <a:solidFill>
+                  <a:schemeClr val="bg1"/>
+                </a:solidFill>
+              </a:rPr>
+              <a:t>filename</a:t>
+            </a:r>
+            <a:r>
+              <a:rPr lang="es-PE" sz="900" dirty="0">
+                <a:solidFill>
+                  <a:schemeClr val="bg1"/>
+                </a:solidFill>
+              </a:rPr>
+              <a:t> = "/app/</a:t>
+            </a:r>
+            <a:r>
+              <a:rPr lang="es-PE" sz="900" dirty="0" err="1">
+                <a:solidFill>
+                  <a:schemeClr val="bg1"/>
+                </a:solidFill>
+              </a:rPr>
+              <a:t>src</a:t>
+            </a:r>
+            <a:r>
+              <a:rPr lang="es-PE" sz="900" dirty="0">
+                <a:solidFill>
+                  <a:schemeClr val="bg1"/>
+                </a:solidFill>
+              </a:rPr>
+              <a:t>/</a:t>
+            </a:r>
+            <a:r>
+              <a:rPr lang="es-PE" sz="900" dirty="0" err="1">
+                <a:solidFill>
+                  <a:schemeClr val="bg1"/>
+                </a:solidFill>
+              </a:rPr>
+              <a:t>db</a:t>
+            </a:r>
+            <a:r>
+              <a:rPr lang="es-PE" sz="900" dirty="0">
+                <a:solidFill>
+                  <a:schemeClr val="bg1"/>
+                </a:solidFill>
+              </a:rPr>
+              <a:t>/data.csv"</a:t>
+            </a:r>
+          </a:p>
+          <a:p>
+            <a:endParaRPr lang="es-PE" sz="900" dirty="0">
+              <a:solidFill>
+                <a:schemeClr val="bg1"/>
+              </a:solidFill>
+            </a:endParaRPr>
+          </a:p>
+          <a:p>
+            <a:r>
+              <a:rPr lang="es-PE" sz="900" dirty="0" err="1">
+                <a:solidFill>
+                  <a:schemeClr val="bg1"/>
+                </a:solidFill>
+              </a:rPr>
+              <a:t>data_to_send</a:t>
+            </a:r>
+            <a:r>
+              <a:rPr lang="es-PE" sz="900" dirty="0">
+                <a:solidFill>
+                  <a:schemeClr val="bg1"/>
+                </a:solidFill>
+              </a:rPr>
+              <a:t> = []</a:t>
+            </a:r>
+          </a:p>
+          <a:p>
+            <a:endParaRPr lang="es-PE" sz="900" dirty="0">
+              <a:solidFill>
+                <a:schemeClr val="bg1"/>
+              </a:solidFill>
+            </a:endParaRPr>
+          </a:p>
+          <a:p>
+            <a:r>
+              <a:rPr lang="es-PE" sz="900" dirty="0" err="1">
+                <a:solidFill>
+                  <a:schemeClr val="bg1"/>
+                </a:solidFill>
+              </a:rPr>
+              <a:t>print</a:t>
+            </a:r>
+            <a:r>
+              <a:rPr lang="es-PE" sz="900" dirty="0">
+                <a:solidFill>
+                  <a:schemeClr val="bg1"/>
+                </a:solidFill>
+              </a:rPr>
+              <a:t>("</a:t>
+            </a:r>
+            <a:r>
+              <a:rPr lang="es-PE" sz="900" dirty="0" err="1">
+                <a:solidFill>
+                  <a:schemeClr val="bg1"/>
+                </a:solidFill>
+              </a:rPr>
+              <a:t>Start</a:t>
+            </a:r>
+            <a:r>
+              <a:rPr lang="es-PE" sz="900" dirty="0">
+                <a:solidFill>
+                  <a:schemeClr val="bg1"/>
+                </a:solidFill>
+              </a:rPr>
+              <a:t> </a:t>
+            </a:r>
+            <a:r>
+              <a:rPr lang="es-PE" sz="900" dirty="0" err="1">
+                <a:solidFill>
+                  <a:schemeClr val="bg1"/>
+                </a:solidFill>
+              </a:rPr>
+              <a:t>reading</a:t>
+            </a:r>
+            <a:r>
+              <a:rPr lang="es-PE" sz="900" dirty="0">
+                <a:solidFill>
+                  <a:schemeClr val="bg1"/>
+                </a:solidFill>
+              </a:rPr>
+              <a:t> DHT11")</a:t>
+            </a:r>
+          </a:p>
+          <a:p>
+            <a:endParaRPr lang="es-PE" sz="900" dirty="0">
+              <a:solidFill>
+                <a:schemeClr val="bg1"/>
+              </a:solidFill>
+            </a:endParaRPr>
+          </a:p>
+          <a:p>
+            <a:r>
+              <a:rPr lang="es-PE" sz="900" dirty="0">
+                <a:solidFill>
+                  <a:schemeClr val="bg1"/>
+                </a:solidFill>
+              </a:rPr>
+              <a:t># Time</a:t>
+            </a:r>
+          </a:p>
+          <a:p>
+            <a:r>
+              <a:rPr lang="es-PE" sz="900" dirty="0" err="1">
+                <a:solidFill>
+                  <a:schemeClr val="bg1"/>
+                </a:solidFill>
+              </a:rPr>
+              <a:t>data_to_send.append</a:t>
+            </a:r>
+            <a:r>
+              <a:rPr lang="es-PE" sz="900" dirty="0">
+                <a:solidFill>
+                  <a:schemeClr val="bg1"/>
+                </a:solidFill>
+              </a:rPr>
+              <a:t>(</a:t>
+            </a:r>
+            <a:r>
+              <a:rPr lang="es-PE" sz="900" dirty="0" err="1">
+                <a:solidFill>
+                  <a:schemeClr val="bg1"/>
+                </a:solidFill>
+              </a:rPr>
+              <a:t>str</a:t>
+            </a:r>
+            <a:r>
+              <a:rPr lang="es-PE" sz="900" dirty="0">
+                <a:solidFill>
+                  <a:schemeClr val="bg1"/>
+                </a:solidFill>
+              </a:rPr>
+              <a:t>(</a:t>
+            </a:r>
+            <a:r>
+              <a:rPr lang="es-PE" sz="900" dirty="0" err="1">
+                <a:solidFill>
+                  <a:schemeClr val="bg1"/>
+                </a:solidFill>
+              </a:rPr>
+              <a:t>datetime.datetime.now</a:t>
+            </a:r>
+            <a:r>
+              <a:rPr lang="es-PE" sz="900" dirty="0">
+                <a:solidFill>
+                  <a:schemeClr val="bg1"/>
+                </a:solidFill>
+              </a:rPr>
+              <a:t>()))</a:t>
+            </a:r>
+          </a:p>
+          <a:p>
+            <a:endParaRPr lang="es-PE" sz="900" dirty="0">
+              <a:solidFill>
+                <a:schemeClr val="bg1"/>
+              </a:solidFill>
+            </a:endParaRPr>
+          </a:p>
+          <a:p>
+            <a:r>
+              <a:rPr lang="es-PE" sz="900" dirty="0">
+                <a:solidFill>
+                  <a:schemeClr val="bg1"/>
+                </a:solidFill>
+              </a:rPr>
+              <a:t># </a:t>
+            </a:r>
+            <a:r>
+              <a:rPr lang="es-PE" sz="900" dirty="0" err="1">
+                <a:solidFill>
+                  <a:schemeClr val="bg1"/>
+                </a:solidFill>
+              </a:rPr>
+              <a:t>Raspberrys</a:t>
+            </a:r>
+            <a:r>
+              <a:rPr lang="es-PE" sz="900" dirty="0">
+                <a:solidFill>
+                  <a:schemeClr val="bg1"/>
+                </a:solidFill>
+              </a:rPr>
+              <a:t> data</a:t>
+            </a:r>
+          </a:p>
+          <a:p>
+            <a:r>
+              <a:rPr lang="es-PE" sz="900" dirty="0" err="1">
+                <a:solidFill>
+                  <a:schemeClr val="bg1"/>
+                </a:solidFill>
+              </a:rPr>
+              <a:t>if</a:t>
+            </a:r>
+            <a:r>
+              <a:rPr lang="es-PE" sz="900" dirty="0">
+                <a:solidFill>
+                  <a:schemeClr val="bg1"/>
+                </a:solidFill>
+              </a:rPr>
+              <a:t> </a:t>
+            </a:r>
+            <a:r>
+              <a:rPr lang="es-PE" sz="900" dirty="0" err="1">
+                <a:solidFill>
+                  <a:schemeClr val="bg1"/>
+                </a:solidFill>
+              </a:rPr>
+              <a:t>raspberry_data</a:t>
+            </a:r>
+            <a:r>
+              <a:rPr lang="es-PE" sz="900" dirty="0">
+                <a:solidFill>
+                  <a:schemeClr val="bg1"/>
+                </a:solidFill>
+              </a:rPr>
+              <a:t>:</a:t>
+            </a:r>
+          </a:p>
+          <a:p>
+            <a:r>
+              <a:rPr lang="es-PE" sz="900" dirty="0">
+                <a:solidFill>
+                  <a:schemeClr val="bg1"/>
+                </a:solidFill>
+              </a:rPr>
+              <a:t>        </a:t>
+            </a:r>
+            <a:r>
+              <a:rPr lang="es-PE" sz="900" dirty="0" err="1">
+                <a:solidFill>
+                  <a:schemeClr val="bg1"/>
+                </a:solidFill>
+              </a:rPr>
+              <a:t>data_to_send.append</a:t>
+            </a:r>
+            <a:r>
+              <a:rPr lang="es-PE" sz="900" dirty="0">
+                <a:solidFill>
+                  <a:schemeClr val="bg1"/>
+                </a:solidFill>
+              </a:rPr>
+              <a:t>(</a:t>
+            </a:r>
+            <a:r>
+              <a:rPr lang="es-PE" sz="900" dirty="0" err="1">
+                <a:solidFill>
+                  <a:schemeClr val="bg1"/>
+                </a:solidFill>
+              </a:rPr>
+              <a:t>psutil.disk_usage</a:t>
+            </a:r>
+            <a:r>
+              <a:rPr lang="es-PE" sz="900" dirty="0">
+                <a:solidFill>
+                  <a:schemeClr val="bg1"/>
+                </a:solidFill>
+              </a:rPr>
+              <a:t>("/").</a:t>
+            </a:r>
+            <a:r>
+              <a:rPr lang="es-PE" sz="900" dirty="0" err="1">
+                <a:solidFill>
+                  <a:schemeClr val="bg1"/>
+                </a:solidFill>
+              </a:rPr>
+              <a:t>percent</a:t>
+            </a:r>
+            <a:r>
+              <a:rPr lang="es-PE" sz="900" dirty="0">
+                <a:solidFill>
+                  <a:schemeClr val="bg1"/>
+                </a:solidFill>
+              </a:rPr>
+              <a:t>)</a:t>
+            </a:r>
+          </a:p>
+          <a:p>
+            <a:r>
+              <a:rPr lang="es-PE" sz="900" dirty="0">
+                <a:solidFill>
+                  <a:schemeClr val="bg1"/>
+                </a:solidFill>
+              </a:rPr>
+              <a:t>        </a:t>
+            </a:r>
+            <a:r>
+              <a:rPr lang="es-PE" sz="900" dirty="0" err="1">
+                <a:solidFill>
+                  <a:schemeClr val="bg1"/>
+                </a:solidFill>
+              </a:rPr>
+              <a:t>data_to_send.append</a:t>
+            </a:r>
+            <a:r>
+              <a:rPr lang="es-PE" sz="900" dirty="0">
+                <a:solidFill>
+                  <a:schemeClr val="bg1"/>
+                </a:solidFill>
+              </a:rPr>
+              <a:t>(</a:t>
+            </a:r>
+            <a:r>
+              <a:rPr lang="es-PE" sz="900" dirty="0" err="1">
+                <a:solidFill>
+                  <a:schemeClr val="bg1"/>
+                </a:solidFill>
+              </a:rPr>
+              <a:t>psutil.cpu_percent</a:t>
+            </a:r>
+            <a:r>
+              <a:rPr lang="es-PE" sz="900" dirty="0">
+                <a:solidFill>
+                  <a:schemeClr val="bg1"/>
+                </a:solidFill>
+              </a:rPr>
+              <a:t>(1))</a:t>
+            </a:r>
+          </a:p>
+          <a:p>
+            <a:r>
+              <a:rPr lang="es-PE" sz="900" dirty="0">
+                <a:solidFill>
+                  <a:schemeClr val="bg1"/>
+                </a:solidFill>
+              </a:rPr>
+              <a:t>        </a:t>
+            </a:r>
+            <a:r>
+              <a:rPr lang="es-PE" sz="900" dirty="0" err="1">
+                <a:solidFill>
+                  <a:schemeClr val="bg1"/>
+                </a:solidFill>
+              </a:rPr>
+              <a:t>data_to_send.append</a:t>
+            </a:r>
+            <a:r>
+              <a:rPr lang="es-PE" sz="900" dirty="0">
+                <a:solidFill>
+                  <a:schemeClr val="bg1"/>
+                </a:solidFill>
+              </a:rPr>
+              <a:t>(0)</a:t>
+            </a:r>
+          </a:p>
+          <a:p>
+            <a:r>
+              <a:rPr lang="es-PE" sz="900" dirty="0">
+                <a:solidFill>
+                  <a:schemeClr val="bg1"/>
+                </a:solidFill>
+              </a:rPr>
+              <a:t>        </a:t>
+            </a:r>
+            <a:r>
+              <a:rPr lang="es-PE" sz="900" dirty="0" err="1">
+                <a:solidFill>
+                  <a:schemeClr val="bg1"/>
+                </a:solidFill>
+              </a:rPr>
+              <a:t>data_to_send.append</a:t>
+            </a:r>
+            <a:r>
+              <a:rPr lang="es-PE" sz="900" dirty="0">
+                <a:solidFill>
+                  <a:schemeClr val="bg1"/>
+                </a:solidFill>
+              </a:rPr>
+              <a:t>(</a:t>
+            </a:r>
+            <a:r>
+              <a:rPr lang="es-PE" sz="900" dirty="0" err="1">
+                <a:solidFill>
+                  <a:schemeClr val="bg1"/>
+                </a:solidFill>
+              </a:rPr>
+              <a:t>psutil.sensors_temperatures</a:t>
+            </a:r>
+            <a:r>
+              <a:rPr lang="es-PE" sz="900" dirty="0">
+                <a:solidFill>
+                  <a:schemeClr val="bg1"/>
+                </a:solidFill>
+              </a:rPr>
+              <a:t>()["</a:t>
+            </a:r>
+            <a:r>
+              <a:rPr lang="es-PE" sz="900" dirty="0" err="1">
+                <a:solidFill>
+                  <a:schemeClr val="bg1"/>
+                </a:solidFill>
+              </a:rPr>
+              <a:t>cpu-thermal</a:t>
+            </a:r>
+            <a:r>
+              <a:rPr lang="es-PE" sz="900" dirty="0">
+                <a:solidFill>
+                  <a:schemeClr val="bg1"/>
+                </a:solidFill>
+              </a:rPr>
+              <a:t>"][0].</a:t>
+            </a:r>
+            <a:r>
+              <a:rPr lang="es-PE" sz="900" dirty="0" err="1">
+                <a:solidFill>
+                  <a:schemeClr val="bg1"/>
+                </a:solidFill>
+              </a:rPr>
+              <a:t>current</a:t>
+            </a:r>
+            <a:r>
+              <a:rPr lang="es-PE" sz="900" dirty="0">
+                <a:solidFill>
+                  <a:schemeClr val="bg1"/>
+                </a:solidFill>
+              </a:rPr>
+              <a:t>)</a:t>
+            </a:r>
+          </a:p>
+          <a:p>
+            <a:r>
+              <a:rPr lang="es-PE" sz="900" dirty="0">
+                <a:solidFill>
+                  <a:schemeClr val="bg1"/>
+                </a:solidFill>
+              </a:rPr>
+              <a:t>        </a:t>
+            </a:r>
+            <a:r>
+              <a:rPr lang="es-PE" sz="900" dirty="0" err="1">
+                <a:solidFill>
+                  <a:schemeClr val="bg1"/>
+                </a:solidFill>
+              </a:rPr>
+              <a:t>data_to_send.append</a:t>
+            </a:r>
+            <a:r>
+              <a:rPr lang="es-PE" sz="900" dirty="0">
+                <a:solidFill>
+                  <a:schemeClr val="bg1"/>
+                </a:solidFill>
+              </a:rPr>
+              <a:t>(</a:t>
+            </a:r>
+            <a:r>
+              <a:rPr lang="es-PE" sz="900" dirty="0" err="1">
+                <a:solidFill>
+                  <a:schemeClr val="bg1"/>
+                </a:solidFill>
+              </a:rPr>
+              <a:t>psutil.virtual_memory</a:t>
+            </a:r>
+            <a:r>
+              <a:rPr lang="es-PE" sz="900" dirty="0">
+                <a:solidFill>
+                  <a:schemeClr val="bg1"/>
+                </a:solidFill>
+              </a:rPr>
+              <a:t>().</a:t>
+            </a:r>
+            <a:r>
+              <a:rPr lang="es-PE" sz="900" dirty="0" err="1">
+                <a:solidFill>
+                  <a:schemeClr val="bg1"/>
+                </a:solidFill>
+              </a:rPr>
+              <a:t>percent</a:t>
+            </a:r>
+            <a:r>
+              <a:rPr lang="es-PE" sz="900" dirty="0">
+                <a:solidFill>
+                  <a:schemeClr val="bg1"/>
+                </a:solidFill>
+              </a:rPr>
+              <a:t>)</a:t>
+            </a:r>
+          </a:p>
+          <a:p>
+            <a:r>
+              <a:rPr lang="es-PE" sz="900" dirty="0">
+                <a:solidFill>
+                  <a:schemeClr val="bg1"/>
+                </a:solidFill>
+              </a:rPr>
+              <a:t>        </a:t>
+            </a:r>
+            <a:r>
+              <a:rPr lang="es-PE" sz="900" dirty="0" err="1">
+                <a:solidFill>
+                  <a:schemeClr val="bg1"/>
+                </a:solidFill>
+              </a:rPr>
+              <a:t>print</a:t>
+            </a:r>
+            <a:r>
+              <a:rPr lang="es-PE" sz="900" dirty="0">
+                <a:solidFill>
+                  <a:schemeClr val="bg1"/>
+                </a:solidFill>
+              </a:rPr>
+              <a:t>("</a:t>
+            </a:r>
+            <a:r>
+              <a:rPr lang="es-PE" sz="900" dirty="0" err="1">
+                <a:solidFill>
+                  <a:schemeClr val="bg1"/>
+                </a:solidFill>
+              </a:rPr>
+              <a:t>Got</a:t>
+            </a:r>
+            <a:r>
+              <a:rPr lang="es-PE" sz="900" dirty="0">
+                <a:solidFill>
+                  <a:schemeClr val="bg1"/>
+                </a:solidFill>
+              </a:rPr>
+              <a:t> </a:t>
+            </a:r>
+            <a:r>
+              <a:rPr lang="es-PE" sz="900" dirty="0" err="1">
+                <a:solidFill>
+                  <a:schemeClr val="bg1"/>
+                </a:solidFill>
+              </a:rPr>
+              <a:t>your</a:t>
+            </a:r>
+            <a:r>
+              <a:rPr lang="es-PE" sz="900" dirty="0">
+                <a:solidFill>
+                  <a:schemeClr val="bg1"/>
+                </a:solidFill>
+              </a:rPr>
+              <a:t> PI data")</a:t>
+            </a:r>
+          </a:p>
+          <a:p>
+            <a:endParaRPr lang="es-PE" sz="900" dirty="0">
+              <a:solidFill>
+                <a:schemeClr val="bg1"/>
+              </a:solidFill>
+            </a:endParaRPr>
           </a:p>
         </p:txBody>
       </p:sp>
     </p:spTree>
     <p:extLst>
       <p:ext uri="{BB962C8B-B14F-4D97-AF65-F5344CB8AC3E}">
-        <p14:creationId xmlns:p14="http://schemas.microsoft.com/office/powerpoint/2010/main" val="4261132419"/>
+        <p14:creationId xmlns:p14="http://schemas.microsoft.com/office/powerpoint/2010/main" val="2629897587"/>
       </p:ext>
     </p:extLst>
   </p:cSld>
@@ -12576,6 +17797,15 @@
 </file>
 
 <file path=customXml/item1.xml><?xml version="1.0" encoding="utf-8"?>
+<?mso-contentType ?>
+<FormTemplates xmlns="http://schemas.microsoft.com/sharepoint/v3/contenttype/forms">
+  <Display>DocumentLibraryForm</Display>
+  <Edit>DocumentLibraryForm</Edit>
+  <New>DocumentLibraryForm</New>
+</FormTemplates>
+</file>
+
+<file path=customXml/item2.xml><?xml version="1.0" encoding="utf-8"?>
 <p:properties xmlns:p="http://schemas.microsoft.com/office/2006/metadata/properties" xmlns:xsi="http://www.w3.org/2001/XMLSchema-instance" xmlns:pc="http://schemas.microsoft.com/office/infopath/2007/PartnerControls">
   <documentManagement>
     <Background xmlns="71af3243-3dd4-4a8d-8c0d-dd76da1f02a5">false</Background>
@@ -12593,15 +17823,6 @@
     <MediaServiceKeyPoints xmlns="71af3243-3dd4-4a8d-8c0d-dd76da1f02a5" xsi:nil="true"/>
   </documentManagement>
 </p:properties>
-</file>
-
-<file path=customXml/item2.xml><?xml version="1.0" encoding="utf-8"?>
-<?mso-contentType ?>
-<FormTemplates xmlns="http://schemas.microsoft.com/sharepoint/v3/contenttype/forms">
-  <Display>DocumentLibraryForm</Display>
-  <Edit>DocumentLibraryForm</Edit>
-  <New>DocumentLibraryForm</New>
-</FormTemplates>
 </file>
 
 <file path=customXml/item3.xml><?xml version="1.0" encoding="utf-8"?>
@@ -12917,6 +18138,14 @@
 </file>
 
 <file path=customXml/itemProps1.xml><?xml version="1.0" encoding="utf-8"?>
+<ds:datastoreItem xmlns:ds="http://schemas.openxmlformats.org/officeDocument/2006/customXml" ds:itemID="{C21FFAC0-05A2-416A-B06C-C248395482CF}">
+  <ds:schemaRefs>
+    <ds:schemaRef ds:uri="http://schemas.microsoft.com/sharepoint/v3/contenttype/forms"/>
+  </ds:schemaRefs>
+</ds:datastoreItem>
+</file>
+
+<file path=customXml/itemProps2.xml><?xml version="1.0" encoding="utf-8"?>
 <ds:datastoreItem xmlns:ds="http://schemas.openxmlformats.org/officeDocument/2006/customXml" ds:itemID="{4F4B194E-8B30-4377-8C59-ECFB902D2A26}">
   <ds:schemaRefs>
     <ds:schemaRef ds:uri="http://schemas.microsoft.com/office/2006/metadata/properties"/>
@@ -12924,14 +18153,6 @@
     <ds:schemaRef ds:uri="71af3243-3dd4-4a8d-8c0d-dd76da1f02a5"/>
     <ds:schemaRef ds:uri="http://schemas.microsoft.com/sharepoint/v3"/>
     <ds:schemaRef ds:uri="230e9df3-be65-4c73-a93b-d1236ebd677e"/>
-  </ds:schemaRefs>
-</ds:datastoreItem>
-</file>
-
-<file path=customXml/itemProps2.xml><?xml version="1.0" encoding="utf-8"?>
-<ds:datastoreItem xmlns:ds="http://schemas.openxmlformats.org/officeDocument/2006/customXml" ds:itemID="{C21FFAC0-05A2-416A-B06C-C248395482CF}">
-  <ds:schemaRefs>
-    <ds:schemaRef ds:uri="http://schemas.microsoft.com/sharepoint/v3/contenttype/forms"/>
   </ds:schemaRefs>
 </ds:datastoreItem>
 </file>
